--- a/slide-do-phuc-tap.pptx
+++ b/slide-do-phuc-tap.pptx
@@ -8,7 +8,7 @@
     <p:sldMasterId id="2147483687" r:id="rId4"/>
   </p:sldMasterIdLst>
   <p:notesMasterIdLst>
-    <p:notesMasterId r:id="rId50"/>
+    <p:notesMasterId r:id="rId51"/>
   </p:notesMasterIdLst>
   <p:sldIdLst>
     <p:sldId id="256" r:id="rId5"/>
@@ -34,28 +34,29 @@
     <p:sldId id="276" r:id="rId25"/>
     <p:sldId id="277" r:id="rId26"/>
     <p:sldId id="278" r:id="rId27"/>
-    <p:sldId id="279" r:id="rId28"/>
-    <p:sldId id="280" r:id="rId29"/>
-    <p:sldId id="281" r:id="rId30"/>
-    <p:sldId id="282" r:id="rId31"/>
-    <p:sldId id="283" r:id="rId32"/>
-    <p:sldId id="284" r:id="rId33"/>
-    <p:sldId id="285" r:id="rId34"/>
-    <p:sldId id="286" r:id="rId35"/>
-    <p:sldId id="287" r:id="rId36"/>
-    <p:sldId id="288" r:id="rId37"/>
-    <p:sldId id="289" r:id="rId38"/>
-    <p:sldId id="290" r:id="rId39"/>
-    <p:sldId id="291" r:id="rId40"/>
-    <p:sldId id="292" r:id="rId41"/>
-    <p:sldId id="293" r:id="rId42"/>
-    <p:sldId id="296" r:id="rId43"/>
-    <p:sldId id="297" r:id="rId44"/>
-    <p:sldId id="298" r:id="rId45"/>
-    <p:sldId id="299" r:id="rId46"/>
-    <p:sldId id="300" r:id="rId47"/>
-    <p:sldId id="301" r:id="rId48"/>
-    <p:sldId id="274" r:id="rId49"/>
+    <p:sldId id="302" r:id="rId28"/>
+    <p:sldId id="279" r:id="rId29"/>
+    <p:sldId id="280" r:id="rId30"/>
+    <p:sldId id="281" r:id="rId31"/>
+    <p:sldId id="282" r:id="rId32"/>
+    <p:sldId id="283" r:id="rId33"/>
+    <p:sldId id="284" r:id="rId34"/>
+    <p:sldId id="285" r:id="rId35"/>
+    <p:sldId id="286" r:id="rId36"/>
+    <p:sldId id="287" r:id="rId37"/>
+    <p:sldId id="288" r:id="rId38"/>
+    <p:sldId id="289" r:id="rId39"/>
+    <p:sldId id="290" r:id="rId40"/>
+    <p:sldId id="291" r:id="rId41"/>
+    <p:sldId id="292" r:id="rId42"/>
+    <p:sldId id="293" r:id="rId43"/>
+    <p:sldId id="296" r:id="rId44"/>
+    <p:sldId id="297" r:id="rId45"/>
+    <p:sldId id="298" r:id="rId46"/>
+    <p:sldId id="299" r:id="rId47"/>
+    <p:sldId id="300" r:id="rId48"/>
+    <p:sldId id="301" r:id="rId49"/>
+    <p:sldId id="274" r:id="rId50"/>
   </p:sldIdLst>
   <p:sldSz cx="9144000" cy="5143500" type="screen16x9"/>
   <p:notesSz cx="7559675" cy="10691813"/>
@@ -308,38 +309,37 @@
           <a:p>
             <a:pPr lvl="0"/>
             <a:r>
-              <a:rPr lang="en-US" smtClean="0"/>
+              <a:rPr lang="en-US"/>
               <a:t>Edit Master text styles</a:t>
             </a:r>
           </a:p>
           <a:p>
             <a:pPr lvl="1"/>
             <a:r>
-              <a:rPr lang="en-US" smtClean="0"/>
+              <a:rPr lang="en-US"/>
               <a:t>Second level</a:t>
             </a:r>
           </a:p>
           <a:p>
             <a:pPr lvl="2"/>
             <a:r>
-              <a:rPr lang="en-US" smtClean="0"/>
+              <a:rPr lang="en-US"/>
               <a:t>Third level</a:t>
             </a:r>
           </a:p>
           <a:p>
             <a:pPr lvl="3"/>
             <a:r>
-              <a:rPr lang="en-US" smtClean="0"/>
+              <a:rPr lang="en-US"/>
               <a:t>Fourth level</a:t>
             </a:r>
           </a:p>
           <a:p>
             <a:pPr lvl="4"/>
             <a:r>
-              <a:rPr lang="en-US" smtClean="0"/>
+              <a:rPr lang="en-US"/>
               <a:t>Fifth level</a:t>
             </a:r>
-            <a:endParaRPr lang="en-US"/>
           </a:p>
         </p:txBody>
       </p:sp>
@@ -23556,21 +23556,6 @@
   <p:clrMapOvr>
     <a:masterClrMapping/>
   </p:clrMapOvr>
-  <mc:AlternateContent xmlns:mc="http://schemas.openxmlformats.org/markup-compatibility/2006" xmlns:p14="http://schemas.microsoft.com/office/powerpoint/2010/main">
-    <mc:Choice Requires="p14">
-      <p:transition spd="slow" p14:dur="2000"/>
-    </mc:Choice>
-    <mc:Fallback xmlns:p15="http://schemas.microsoft.com/office/powerpoint/2012/main" xmlns="">
-      <p:transition spd="slow"/>
-    </mc:Fallback>
-  </mc:AlternateContent>
-  <p:timing>
-    <p:tnLst>
-      <p:par>
-        <p:cTn id="1" dur="indefinite" restart="never" nodeType="tmRoot"/>
-      </p:par>
-    </p:tnLst>
-  </p:timing>
 </p:sld>
 </file>
 
@@ -24084,14 +24069,6 @@
   <p:clrMapOvr>
     <a:masterClrMapping/>
   </p:clrMapOvr>
-  <mc:AlternateContent xmlns:mc="http://schemas.openxmlformats.org/markup-compatibility/2006" xmlns:p14="http://schemas.microsoft.com/office/powerpoint/2010/main">
-    <mc:Choice Requires="p14">
-      <p:transition spd="slow" p14:dur="2000"/>
-    </mc:Choice>
-    <mc:Fallback xmlns:p15="http://schemas.microsoft.com/office/powerpoint/2012/main" xmlns="">
-      <p:transition spd="slow"/>
-    </mc:Fallback>
-  </mc:AlternateContent>
   <p:timing>
     <p:tnLst>
       <p:par>
@@ -24707,14 +24684,6 @@
   <p:clrMapOvr>
     <a:masterClrMapping/>
   </p:clrMapOvr>
-  <mc:AlternateContent xmlns:mc="http://schemas.openxmlformats.org/markup-compatibility/2006" xmlns:p14="http://schemas.microsoft.com/office/powerpoint/2010/main">
-    <mc:Choice Requires="p14">
-      <p:transition spd="slow" p14:dur="2000"/>
-    </mc:Choice>
-    <mc:Fallback xmlns:p15="http://schemas.microsoft.com/office/powerpoint/2012/main" xmlns="">
-      <p:transition spd="slow"/>
-    </mc:Fallback>
-  </mc:AlternateContent>
   <p:timing>
     <p:tnLst>
       <p:par>
@@ -25182,14 +25151,6 @@
   <p:clrMapOvr>
     <a:masterClrMapping/>
   </p:clrMapOvr>
-  <mc:AlternateContent xmlns:mc="http://schemas.openxmlformats.org/markup-compatibility/2006" xmlns:p14="http://schemas.microsoft.com/office/powerpoint/2010/main">
-    <mc:Choice Requires="p14">
-      <p:transition spd="slow" p14:dur="2000"/>
-    </mc:Choice>
-    <mc:Fallback xmlns:p15="http://schemas.microsoft.com/office/powerpoint/2012/main" xmlns="">
-      <p:transition spd="slow"/>
-    </mc:Fallback>
-  </mc:AlternateContent>
   <p:timing>
     <p:tnLst>
       <p:par>
@@ -26631,14 +26592,6 @@
   <p:clrMapOvr>
     <a:masterClrMapping/>
   </p:clrMapOvr>
-  <mc:AlternateContent xmlns:mc="http://schemas.openxmlformats.org/markup-compatibility/2006" xmlns:p14="http://schemas.microsoft.com/office/powerpoint/2010/main">
-    <mc:Choice Requires="p14">
-      <p:transition spd="slow" p14:dur="2000"/>
-    </mc:Choice>
-    <mc:Fallback xmlns:p15="http://schemas.microsoft.com/office/powerpoint/2012/main" xmlns="">
-      <p:transition spd="slow"/>
-    </mc:Fallback>
-  </mc:AlternateContent>
   <p:timing>
     <p:tnLst>
       <p:par>
@@ -27848,14 +27801,6 @@
   <p:clrMapOvr>
     <a:masterClrMapping/>
   </p:clrMapOvr>
-  <mc:AlternateContent xmlns:mc="http://schemas.openxmlformats.org/markup-compatibility/2006" xmlns:p14="http://schemas.microsoft.com/office/powerpoint/2010/main">
-    <mc:Choice Requires="p14">
-      <p:transition spd="slow" p14:dur="2000"/>
-    </mc:Choice>
-    <mc:Fallback xmlns:p15="http://schemas.microsoft.com/office/powerpoint/2012/main" xmlns="">
-      <p:transition spd="slow"/>
-    </mc:Fallback>
-  </mc:AlternateContent>
   <p:timing>
     <p:tnLst>
       <p:par>
@@ -28136,14 +28081,6 @@
   <p:clrMapOvr>
     <a:masterClrMapping/>
   </p:clrMapOvr>
-  <mc:AlternateContent xmlns:mc="http://schemas.openxmlformats.org/markup-compatibility/2006" xmlns:p14="http://schemas.microsoft.com/office/powerpoint/2010/main">
-    <mc:Choice Requires="p14">
-      <p:transition spd="slow" p14:dur="2000"/>
-    </mc:Choice>
-    <mc:Fallback xmlns:p15="http://schemas.microsoft.com/office/powerpoint/2012/main" xmlns="">
-      <p:transition spd="slow"/>
-    </mc:Fallback>
-  </mc:AlternateContent>
   <p:timing>
     <p:tnLst>
       <p:par>
@@ -28711,14 +28648,6 @@
   <p:clrMapOvr>
     <a:masterClrMapping/>
   </p:clrMapOvr>
-  <mc:AlternateContent xmlns:mc="http://schemas.openxmlformats.org/markup-compatibility/2006" xmlns:p14="http://schemas.microsoft.com/office/powerpoint/2010/main">
-    <mc:Choice Requires="p14">
-      <p:transition spd="slow" p14:dur="2000"/>
-    </mc:Choice>
-    <mc:Fallback xmlns:p15="http://schemas.microsoft.com/office/powerpoint/2012/main" xmlns="">
-      <p:transition spd="slow"/>
-    </mc:Fallback>
-  </mc:AlternateContent>
   <p:timing>
     <p:tnLst>
       <p:par>
@@ -29034,14 +28963,6 @@
   <p:clrMapOvr>
     <a:masterClrMapping/>
   </p:clrMapOvr>
-  <mc:AlternateContent xmlns:mc="http://schemas.openxmlformats.org/markup-compatibility/2006" xmlns:p14="http://schemas.microsoft.com/office/powerpoint/2010/main">
-    <mc:Choice Requires="p14">
-      <p:transition spd="slow" p14:dur="2000"/>
-    </mc:Choice>
-    <mc:Fallback xmlns:p15="http://schemas.microsoft.com/office/powerpoint/2012/main" xmlns="">
-      <p:transition spd="slow"/>
-    </mc:Fallback>
-  </mc:AlternateContent>
   <p:timing>
     <p:tnLst>
       <p:par>
@@ -29455,14 +29376,6 @@
   <p:clrMapOvr>
     <a:masterClrMapping/>
   </p:clrMapOvr>
-  <mc:AlternateContent xmlns:mc="http://schemas.openxmlformats.org/markup-compatibility/2006" xmlns:p14="http://schemas.microsoft.com/office/powerpoint/2010/main">
-    <mc:Choice Requires="p14">
-      <p:transition spd="slow" p14:dur="2000"/>
-    </mc:Choice>
-    <mc:Fallback xmlns:p15="http://schemas.microsoft.com/office/powerpoint/2012/main" xmlns="">
-      <p:transition spd="slow"/>
-    </mc:Fallback>
-  </mc:AlternateContent>
   <p:timing>
     <p:tnLst>
       <p:par>
@@ -29807,87 +29720,87 @@
           <a:p>
             <a:pPr algn="ctr"/>
             <a:r>
-              <a:rPr lang="en-US" sz="3600" dirty="0" err="1" smtClean="0"/>
+              <a:rPr lang="en-US" sz="3600" dirty="0" err="1"/>
               <a:t>Vai</a:t>
             </a:r>
             <a:r>
-              <a:rPr lang="en-US" sz="3600" dirty="0" smtClean="0"/>
+              <a:rPr lang="en-US" sz="3600" dirty="0"/>
               <a:t> </a:t>
             </a:r>
             <a:r>
-              <a:rPr lang="en-US" sz="3600" dirty="0" err="1" smtClean="0"/>
+              <a:rPr lang="en-US" sz="3600" dirty="0" err="1"/>
               <a:t>trò</a:t>
             </a:r>
             <a:r>
-              <a:rPr lang="en-US" sz="3600" dirty="0" smtClean="0"/>
+              <a:rPr lang="en-US" sz="3600" dirty="0"/>
               <a:t> </a:t>
             </a:r>
             <a:r>
-              <a:rPr lang="en-US" sz="3600" dirty="0" err="1" smtClean="0"/>
+              <a:rPr lang="en-US" sz="3600" dirty="0" err="1"/>
               <a:t>của</a:t>
             </a:r>
             <a:r>
-              <a:rPr lang="en-US" sz="3600" dirty="0" smtClean="0"/>
+              <a:rPr lang="en-US" sz="3600" dirty="0"/>
               <a:t> </a:t>
             </a:r>
             <a:r>
-              <a:rPr lang="en-US" sz="3600" dirty="0" err="1" smtClean="0"/>
+              <a:rPr lang="en-US" sz="3600" dirty="0" err="1"/>
               <a:t>việc</a:t>
             </a:r>
             <a:r>
-              <a:rPr lang="en-US" sz="3600" dirty="0" smtClean="0"/>
+              <a:rPr lang="en-US" sz="3600" dirty="0"/>
               <a:t> </a:t>
             </a:r>
             <a:r>
-              <a:rPr lang="en-US" sz="3600" dirty="0" err="1" smtClean="0"/>
+              <a:rPr lang="en-US" sz="3600" dirty="0" err="1"/>
               <a:t>phân</a:t>
             </a:r>
             <a:r>
-              <a:rPr lang="en-US" sz="3600" dirty="0" smtClean="0"/>
+              <a:rPr lang="en-US" sz="3600" dirty="0"/>
               <a:t> </a:t>
             </a:r>
             <a:r>
-              <a:rPr lang="en-US" sz="3600" dirty="0" err="1" smtClean="0"/>
+              <a:rPr lang="en-US" sz="3600" dirty="0" err="1"/>
               <a:t>tích</a:t>
             </a:r>
             <a:r>
-              <a:rPr lang="en-US" sz="3600" dirty="0" smtClean="0"/>
+              <a:rPr lang="en-US" sz="3600" dirty="0"/>
               <a:t> </a:t>
             </a:r>
             <a:r>
-              <a:rPr lang="en-US" sz="3600" dirty="0" err="1" smtClean="0"/>
+              <a:rPr lang="en-US" sz="3600" dirty="0" err="1"/>
               <a:t>độ</a:t>
             </a:r>
             <a:r>
-              <a:rPr lang="en-US" sz="3600" dirty="0" smtClean="0"/>
+              <a:rPr lang="en-US" sz="3600" dirty="0"/>
               <a:t> </a:t>
             </a:r>
             <a:r>
-              <a:rPr lang="en-US" sz="3600" dirty="0" err="1" smtClean="0"/>
+              <a:rPr lang="en-US" sz="3600" dirty="0" err="1"/>
               <a:t>phức</a:t>
             </a:r>
             <a:r>
-              <a:rPr lang="en-US" sz="3600" dirty="0" smtClean="0"/>
+              <a:rPr lang="en-US" sz="3600" dirty="0"/>
               <a:t> </a:t>
             </a:r>
             <a:r>
-              <a:rPr lang="en-US" sz="3600" dirty="0" err="1" smtClean="0"/>
+              <a:rPr lang="en-US" sz="3600" dirty="0" err="1"/>
               <a:t>tạp</a:t>
             </a:r>
             <a:r>
-              <a:rPr lang="en-US" sz="3600" dirty="0" smtClean="0"/>
+              <a:rPr lang="en-US" sz="3600" dirty="0"/>
               <a:t> </a:t>
             </a:r>
             <a:r>
-              <a:rPr lang="en-US" sz="3600" dirty="0" err="1" smtClean="0"/>
+              <a:rPr lang="en-US" sz="3600" dirty="0" err="1"/>
               <a:t>thuật</a:t>
             </a:r>
             <a:r>
-              <a:rPr lang="en-US" sz="3600" dirty="0" smtClean="0"/>
+              <a:rPr lang="en-US" sz="3600" dirty="0"/>
               <a:t> </a:t>
             </a:r>
             <a:r>
-              <a:rPr lang="en-US" sz="3600" dirty="0" err="1" smtClean="0"/>
+              <a:rPr lang="en-US" sz="3600" dirty="0" err="1"/>
               <a:t>toán</a:t>
             </a:r>
             <a:endParaRPr lang="en-US" sz="3600" dirty="0"/>
@@ -29919,69 +29832,69 @@
               <a:buChar char="-"/>
             </a:pPr>
             <a:r>
-              <a:rPr lang="en-US" sz="2400" dirty="0" smtClean="0"/>
+              <a:rPr lang="en-US" sz="2400" dirty="0"/>
               <a:t> </a:t>
             </a:r>
             <a:r>
-              <a:rPr lang="en-US" sz="2400" dirty="0" err="1" smtClean="0"/>
+              <a:rPr lang="en-US" sz="2400" dirty="0" err="1"/>
               <a:t>Đánh</a:t>
             </a:r>
             <a:r>
-              <a:rPr lang="en-US" sz="2400" dirty="0" smtClean="0"/>
+              <a:rPr lang="en-US" sz="2400" dirty="0"/>
               <a:t> </a:t>
             </a:r>
             <a:r>
-              <a:rPr lang="en-US" sz="2400" dirty="0" err="1" smtClean="0"/>
+              <a:rPr lang="en-US" sz="2400" dirty="0" err="1"/>
               <a:t>giá</a:t>
             </a:r>
             <a:r>
-              <a:rPr lang="en-US" sz="2400" dirty="0" smtClean="0"/>
+              <a:rPr lang="en-US" sz="2400" dirty="0"/>
               <a:t> </a:t>
             </a:r>
             <a:r>
-              <a:rPr lang="en-US" sz="2400" dirty="0" err="1" smtClean="0"/>
+              <a:rPr lang="en-US" sz="2400" dirty="0" err="1"/>
               <a:t>hiệu</a:t>
             </a:r>
             <a:r>
-              <a:rPr lang="en-US" sz="2400" dirty="0" smtClean="0"/>
+              <a:rPr lang="en-US" sz="2400" dirty="0"/>
               <a:t> </a:t>
             </a:r>
             <a:r>
-              <a:rPr lang="en-US" sz="2400" dirty="0" err="1" smtClean="0"/>
+              <a:rPr lang="en-US" sz="2400" dirty="0" err="1"/>
               <a:t>quả</a:t>
             </a:r>
             <a:r>
-              <a:rPr lang="en-US" sz="2400" dirty="0" smtClean="0"/>
+              <a:rPr lang="en-US" sz="2400" dirty="0"/>
               <a:t> </a:t>
             </a:r>
             <a:r>
-              <a:rPr lang="en-US" sz="2400" dirty="0" err="1" smtClean="0"/>
+              <a:rPr lang="en-US" sz="2400" dirty="0" err="1"/>
               <a:t>của</a:t>
             </a:r>
             <a:r>
-              <a:rPr lang="en-US" sz="2400" dirty="0" smtClean="0"/>
+              <a:rPr lang="en-US" sz="2400" dirty="0"/>
               <a:t> </a:t>
             </a:r>
             <a:r>
-              <a:rPr lang="en-US" sz="2400" dirty="0" err="1" smtClean="0"/>
+              <a:rPr lang="en-US" sz="2400" dirty="0" err="1"/>
               <a:t>thuật</a:t>
             </a:r>
             <a:r>
-              <a:rPr lang="en-US" sz="2400" dirty="0" smtClean="0"/>
+              <a:rPr lang="en-US" sz="2400" dirty="0"/>
               <a:t> </a:t>
             </a:r>
             <a:r>
-              <a:rPr lang="en-US" sz="2400" dirty="0" err="1" smtClean="0"/>
+              <a:rPr lang="en-US" sz="2400" dirty="0" err="1"/>
               <a:t>toán</a:t>
             </a:r>
-            <a:endParaRPr lang="en-US" sz="2400" dirty="0" smtClean="0"/>
+            <a:endParaRPr lang="en-US" sz="2400" dirty="0"/>
           </a:p>
           <a:p>
             <a:pPr>
               <a:buFontTx/>
               <a:buChar char="-"/>
             </a:pPr>
-            <a:endParaRPr lang="en-US" sz="2400" dirty="0" smtClean="0"/>
+            <a:endParaRPr lang="en-US" sz="2400" dirty="0"/>
           </a:p>
           <a:p>
             <a:pPr>
@@ -29989,109 +29902,109 @@
               <a:buChar char="-"/>
             </a:pPr>
             <a:r>
-              <a:rPr lang="en-US" sz="2400" dirty="0" smtClean="0"/>
+              <a:rPr lang="en-US" sz="2400" dirty="0"/>
               <a:t> </a:t>
             </a:r>
             <a:r>
-              <a:rPr lang="en-US" sz="2400" dirty="0" err="1" smtClean="0"/>
+              <a:rPr lang="en-US" sz="2400" dirty="0" err="1"/>
               <a:t>Dự</a:t>
             </a:r>
             <a:r>
-              <a:rPr lang="en-US" sz="2400" dirty="0" smtClean="0"/>
+              <a:rPr lang="en-US" sz="2400" dirty="0"/>
               <a:t> </a:t>
             </a:r>
             <a:r>
-              <a:rPr lang="en-US" sz="2400" dirty="0" err="1" smtClean="0"/>
+              <a:rPr lang="en-US" sz="2400" dirty="0" err="1"/>
               <a:t>đoán</a:t>
             </a:r>
             <a:r>
-              <a:rPr lang="en-US" sz="2400" dirty="0" smtClean="0"/>
+              <a:rPr lang="en-US" sz="2400" dirty="0"/>
               <a:t> </a:t>
             </a:r>
             <a:r>
-              <a:rPr lang="en-US" sz="2400" dirty="0" err="1" smtClean="0"/>
+              <a:rPr lang="en-US" sz="2400" dirty="0" err="1"/>
               <a:t>thời</a:t>
             </a:r>
             <a:r>
-              <a:rPr lang="en-US" sz="2400" dirty="0" smtClean="0"/>
+              <a:rPr lang="en-US" sz="2400" dirty="0"/>
               <a:t> </a:t>
             </a:r>
             <a:r>
-              <a:rPr lang="en-US" sz="2400" dirty="0" err="1" smtClean="0"/>
+              <a:rPr lang="en-US" sz="2400" dirty="0" err="1"/>
               <a:t>gian</a:t>
             </a:r>
             <a:r>
-              <a:rPr lang="en-US" sz="2400" dirty="0" smtClean="0"/>
+              <a:rPr lang="en-US" sz="2400" dirty="0"/>
               <a:t> </a:t>
             </a:r>
             <a:r>
-              <a:rPr lang="en-US" sz="2400" dirty="0" err="1" smtClean="0"/>
+              <a:rPr lang="en-US" sz="2400" dirty="0" err="1"/>
               <a:t>và</a:t>
             </a:r>
             <a:r>
-              <a:rPr lang="en-US" sz="2400" dirty="0" smtClean="0"/>
+              <a:rPr lang="en-US" sz="2400" dirty="0"/>
               <a:t> </a:t>
             </a:r>
             <a:r>
-              <a:rPr lang="en-US" sz="2400" dirty="0" err="1" smtClean="0"/>
+              <a:rPr lang="en-US" sz="2400" dirty="0" err="1"/>
               <a:t>không</a:t>
             </a:r>
             <a:r>
-              <a:rPr lang="en-US" sz="2400" dirty="0" smtClean="0"/>
+              <a:rPr lang="en-US" sz="2400" dirty="0"/>
               <a:t> </a:t>
             </a:r>
             <a:r>
-              <a:rPr lang="en-US" sz="2400" dirty="0" err="1" smtClean="0"/>
+              <a:rPr lang="en-US" sz="2400" dirty="0" err="1"/>
               <a:t>gian</a:t>
             </a:r>
             <a:r>
-              <a:rPr lang="en-US" sz="2400" dirty="0" smtClean="0"/>
+              <a:rPr lang="en-US" sz="2400" dirty="0"/>
               <a:t> </a:t>
             </a:r>
             <a:r>
-              <a:rPr lang="en-US" sz="2400" dirty="0" err="1" smtClean="0"/>
+              <a:rPr lang="en-US" sz="2400" dirty="0" err="1"/>
               <a:t>cần</a:t>
             </a:r>
             <a:r>
-              <a:rPr lang="en-US" sz="2400" dirty="0" smtClean="0"/>
+              <a:rPr lang="en-US" sz="2400" dirty="0"/>
               <a:t> </a:t>
             </a:r>
             <a:r>
-              <a:rPr lang="en-US" sz="2400" dirty="0" err="1" smtClean="0"/>
+              <a:rPr lang="en-US" sz="2400" dirty="0" err="1"/>
               <a:t>thiết</a:t>
             </a:r>
             <a:r>
-              <a:rPr lang="en-US" sz="2400" dirty="0" smtClean="0"/>
+              <a:rPr lang="en-US" sz="2400" dirty="0"/>
               <a:t> </a:t>
             </a:r>
             <a:r>
-              <a:rPr lang="en-US" sz="2400" dirty="0" err="1" smtClean="0"/>
+              <a:rPr lang="en-US" sz="2400" dirty="0" err="1"/>
               <a:t>cho</a:t>
             </a:r>
             <a:r>
-              <a:rPr lang="en-US" sz="2400" dirty="0" smtClean="0"/>
+              <a:rPr lang="en-US" sz="2400" dirty="0"/>
               <a:t> </a:t>
             </a:r>
             <a:r>
-              <a:rPr lang="en-US" sz="2400" dirty="0" err="1" smtClean="0"/>
+              <a:rPr lang="en-US" sz="2400" dirty="0" err="1"/>
               <a:t>bài</a:t>
             </a:r>
             <a:r>
-              <a:rPr lang="en-US" sz="2400" dirty="0" smtClean="0"/>
+              <a:rPr lang="en-US" sz="2400" dirty="0"/>
               <a:t> </a:t>
             </a:r>
             <a:r>
-              <a:rPr lang="en-US" sz="2400" dirty="0" err="1" smtClean="0"/>
+              <a:rPr lang="en-US" sz="2400" dirty="0" err="1"/>
               <a:t>toán</a:t>
             </a:r>
-            <a:endParaRPr lang="en-US" sz="2400" dirty="0" smtClean="0"/>
+            <a:endParaRPr lang="en-US" sz="2400" dirty="0"/>
           </a:p>
           <a:p>
             <a:pPr>
               <a:buFontTx/>
               <a:buChar char="-"/>
             </a:pPr>
-            <a:endParaRPr lang="en-US" sz="2400" dirty="0" smtClean="0"/>
+            <a:endParaRPr lang="en-US" sz="2400" dirty="0"/>
           </a:p>
           <a:p>
             <a:pPr marL="0" indent="0">
@@ -30099,73 +30012,69 @@
             </a:pPr>
             <a:r>
               <a:rPr lang="en-US" sz="2400" dirty="0"/>
-              <a:t>-</a:t>
-            </a:r>
-            <a:r>
-              <a:rPr lang="en-US" sz="2400" dirty="0" smtClean="0"/>
-              <a:t> So </a:t>
-            </a:r>
-            <a:r>
-              <a:rPr lang="en-US" sz="2400" dirty="0" err="1" smtClean="0"/>
+              <a:t>- So </a:t>
+            </a:r>
+            <a:r>
+              <a:rPr lang="en-US" sz="2400" dirty="0" err="1"/>
               <a:t>sánh</a:t>
             </a:r>
             <a:r>
-              <a:rPr lang="en-US" sz="2400" dirty="0" smtClean="0"/>
+              <a:rPr lang="en-US" sz="2400" dirty="0"/>
               <a:t> </a:t>
             </a:r>
             <a:r>
-              <a:rPr lang="en-US" sz="2400" dirty="0" err="1" smtClean="0"/>
+              <a:rPr lang="en-US" sz="2400" dirty="0" err="1"/>
               <a:t>các</a:t>
             </a:r>
             <a:r>
-              <a:rPr lang="en-US" sz="2400" dirty="0" smtClean="0"/>
+              <a:rPr lang="en-US" sz="2400" dirty="0"/>
               <a:t> </a:t>
             </a:r>
             <a:r>
-              <a:rPr lang="en-US" sz="2400" dirty="0" err="1" smtClean="0"/>
+              <a:rPr lang="en-US" sz="2400" dirty="0" err="1"/>
               <a:t>thuật</a:t>
             </a:r>
             <a:r>
-              <a:rPr lang="en-US" sz="2400" dirty="0" smtClean="0"/>
+              <a:rPr lang="en-US" sz="2400" dirty="0"/>
               <a:t> </a:t>
             </a:r>
             <a:r>
-              <a:rPr lang="en-US" sz="2400" dirty="0" err="1" smtClean="0"/>
+              <a:rPr lang="en-US" sz="2400" dirty="0" err="1"/>
               <a:t>toán</a:t>
             </a:r>
             <a:r>
-              <a:rPr lang="en-US" sz="2400" dirty="0" smtClean="0"/>
+              <a:rPr lang="en-US" sz="2400" dirty="0"/>
               <a:t> </a:t>
             </a:r>
             <a:r>
-              <a:rPr lang="en-US" sz="2400" dirty="0" err="1" smtClean="0"/>
+              <a:rPr lang="en-US" sz="2400" dirty="0" err="1"/>
               <a:t>của</a:t>
             </a:r>
             <a:r>
-              <a:rPr lang="en-US" sz="2400" dirty="0" smtClean="0"/>
+              <a:rPr lang="en-US" sz="2400" dirty="0"/>
               <a:t> </a:t>
             </a:r>
             <a:r>
-              <a:rPr lang="en-US" sz="2400" dirty="0" err="1" smtClean="0"/>
+              <a:rPr lang="en-US" sz="2400" dirty="0" err="1"/>
               <a:t>cùng</a:t>
             </a:r>
             <a:r>
-              <a:rPr lang="en-US" sz="2400" dirty="0" smtClean="0"/>
+              <a:rPr lang="en-US" sz="2400" dirty="0"/>
               <a:t> 1 </a:t>
             </a:r>
             <a:r>
-              <a:rPr lang="en-US" sz="2400" dirty="0" err="1" smtClean="0"/>
+              <a:rPr lang="en-US" sz="2400" dirty="0" err="1"/>
               <a:t>bài</a:t>
             </a:r>
             <a:r>
-              <a:rPr lang="en-US" sz="2400" dirty="0" smtClean="0"/>
+              <a:rPr lang="en-US" sz="2400" dirty="0"/>
               <a:t> </a:t>
             </a:r>
             <a:r>
-              <a:rPr lang="en-US" sz="2400" dirty="0" err="1" smtClean="0"/>
+              <a:rPr lang="en-US" sz="2400" dirty="0" err="1"/>
               <a:t>toán</a:t>
             </a:r>
-            <a:endParaRPr lang="en-US" sz="2400" dirty="0" smtClean="0"/>
+            <a:endParaRPr lang="en-US" sz="2400" dirty="0"/>
           </a:p>
         </p:txBody>
       </p:sp>
@@ -30179,13 +30088,6 @@
   <p:clrMapOvr>
     <a:masterClrMapping/>
   </p:clrMapOvr>
-  <p:timing>
-    <p:tnLst>
-      <p:par>
-        <p:cTn id="1" dur="indefinite" restart="never" nodeType="tmRoot"/>
-      </p:par>
-    </p:tnLst>
-  </p:timing>
 </p:sld>
 </file>
 
@@ -30280,14 +30182,6 @@
   <p:clrMapOvr>
     <a:masterClrMapping/>
   </p:clrMapOvr>
-  <mc:AlternateContent xmlns:mc="http://schemas.openxmlformats.org/markup-compatibility/2006" xmlns:p14="http://schemas.microsoft.com/office/powerpoint/2010/main">
-    <mc:Choice Requires="p14">
-      <p:transition spd="slow" p14:dur="2000"/>
-    </mc:Choice>
-    <mc:Fallback xmlns:p15="http://schemas.microsoft.com/office/powerpoint/2012/main" xmlns="">
-      <p:transition spd="slow"/>
-    </mc:Fallback>
-  </mc:AlternateContent>
   <p:timing>
     <p:tnLst>
       <p:par>
@@ -30522,7 +30416,7 @@
               <a:t> </a:t>
             </a:r>
             <a:r>
-              <a:rPr lang="en-US" sz="3000" b="1" dirty="0" err="1" smtClean="0">
+              <a:rPr lang="en-US" sz="3000" b="1" dirty="0" err="1">
                 <a:solidFill>
                   <a:schemeClr val="tx1">
                     <a:lumMod val="95000"/>
@@ -30534,7 +30428,7 @@
               <a:t>thuật</a:t>
             </a:r>
             <a:r>
-              <a:rPr lang="en-US" sz="3000" b="1" dirty="0" smtClean="0">
+              <a:rPr lang="en-US" sz="3000" b="1" dirty="0">
                 <a:solidFill>
                   <a:schemeClr val="tx1">
                     <a:lumMod val="95000"/>
@@ -30579,13 +30473,6 @@
   <p:clrMapOvr>
     <a:masterClrMapping/>
   </p:clrMapOvr>
-  <p:timing>
-    <p:tnLst>
-      <p:par>
-        <p:cTn id="1" dur="indefinite" restart="never" nodeType="tmRoot"/>
-      </p:par>
-    </p:tnLst>
-  </p:timing>
 </p:sld>
 </file>
 
@@ -30747,44 +30634,350 @@
               <a:t> </a:t>
             </a:r>
             <a:r>
-              <a:rPr lang="en-US" sz="1600" dirty="0" err="1" smtClean="0"/>
+              <a:rPr lang="en-US" sz="1600" dirty="0" err="1"/>
               <a:t>toán</a:t>
             </a:r>
             <a:r>
-              <a:rPr lang="en-US" sz="1600" dirty="0" smtClean="0"/>
+              <a:rPr lang="en-US" sz="1600" dirty="0"/>
               <a:t> </a:t>
             </a:r>
             <a:r>
-              <a:rPr lang="en-US" sz="1600" dirty="0" err="1" smtClean="0"/>
+              <a:rPr lang="en-US" sz="1600" dirty="0" err="1"/>
               <a:t>được</a:t>
             </a:r>
             <a:r>
-              <a:rPr lang="en-US" sz="1600" dirty="0" smtClean="0"/>
+              <a:rPr lang="en-US" sz="1600" dirty="0"/>
               <a:t> </a:t>
             </a:r>
             <a:r>
-              <a:rPr lang="en-US" sz="1600" dirty="0" err="1" smtClean="0"/>
+              <a:rPr lang="en-US" sz="1600" dirty="0" err="1"/>
               <a:t>đánh</a:t>
             </a:r>
             <a:r>
-              <a:rPr lang="en-US" sz="1600" dirty="0" smtClean="0"/>
+              <a:rPr lang="en-US" sz="1600" dirty="0"/>
               <a:t> </a:t>
             </a:r>
             <a:r>
-              <a:rPr lang="en-US" sz="1600" dirty="0" err="1" smtClean="0"/>
+              <a:rPr lang="en-US" sz="1600" dirty="0" err="1"/>
               <a:t>giá</a:t>
             </a:r>
             <a:r>
-              <a:rPr lang="en-US" sz="1600" dirty="0" smtClean="0"/>
+              <a:rPr lang="en-US" sz="1600" dirty="0"/>
               <a:t> </a:t>
             </a:r>
             <a:r>
-              <a:rPr lang="en-US" sz="1600" dirty="0" err="1" smtClean="0"/>
+              <a:rPr lang="en-US" sz="1600" dirty="0" err="1"/>
               <a:t>bằng</a:t>
             </a:r>
             <a:r>
-              <a:rPr lang="en-US" sz="1600" dirty="0" smtClean="0"/>
+              <a:rPr lang="en-US" sz="1600" dirty="0"/>
               <a:t>:</a:t>
+            </a:r>
+          </a:p>
+          <a:p>
+            <a:pPr marL="214313" indent="-214313">
+              <a:lnSpc>
+                <a:spcPct val="150000"/>
+              </a:lnSpc>
+              <a:buFont typeface="Arial" panose="020B0604020202020204" pitchFamily="34" charset="0"/>
+              <a:buChar char="•"/>
+            </a:pPr>
+            <a:r>
+              <a:rPr lang="en-US" sz="1600" b="1" dirty="0" err="1"/>
+              <a:t>Thời</a:t>
+            </a:r>
+            <a:r>
+              <a:rPr lang="en-US" sz="1600" b="1" dirty="0"/>
+              <a:t> </a:t>
+            </a:r>
+            <a:r>
+              <a:rPr lang="en-US" sz="1600" b="1" dirty="0" err="1"/>
+              <a:t>gian</a:t>
+            </a:r>
+            <a:r>
+              <a:rPr lang="en-US" sz="1600" b="1" dirty="0"/>
+              <a:t> </a:t>
+            </a:r>
+            <a:r>
+              <a:rPr lang="en-US" sz="1600" b="1" dirty="0" err="1"/>
+              <a:t>chạy</a:t>
+            </a:r>
+            <a:r>
+              <a:rPr lang="en-US" sz="1600" b="1" dirty="0"/>
+              <a:t> </a:t>
+            </a:r>
+            <a:r>
+              <a:rPr lang="en-US" sz="1600" b="1" dirty="0" err="1"/>
+              <a:t>thuật</a:t>
+            </a:r>
+            <a:r>
+              <a:rPr lang="en-US" sz="1600" b="1" dirty="0"/>
+              <a:t> </a:t>
+            </a:r>
+            <a:r>
+              <a:rPr lang="en-US" sz="1600" b="1" dirty="0" err="1"/>
+              <a:t>toán</a:t>
+            </a:r>
+            <a:r>
+              <a:rPr lang="en-US" sz="1600" b="1" dirty="0"/>
+              <a:t>.</a:t>
+            </a:r>
+          </a:p>
+          <a:p>
+            <a:pPr marL="214313" indent="-214313">
+              <a:lnSpc>
+                <a:spcPct val="150000"/>
+              </a:lnSpc>
+              <a:buFont typeface="Arial" panose="020B0604020202020204" pitchFamily="34" charset="0"/>
+              <a:buChar char="•"/>
+            </a:pPr>
+            <a:r>
+              <a:rPr lang="en-US" sz="1600" b="1" dirty="0" err="1"/>
+              <a:t>Không</a:t>
+            </a:r>
+            <a:r>
+              <a:rPr lang="en-US" sz="1600" b="1" dirty="0"/>
+              <a:t> </a:t>
+            </a:r>
+            <a:r>
+              <a:rPr lang="en-US" sz="1600" b="1" dirty="0" err="1"/>
+              <a:t>gian</a:t>
+            </a:r>
+            <a:r>
+              <a:rPr lang="en-US" sz="1600" b="1" dirty="0"/>
+              <a:t>, dung </a:t>
+            </a:r>
+            <a:r>
+              <a:rPr lang="en-US" sz="1600" b="1" dirty="0" err="1"/>
+              <a:t>lượng</a:t>
+            </a:r>
+            <a:r>
+              <a:rPr lang="en-US" sz="1600" b="1" dirty="0"/>
+              <a:t> </a:t>
+            </a:r>
+            <a:r>
+              <a:rPr lang="en-US" sz="1600" b="1" dirty="0" err="1"/>
+              <a:t>bộ</a:t>
+            </a:r>
+            <a:r>
+              <a:rPr lang="en-US" sz="1600" b="1" dirty="0"/>
+              <a:t> </a:t>
+            </a:r>
+            <a:r>
+              <a:rPr lang="en-US" sz="1600" b="1" dirty="0" err="1"/>
+              <a:t>nhớ</a:t>
+            </a:r>
+            <a:r>
+              <a:rPr lang="en-US" sz="1600" b="1" dirty="0"/>
+              <a:t> </a:t>
+            </a:r>
+            <a:r>
+              <a:rPr lang="en-US" sz="1600" b="1" dirty="0" err="1"/>
+              <a:t>sử</a:t>
+            </a:r>
+            <a:r>
+              <a:rPr lang="en-US" sz="1600" b="1" dirty="0"/>
+              <a:t> </a:t>
+            </a:r>
+            <a:r>
+              <a:rPr lang="en-US" sz="1600" b="1" dirty="0" err="1"/>
+              <a:t>dụng</a:t>
+            </a:r>
+            <a:r>
+              <a:rPr lang="en-US" sz="1600" b="1" dirty="0"/>
+              <a:t>.</a:t>
+            </a:r>
+          </a:p>
+          <a:p>
+            <a:pPr>
+              <a:lnSpc>
+                <a:spcPct val="150000"/>
+              </a:lnSpc>
+            </a:pPr>
+            <a:r>
+              <a:rPr lang="en-US" sz="1600" dirty="0" err="1"/>
+              <a:t>Thời</a:t>
+            </a:r>
+            <a:r>
+              <a:rPr lang="en-US" sz="1600" dirty="0"/>
+              <a:t> </a:t>
+            </a:r>
+            <a:r>
+              <a:rPr lang="en-US" sz="1600" dirty="0" err="1"/>
+              <a:t>gian</a:t>
+            </a:r>
+            <a:r>
+              <a:rPr lang="en-US" sz="1600" dirty="0"/>
+              <a:t> </a:t>
+            </a:r>
+            <a:r>
+              <a:rPr lang="en-US" sz="1600" dirty="0" err="1"/>
+              <a:t>chạy</a:t>
+            </a:r>
+            <a:r>
+              <a:rPr lang="en-US" sz="1600" dirty="0"/>
+              <a:t>, </a:t>
+            </a:r>
+            <a:r>
+              <a:rPr lang="en-US" sz="1600" dirty="0" err="1"/>
+              <a:t>không</a:t>
+            </a:r>
+            <a:r>
+              <a:rPr lang="en-US" sz="1600" dirty="0"/>
+              <a:t> </a:t>
+            </a:r>
+            <a:r>
+              <a:rPr lang="en-US" sz="1600" dirty="0" err="1"/>
+              <a:t>gian</a:t>
+            </a:r>
+            <a:r>
+              <a:rPr lang="en-US" sz="1600" dirty="0"/>
+              <a:t> </a:t>
+            </a:r>
+            <a:r>
+              <a:rPr lang="en-US" sz="1600" dirty="0" err="1"/>
+              <a:t>phụ</a:t>
+            </a:r>
+            <a:r>
+              <a:rPr lang="en-US" sz="1600" dirty="0"/>
+              <a:t> </a:t>
+            </a:r>
+            <a:r>
+              <a:rPr lang="en-US" sz="1600" dirty="0" err="1"/>
+              <a:t>thuộc</a:t>
+            </a:r>
+            <a:r>
+              <a:rPr lang="en-US" sz="1600" dirty="0"/>
+              <a:t> </a:t>
+            </a:r>
+            <a:r>
+              <a:rPr lang="en-US" sz="1600" dirty="0" err="1"/>
+              <a:t>vào</a:t>
+            </a:r>
+            <a:r>
+              <a:rPr lang="en-US" sz="1600" dirty="0"/>
+              <a:t>:</a:t>
+            </a:r>
+          </a:p>
+          <a:p>
+            <a:pPr marL="214313" indent="-214313">
+              <a:lnSpc>
+                <a:spcPct val="150000"/>
+              </a:lnSpc>
+              <a:buFont typeface="Arial" panose="020B0604020202020204" pitchFamily="34" charset="0"/>
+              <a:buChar char="•"/>
+            </a:pPr>
+            <a:r>
+              <a:rPr lang="en-US" sz="1600" b="1" dirty="0" err="1"/>
+              <a:t>Dự</a:t>
+            </a:r>
+            <a:r>
+              <a:rPr lang="en-US" sz="1600" b="1" dirty="0"/>
+              <a:t> </a:t>
+            </a:r>
+            <a:r>
+              <a:rPr lang="en-US" sz="1600" b="1" dirty="0" err="1"/>
+              <a:t>liệu</a:t>
+            </a:r>
+            <a:r>
+              <a:rPr lang="en-US" sz="1600" b="1" dirty="0"/>
+              <a:t> </a:t>
+            </a:r>
+            <a:r>
+              <a:rPr lang="en-US" sz="1600" b="1" dirty="0" err="1"/>
+              <a:t>đầu</a:t>
+            </a:r>
+            <a:r>
+              <a:rPr lang="en-US" sz="1600" b="1" dirty="0"/>
+              <a:t> </a:t>
+            </a:r>
+            <a:r>
+              <a:rPr lang="en-US" sz="1600" b="1" dirty="0" err="1"/>
+              <a:t>vào</a:t>
+            </a:r>
+            <a:endParaRPr lang="en-US" sz="1600" b="1" dirty="0"/>
+          </a:p>
+          <a:p>
+            <a:pPr marL="214313" indent="-214313">
+              <a:lnSpc>
+                <a:spcPct val="150000"/>
+              </a:lnSpc>
+              <a:buFont typeface="Arial" panose="020B0604020202020204" pitchFamily="34" charset="0"/>
+              <a:buChar char="•"/>
+            </a:pPr>
+            <a:r>
+              <a:rPr lang="en-US" sz="1600" b="1" dirty="0" err="1"/>
+              <a:t>Cách</a:t>
+            </a:r>
+            <a:r>
+              <a:rPr lang="en-US" sz="1600" b="1" dirty="0"/>
+              <a:t> </a:t>
+            </a:r>
+            <a:r>
+              <a:rPr lang="en-US" sz="1600" b="1" dirty="0" err="1"/>
+              <a:t>thuật</a:t>
+            </a:r>
+            <a:r>
+              <a:rPr lang="en-US" sz="1600" b="1" dirty="0"/>
+              <a:t> </a:t>
+            </a:r>
+            <a:r>
+              <a:rPr lang="en-US" sz="1600" b="1" dirty="0" err="1"/>
+              <a:t>toán</a:t>
+            </a:r>
+            <a:r>
+              <a:rPr lang="en-US" sz="1600" b="1" dirty="0"/>
+              <a:t> </a:t>
+            </a:r>
+            <a:r>
+              <a:rPr lang="en-US" sz="1600" b="1" dirty="0" err="1"/>
+              <a:t>hoạt</a:t>
+            </a:r>
+            <a:r>
+              <a:rPr lang="en-US" sz="1600" b="1" dirty="0"/>
+              <a:t> </a:t>
+            </a:r>
+            <a:r>
+              <a:rPr lang="en-US" sz="1600" b="1" dirty="0" err="1"/>
+              <a:t>động</a:t>
+            </a:r>
+            <a:endParaRPr lang="en-US" sz="1600" b="1" dirty="0"/>
+          </a:p>
+          <a:p>
+            <a:pPr marL="214313" indent="-214313">
+              <a:lnSpc>
+                <a:spcPct val="150000"/>
+              </a:lnSpc>
+              <a:buFont typeface="Arial" panose="020B0604020202020204" pitchFamily="34" charset="0"/>
+              <a:buChar char="•"/>
+            </a:pPr>
+            <a:r>
+              <a:rPr lang="en-US" sz="1600" dirty="0" err="1"/>
+              <a:t>Kĩ</a:t>
+            </a:r>
+            <a:r>
+              <a:rPr lang="en-US" sz="1600" dirty="0"/>
+              <a:t> </a:t>
+            </a:r>
+            <a:r>
+              <a:rPr lang="en-US" sz="1600" dirty="0" err="1"/>
+              <a:t>năng</a:t>
+            </a:r>
+            <a:r>
+              <a:rPr lang="en-US" sz="1600" dirty="0"/>
+              <a:t> </a:t>
+            </a:r>
+            <a:r>
+              <a:rPr lang="en-US" sz="1600" dirty="0" err="1"/>
+              <a:t>lập</a:t>
+            </a:r>
+            <a:r>
+              <a:rPr lang="en-US" sz="1600" dirty="0"/>
+              <a:t> </a:t>
+            </a:r>
+            <a:r>
+              <a:rPr lang="en-US" sz="1600" dirty="0" err="1"/>
+              <a:t>trình</a:t>
             </a:r>
             <a:endParaRPr lang="en-US" sz="1600" dirty="0"/>
           </a:p>
@@ -30797,120 +30990,8 @@
               <a:buChar char="•"/>
             </a:pPr>
             <a:r>
-              <a:rPr lang="en-US" sz="1600" b="1" dirty="0" err="1"/>
-              <a:t>Thời</a:t>
-            </a:r>
-            <a:r>
-              <a:rPr lang="en-US" sz="1600" b="1" dirty="0"/>
-              <a:t> </a:t>
-            </a:r>
-            <a:r>
-              <a:rPr lang="en-US" sz="1600" b="1" dirty="0" err="1"/>
-              <a:t>gian</a:t>
-            </a:r>
-            <a:r>
-              <a:rPr lang="en-US" sz="1600" b="1" dirty="0"/>
-              <a:t> </a:t>
-            </a:r>
-            <a:r>
-              <a:rPr lang="en-US" sz="1600" b="1" dirty="0" err="1"/>
-              <a:t>chạy</a:t>
-            </a:r>
-            <a:r>
-              <a:rPr lang="en-US" sz="1600" b="1" dirty="0"/>
-              <a:t> </a:t>
-            </a:r>
-            <a:r>
-              <a:rPr lang="en-US" sz="1600" b="1" dirty="0" err="1"/>
-              <a:t>thuật</a:t>
-            </a:r>
-            <a:r>
-              <a:rPr lang="en-US" sz="1600" b="1" dirty="0"/>
-              <a:t> </a:t>
-            </a:r>
-            <a:r>
-              <a:rPr lang="en-US" sz="1600" b="1" dirty="0" err="1"/>
-              <a:t>toán</a:t>
-            </a:r>
-            <a:r>
-              <a:rPr lang="en-US" sz="1600" b="1" dirty="0"/>
-              <a:t>.</a:t>
-            </a:r>
-          </a:p>
-          <a:p>
-            <a:pPr marL="214313" indent="-214313">
-              <a:lnSpc>
-                <a:spcPct val="150000"/>
-              </a:lnSpc>
-              <a:buFont typeface="Arial" panose="020B0604020202020204" pitchFamily="34" charset="0"/>
-              <a:buChar char="•"/>
-            </a:pPr>
-            <a:r>
-              <a:rPr lang="en-US" sz="1600" b="1" dirty="0" err="1"/>
-              <a:t>Không</a:t>
-            </a:r>
-            <a:r>
-              <a:rPr lang="en-US" sz="1600" b="1" dirty="0"/>
-              <a:t> </a:t>
-            </a:r>
-            <a:r>
-              <a:rPr lang="en-US" sz="1600" b="1" dirty="0" err="1"/>
-              <a:t>gian</a:t>
-            </a:r>
-            <a:r>
-              <a:rPr lang="en-US" sz="1600" b="1" dirty="0"/>
-              <a:t>, dung </a:t>
-            </a:r>
-            <a:r>
-              <a:rPr lang="en-US" sz="1600" b="1" dirty="0" err="1"/>
-              <a:t>lượng</a:t>
-            </a:r>
-            <a:r>
-              <a:rPr lang="en-US" sz="1600" b="1" dirty="0"/>
-              <a:t> </a:t>
-            </a:r>
-            <a:r>
-              <a:rPr lang="en-US" sz="1600" b="1" dirty="0" err="1"/>
-              <a:t>bộ</a:t>
-            </a:r>
-            <a:r>
-              <a:rPr lang="en-US" sz="1600" b="1" dirty="0"/>
-              <a:t> </a:t>
-            </a:r>
-            <a:r>
-              <a:rPr lang="en-US" sz="1600" b="1" dirty="0" err="1"/>
-              <a:t>nhớ</a:t>
-            </a:r>
-            <a:r>
-              <a:rPr lang="en-US" sz="1600" b="1" dirty="0"/>
-              <a:t> </a:t>
-            </a:r>
-            <a:r>
-              <a:rPr lang="en-US" sz="1600" b="1" dirty="0" err="1"/>
-              <a:t>sử</a:t>
-            </a:r>
-            <a:r>
-              <a:rPr lang="en-US" sz="1600" b="1" dirty="0"/>
-              <a:t> </a:t>
-            </a:r>
-            <a:r>
-              <a:rPr lang="en-US" sz="1600" b="1" dirty="0" err="1"/>
-              <a:t>dụng</a:t>
-            </a:r>
-            <a:r>
-              <a:rPr lang="en-US" sz="1600" b="1" dirty="0"/>
-              <a:t>.</a:t>
-            </a:r>
-          </a:p>
-          <a:p>
-            <a:pPr>
-              <a:lnSpc>
-                <a:spcPct val="150000"/>
-              </a:lnSpc>
-            </a:pPr>
-            <a:r>
               <a:rPr lang="en-US" sz="1600" dirty="0" err="1"/>
-              <a:t>Thời</a:t>
+              <a:t>Chương</a:t>
             </a:r>
             <a:r>
               <a:rPr lang="en-US" sz="1600" dirty="0"/>
@@ -30918,59 +30999,47 @@
             </a:r>
             <a:r>
               <a:rPr lang="en-US" sz="1600" dirty="0" err="1"/>
-              <a:t>gian</a:t>
+              <a:t>trình</a:t>
             </a:r>
             <a:r>
               <a:rPr lang="en-US" sz="1600" dirty="0"/>
               <a:t> </a:t>
             </a:r>
             <a:r>
-              <a:rPr lang="en-US" sz="1600" dirty="0" err="1" smtClean="0"/>
-              <a:t>chạy</a:t>
-            </a:r>
-            <a:r>
-              <a:rPr lang="en-US" sz="1600" dirty="0" smtClean="0"/>
+              <a:rPr lang="en-US" sz="1600" dirty="0" err="1"/>
+              <a:t>biên</a:t>
+            </a:r>
+            <a:r>
+              <a:rPr lang="en-US" sz="1600" dirty="0"/>
+              <a:t> </a:t>
+            </a:r>
+            <a:r>
+              <a:rPr lang="en-US" sz="1600" dirty="0" err="1"/>
+              <a:t>dịch</a:t>
+            </a:r>
+            <a:r>
+              <a:rPr lang="en-US" sz="1600" dirty="0"/>
               <a:t>, </a:t>
             </a:r>
             <a:r>
-              <a:rPr lang="en-US" sz="1600" dirty="0" err="1" smtClean="0"/>
-              <a:t>không</a:t>
-            </a:r>
-            <a:r>
-              <a:rPr lang="en-US" sz="1600" dirty="0" smtClean="0"/>
+              <a:rPr lang="en-US" sz="1600" dirty="0" err="1"/>
+              <a:t>hệ</a:t>
+            </a:r>
+            <a:r>
+              <a:rPr lang="en-US" sz="1600" dirty="0"/>
               <a:t> </a:t>
             </a:r>
             <a:r>
-              <a:rPr lang="en-US" sz="1600" dirty="0" err="1" smtClean="0"/>
-              <a:t>gian</a:t>
-            </a:r>
-            <a:r>
-              <a:rPr lang="en-US" sz="1600" dirty="0" smtClean="0"/>
+              <a:rPr lang="en-US" sz="1600" dirty="0" err="1"/>
+              <a:t>điều</a:t>
+            </a:r>
+            <a:r>
+              <a:rPr lang="en-US" sz="1600" dirty="0"/>
               <a:t> </a:t>
             </a:r>
             <a:r>
-              <a:rPr lang="en-US" sz="1600" dirty="0" err="1" smtClean="0"/>
-              <a:t>phụ</a:t>
-            </a:r>
-            <a:r>
-              <a:rPr lang="en-US" sz="1600" dirty="0" smtClean="0"/>
-              <a:t> </a:t>
-            </a:r>
-            <a:r>
-              <a:rPr lang="en-US" sz="1600" dirty="0" err="1" smtClean="0"/>
-              <a:t>thuộc</a:t>
-            </a:r>
-            <a:r>
-              <a:rPr lang="en-US" sz="1600" dirty="0" smtClean="0"/>
-              <a:t> </a:t>
-            </a:r>
-            <a:r>
-              <a:rPr lang="en-US" sz="1600" dirty="0" err="1" smtClean="0"/>
-              <a:t>vào</a:t>
-            </a:r>
-            <a:r>
-              <a:rPr lang="en-US" sz="1600" dirty="0" smtClean="0"/>
-              <a:t>:</a:t>
+              <a:rPr lang="en-US" sz="1600" dirty="0" err="1"/>
+              <a:t>hành</a:t>
             </a:r>
             <a:endParaRPr lang="en-US" sz="1600" dirty="0"/>
           </a:p>
@@ -30983,92 +31052,8 @@
               <a:buChar char="•"/>
             </a:pPr>
             <a:r>
-              <a:rPr lang="en-US" sz="1600" b="1" dirty="0" err="1"/>
-              <a:t>Dự</a:t>
-            </a:r>
-            <a:r>
-              <a:rPr lang="en-US" sz="1600" b="1" dirty="0"/>
-              <a:t> </a:t>
-            </a:r>
-            <a:r>
-              <a:rPr lang="en-US" sz="1600" b="1" dirty="0" err="1"/>
-              <a:t>liệu</a:t>
-            </a:r>
-            <a:r>
-              <a:rPr lang="en-US" sz="1600" b="1" dirty="0"/>
-              <a:t> </a:t>
-            </a:r>
-            <a:r>
-              <a:rPr lang="en-US" sz="1600" b="1" dirty="0" err="1"/>
-              <a:t>đầu</a:t>
-            </a:r>
-            <a:r>
-              <a:rPr lang="en-US" sz="1600" b="1" dirty="0"/>
-              <a:t> </a:t>
-            </a:r>
-            <a:r>
-              <a:rPr lang="en-US" sz="1600" b="1" dirty="0" err="1" smtClean="0"/>
-              <a:t>vào</a:t>
-            </a:r>
-            <a:endParaRPr lang="en-US" sz="1600" b="1" dirty="0"/>
-          </a:p>
-          <a:p>
-            <a:pPr marL="214313" indent="-214313">
-              <a:lnSpc>
-                <a:spcPct val="150000"/>
-              </a:lnSpc>
-              <a:buFont typeface="Arial" panose="020B0604020202020204" pitchFamily="34" charset="0"/>
-              <a:buChar char="•"/>
-            </a:pPr>
-            <a:r>
-              <a:rPr lang="en-US" sz="1600" b="1" dirty="0" err="1" smtClean="0"/>
-              <a:t>Cách</a:t>
-            </a:r>
-            <a:r>
-              <a:rPr lang="en-US" sz="1600" b="1" dirty="0" smtClean="0"/>
-              <a:t> </a:t>
-            </a:r>
-            <a:r>
-              <a:rPr lang="en-US" sz="1600" b="1" dirty="0" err="1" smtClean="0"/>
-              <a:t>thuật</a:t>
-            </a:r>
-            <a:r>
-              <a:rPr lang="en-US" sz="1600" b="1" dirty="0" smtClean="0"/>
-              <a:t> </a:t>
-            </a:r>
-            <a:r>
-              <a:rPr lang="en-US" sz="1600" b="1" dirty="0" err="1" smtClean="0"/>
-              <a:t>toán</a:t>
-            </a:r>
-            <a:r>
-              <a:rPr lang="en-US" sz="1600" b="1" dirty="0" smtClean="0"/>
-              <a:t> </a:t>
-            </a:r>
-            <a:r>
-              <a:rPr lang="en-US" sz="1600" b="1" dirty="0" err="1" smtClean="0"/>
-              <a:t>hoạt</a:t>
-            </a:r>
-            <a:r>
-              <a:rPr lang="en-US" sz="1600" b="1" dirty="0" smtClean="0"/>
-              <a:t> </a:t>
-            </a:r>
-            <a:r>
-              <a:rPr lang="en-US" sz="1600" b="1" dirty="0" err="1" smtClean="0"/>
-              <a:t>động</a:t>
-            </a:r>
-            <a:endParaRPr lang="en-US" sz="1600" b="1" dirty="0"/>
-          </a:p>
-          <a:p>
-            <a:pPr marL="214313" indent="-214313">
-              <a:lnSpc>
-                <a:spcPct val="150000"/>
-              </a:lnSpc>
-              <a:buFont typeface="Arial" panose="020B0604020202020204" pitchFamily="34" charset="0"/>
-              <a:buChar char="•"/>
-            </a:pPr>
-            <a:r>
               <a:rPr lang="en-US" sz="1600" dirty="0" err="1"/>
-              <a:t>Kĩ</a:t>
+              <a:t>Tốc</a:t>
             </a:r>
             <a:r>
               <a:rPr lang="en-US" sz="1600" dirty="0"/>
@@ -31076,7 +31061,7 @@
             </a:r>
             <a:r>
               <a:rPr lang="en-US" sz="1600" dirty="0" err="1"/>
-              <a:t>năng</a:t>
+              <a:t>độ</a:t>
             </a:r>
             <a:r>
               <a:rPr lang="en-US" sz="1600" dirty="0"/>
@@ -31084,7 +31069,7 @@
             </a:r>
             <a:r>
               <a:rPr lang="en-US" sz="1600" dirty="0" err="1"/>
-              <a:t>lập</a:t>
+              <a:t>máy</a:t>
             </a:r>
             <a:r>
               <a:rPr lang="en-US" sz="1600" dirty="0"/>
@@ -31092,7 +31077,7 @@
             </a:r>
             <a:r>
               <a:rPr lang="en-US" sz="1600" dirty="0" err="1"/>
-              <a:t>trình</a:t>
+              <a:t>tính</a:t>
             </a:r>
             <a:endParaRPr lang="en-US" sz="1600" dirty="0"/>
           </a:p>
@@ -31105,110 +31090,9 @@
               <a:buChar char="•"/>
             </a:pPr>
             <a:r>
-              <a:rPr lang="en-US" sz="1600" dirty="0" err="1"/>
-              <a:t>Chương</a:t>
-            </a:r>
-            <a:r>
               <a:rPr lang="en-US" sz="1600" dirty="0"/>
-              <a:t> </a:t>
-            </a:r>
-            <a:r>
-              <a:rPr lang="en-US" sz="1600" dirty="0" err="1"/>
-              <a:t>trình</a:t>
-            </a:r>
-            <a:r>
-              <a:rPr lang="en-US" sz="1600" dirty="0"/>
-              <a:t> </a:t>
-            </a:r>
-            <a:r>
-              <a:rPr lang="en-US" sz="1600" dirty="0" err="1"/>
-              <a:t>biên</a:t>
-            </a:r>
-            <a:r>
-              <a:rPr lang="en-US" sz="1600" dirty="0"/>
-              <a:t> </a:t>
-            </a:r>
-            <a:r>
-              <a:rPr lang="en-US" sz="1600" dirty="0" err="1"/>
-              <a:t>dịch</a:t>
-            </a:r>
-            <a:r>
-              <a:rPr lang="en-US" sz="1600" dirty="0"/>
-              <a:t>, </a:t>
-            </a:r>
-            <a:r>
-              <a:rPr lang="en-US" sz="1600" dirty="0" err="1"/>
-              <a:t>hệ</a:t>
-            </a:r>
-            <a:r>
-              <a:rPr lang="en-US" sz="1600" dirty="0"/>
-              <a:t> </a:t>
-            </a:r>
-            <a:r>
-              <a:rPr lang="en-US" sz="1600" dirty="0" err="1"/>
-              <a:t>điều</a:t>
-            </a:r>
-            <a:r>
-              <a:rPr lang="en-US" sz="1600" dirty="0"/>
-              <a:t> </a:t>
-            </a:r>
-            <a:r>
-              <a:rPr lang="en-US" sz="1600" dirty="0" err="1"/>
-              <a:t>hành</a:t>
-            </a:r>
-            <a:endParaRPr lang="en-US" sz="1600" dirty="0"/>
-          </a:p>
-          <a:p>
-            <a:pPr marL="214313" indent="-214313">
-              <a:lnSpc>
-                <a:spcPct val="150000"/>
-              </a:lnSpc>
-              <a:buFont typeface="Arial" panose="020B0604020202020204" pitchFamily="34" charset="0"/>
-              <a:buChar char="•"/>
-            </a:pPr>
-            <a:r>
-              <a:rPr lang="en-US" sz="1600" dirty="0" err="1"/>
-              <a:t>Tốc</a:t>
-            </a:r>
-            <a:r>
-              <a:rPr lang="en-US" sz="1600" dirty="0"/>
-              <a:t> </a:t>
-            </a:r>
-            <a:r>
-              <a:rPr lang="en-US" sz="1600" dirty="0" err="1"/>
-              <a:t>độ</a:t>
-            </a:r>
-            <a:r>
-              <a:rPr lang="en-US" sz="1600" dirty="0"/>
-              <a:t> </a:t>
-            </a:r>
-            <a:r>
-              <a:rPr lang="en-US" sz="1600" dirty="0" err="1"/>
-              <a:t>máy</a:t>
-            </a:r>
-            <a:r>
-              <a:rPr lang="en-US" sz="1600" dirty="0"/>
-              <a:t> </a:t>
-            </a:r>
-            <a:r>
-              <a:rPr lang="en-US" sz="1600" dirty="0" err="1" smtClean="0"/>
-              <a:t>tính</a:t>
-            </a:r>
-            <a:endParaRPr lang="en-US" sz="1600" dirty="0" smtClean="0"/>
-          </a:p>
-          <a:p>
-            <a:pPr marL="214313" indent="-214313">
-              <a:lnSpc>
-                <a:spcPct val="150000"/>
-              </a:lnSpc>
-              <a:buFont typeface="Arial" panose="020B0604020202020204" pitchFamily="34" charset="0"/>
-              <a:buChar char="•"/>
-            </a:pPr>
-            <a:r>
-              <a:rPr lang="en-US" sz="1600" dirty="0" smtClean="0"/>
               <a:t>…</a:t>
             </a:r>
-            <a:endParaRPr lang="en-US" sz="1600" dirty="0"/>
           </a:p>
         </p:txBody>
       </p:sp>
@@ -31222,13 +31106,6 @@
   <p:clrMapOvr>
     <a:masterClrMapping/>
   </p:clrMapOvr>
-  <p:timing>
-    <p:tnLst>
-      <p:par>
-        <p:cTn id="1" dur="indefinite" restart="never" nodeType="tmRoot"/>
-      </p:par>
-    </p:tnLst>
-  </p:timing>
 </p:sld>
 </file>
 
@@ -31558,12 +31435,10 @@
             </a:r>
           </a:p>
           <a:p>
-            <a:pPr marL="214313" indent="-214313">
+            <a:pPr>
               <a:lnSpc>
                 <a:spcPct val="200000"/>
               </a:lnSpc>
-              <a:buFont typeface="Arial" panose="020B0604020202020204" pitchFamily="34" charset="0"/>
-              <a:buChar char="•"/>
             </a:pPr>
             <a:r>
               <a:rPr lang="en-US" sz="1600" dirty="0" err="1"/>
@@ -31714,13 +31589,6 @@
   <p:clrMapOvr>
     <a:masterClrMapping/>
   </p:clrMapOvr>
-  <p:timing>
-    <p:tnLst>
-      <p:par>
-        <p:cTn id="1" dur="indefinite" restart="never" nodeType="tmRoot"/>
-      </p:par>
-    </p:tnLst>
-  </p:timing>
 </p:sld>
 </file>
 
@@ -31743,172 +31611,6 @@
       </p:grpSpPr>
       <p:sp>
         <p:nvSpPr>
-          <p:cNvPr id="4" name="TextBox 3">
-            <a:extLst>
-              <a:ext uri="{FF2B5EF4-FFF2-40B4-BE49-F238E27FC236}">
-                <a16:creationId xmlns:a16="http://schemas.microsoft.com/office/drawing/2014/main" id="{D733FC69-11C1-4466-814F-52793BE0F8EC}"/>
-              </a:ext>
-            </a:extLst>
-          </p:cNvPr>
-          <p:cNvSpPr txBox="1"/>
-          <p:nvPr/>
-        </p:nvSpPr>
-        <p:spPr>
-          <a:xfrm>
-            <a:off x="914987" y="1049020"/>
-            <a:ext cx="7543800" cy="300082"/>
-          </a:xfrm>
-          <a:prstGeom prst="rect">
-            <a:avLst/>
-          </a:prstGeom>
-          <a:noFill/>
-        </p:spPr>
-        <p:txBody>
-          <a:bodyPr wrap="square" rtlCol="0">
-            <a:spAutoFit/>
-          </a:bodyPr>
-          <a:lstStyle/>
-          <a:p>
-            <a:r>
-              <a:rPr lang="en-US" sz="1350" b="1" dirty="0" err="1" smtClean="0">
-                <a:latin typeface="+mj-lt"/>
-              </a:rPr>
-              <a:t>Độ</a:t>
-            </a:r>
-            <a:r>
-              <a:rPr lang="en-US" sz="1350" b="1" dirty="0" smtClean="0">
-                <a:latin typeface="+mj-lt"/>
-              </a:rPr>
-              <a:t> </a:t>
-            </a:r>
-            <a:r>
-              <a:rPr lang="en-US" sz="1350" b="1" dirty="0" err="1">
-                <a:latin typeface="+mj-lt"/>
-              </a:rPr>
-              <a:t>phức</a:t>
-            </a:r>
-            <a:r>
-              <a:rPr lang="en-US" sz="1350" b="1" dirty="0">
-                <a:latin typeface="+mj-lt"/>
-              </a:rPr>
-              <a:t> </a:t>
-            </a:r>
-            <a:r>
-              <a:rPr lang="en-US" sz="1350" b="1" dirty="0" err="1">
-                <a:latin typeface="+mj-lt"/>
-              </a:rPr>
-              <a:t>tạp</a:t>
-            </a:r>
-            <a:r>
-              <a:rPr lang="en-US" sz="1350" b="1" dirty="0">
-                <a:latin typeface="+mj-lt"/>
-              </a:rPr>
-              <a:t> </a:t>
-            </a:r>
-            <a:r>
-              <a:rPr lang="en-US" sz="1350" b="1" dirty="0" err="1">
-                <a:latin typeface="+mj-lt"/>
-              </a:rPr>
-              <a:t>của</a:t>
-            </a:r>
-            <a:r>
-              <a:rPr lang="en-US" sz="1350" b="1" dirty="0">
-                <a:latin typeface="+mj-lt"/>
-              </a:rPr>
-              <a:t> </a:t>
-            </a:r>
-            <a:r>
-              <a:rPr lang="en-US" sz="1350" b="1" dirty="0" err="1">
-                <a:latin typeface="+mj-lt"/>
-              </a:rPr>
-              <a:t>thuật</a:t>
-            </a:r>
-            <a:r>
-              <a:rPr lang="en-US" sz="1350" b="1" dirty="0">
-                <a:latin typeface="+mj-lt"/>
-              </a:rPr>
-              <a:t> </a:t>
-            </a:r>
-            <a:r>
-              <a:rPr lang="en-US" sz="1350" b="1" dirty="0" err="1" smtClean="0">
-                <a:latin typeface="+mj-lt"/>
-              </a:rPr>
-              <a:t>toán</a:t>
-            </a:r>
-            <a:r>
-              <a:rPr lang="en-US" sz="1350" b="1" dirty="0" smtClean="0">
-                <a:latin typeface="+mj-lt"/>
-              </a:rPr>
-              <a:t> (</a:t>
-            </a:r>
-            <a:r>
-              <a:rPr lang="en-US" sz="1350" b="1" dirty="0" err="1" smtClean="0">
-                <a:latin typeface="+mj-lt"/>
-              </a:rPr>
-              <a:t>độ</a:t>
-            </a:r>
-            <a:r>
-              <a:rPr lang="en-US" sz="1350" b="1" dirty="0" smtClean="0">
-                <a:latin typeface="+mj-lt"/>
-              </a:rPr>
-              <a:t> </a:t>
-            </a:r>
-            <a:r>
-              <a:rPr lang="en-US" sz="1350" b="1" dirty="0" err="1" smtClean="0">
-                <a:latin typeface="+mj-lt"/>
-              </a:rPr>
-              <a:t>phức</a:t>
-            </a:r>
-            <a:r>
-              <a:rPr lang="en-US" sz="1350" b="1" dirty="0" smtClean="0">
-                <a:latin typeface="+mj-lt"/>
-              </a:rPr>
-              <a:t> </a:t>
-            </a:r>
-            <a:r>
-              <a:rPr lang="en-US" sz="1350" b="1" dirty="0" err="1" smtClean="0">
-                <a:latin typeface="+mj-lt"/>
-              </a:rPr>
-              <a:t>tạp</a:t>
-            </a:r>
-            <a:r>
-              <a:rPr lang="en-US" sz="1350" b="1" dirty="0" smtClean="0">
-                <a:latin typeface="+mj-lt"/>
-              </a:rPr>
-              <a:t> </a:t>
-            </a:r>
-            <a:r>
-              <a:rPr lang="en-US" sz="1350" b="1" dirty="0" err="1" smtClean="0">
-                <a:latin typeface="+mj-lt"/>
-              </a:rPr>
-              <a:t>tính</a:t>
-            </a:r>
-            <a:r>
-              <a:rPr lang="en-US" sz="1350" b="1" dirty="0" smtClean="0">
-                <a:latin typeface="+mj-lt"/>
-              </a:rPr>
-              <a:t> </a:t>
-            </a:r>
-            <a:r>
-              <a:rPr lang="en-US" sz="1350" b="1" dirty="0" err="1" smtClean="0">
-                <a:latin typeface="+mj-lt"/>
-              </a:rPr>
-              <a:t>toán</a:t>
-            </a:r>
-            <a:r>
-              <a:rPr lang="en-US" sz="1350" b="1" dirty="0" smtClean="0">
-                <a:latin typeface="+mj-lt"/>
-              </a:rPr>
-              <a:t>) ?</a:t>
-            </a:r>
-            <a:endParaRPr lang="en-US" sz="1350" b="1" dirty="0">
-              <a:latin typeface="+mj-lt"/>
-            </a:endParaRPr>
-          </a:p>
-        </p:txBody>
-      </p:sp>
-      <p:sp>
-        <p:nvSpPr>
           <p:cNvPr id="6" name="Title 1">
             <a:extLst>
               <a:ext uri="{FF2B5EF4-FFF2-40B4-BE49-F238E27FC236}">
@@ -31923,8 +31625,8 @@
         </p:nvSpPr>
         <p:spPr>
           <a:xfrm>
-            <a:off x="3283194" y="-191142"/>
-            <a:ext cx="2592852" cy="1088068"/>
+            <a:off x="1922225" y="0"/>
+            <a:ext cx="4776285" cy="1088068"/>
           </a:xfrm>
           <a:prstGeom prst="rect">
             <a:avLst/>
@@ -31961,7 +31663,7 @@
               <a:rPr lang="en-US" sz="3000" dirty="0" err="1">
                 <a:latin typeface="Palatino Linotype" panose="02040502050505030304" pitchFamily="18" charset="0"/>
               </a:rPr>
-              <a:t>Khái</a:t>
+              <a:t>Đánh</a:t>
             </a:r>
             <a:r>
               <a:rPr lang="en-US" sz="3000" dirty="0">
@@ -31973,7 +31675,55 @@
               <a:rPr lang="en-US" sz="3000" dirty="0" err="1">
                 <a:latin typeface="Palatino Linotype" panose="02040502050505030304" pitchFamily="18" charset="0"/>
               </a:rPr>
-              <a:t>niệm</a:t>
+              <a:t>giá</a:t>
+            </a:r>
+            <a:r>
+              <a:rPr lang="en-US" sz="3000" dirty="0">
+                <a:latin typeface="Palatino Linotype" panose="02040502050505030304" pitchFamily="18" charset="0"/>
+              </a:rPr>
+              <a:t> </a:t>
+            </a:r>
+            <a:r>
+              <a:rPr lang="en-US" sz="3000" dirty="0" err="1">
+                <a:latin typeface="Palatino Linotype" panose="02040502050505030304" pitchFamily="18" charset="0"/>
+              </a:rPr>
+              <a:t>hiệu</a:t>
+            </a:r>
+            <a:r>
+              <a:rPr lang="en-US" sz="3000" dirty="0">
+                <a:latin typeface="Palatino Linotype" panose="02040502050505030304" pitchFamily="18" charset="0"/>
+              </a:rPr>
+              <a:t> </a:t>
+            </a:r>
+            <a:r>
+              <a:rPr lang="en-US" sz="3000" dirty="0" err="1">
+                <a:latin typeface="Palatino Linotype" panose="02040502050505030304" pitchFamily="18" charset="0"/>
+              </a:rPr>
+              <a:t>quả</a:t>
+            </a:r>
+            <a:r>
+              <a:rPr lang="en-US" sz="3000" dirty="0">
+                <a:latin typeface="Palatino Linotype" panose="02040502050505030304" pitchFamily="18" charset="0"/>
+              </a:rPr>
+              <a:t> </a:t>
+            </a:r>
+            <a:r>
+              <a:rPr lang="en-US" sz="3000" dirty="0" err="1">
+                <a:latin typeface="Palatino Linotype" panose="02040502050505030304" pitchFamily="18" charset="0"/>
+              </a:rPr>
+              <a:t>thời</a:t>
+            </a:r>
+            <a:r>
+              <a:rPr lang="en-US" sz="3000" dirty="0">
+                <a:latin typeface="Palatino Linotype" panose="02040502050505030304" pitchFamily="18" charset="0"/>
+              </a:rPr>
+              <a:t> </a:t>
+            </a:r>
+            <a:r>
+              <a:rPr lang="en-US" sz="3000" dirty="0" err="1">
+                <a:latin typeface="Palatino Linotype" panose="02040502050505030304" pitchFamily="18" charset="0"/>
+              </a:rPr>
+              <a:t>gian</a:t>
             </a:r>
             <a:endParaRPr lang="en-US" sz="3000" dirty="0">
               <a:latin typeface="Palatino Linotype" panose="02040502050505030304" pitchFamily="18" charset="0"/>
@@ -31983,10 +31733,10 @@
       </p:sp>
       <p:sp>
         <p:nvSpPr>
-          <p:cNvPr id="9" name="TextBox 8">
+          <p:cNvPr id="2" name="TextBox 1">
             <a:extLst>
               <a:ext uri="{FF2B5EF4-FFF2-40B4-BE49-F238E27FC236}">
-                <a16:creationId xmlns:a16="http://schemas.microsoft.com/office/drawing/2014/main" id="{149CC6D4-FAC4-4110-AA77-E3BB598B9E67}"/>
+                <a16:creationId xmlns:a16="http://schemas.microsoft.com/office/drawing/2014/main" id="{84C968A5-0CD0-4AB1-9E45-DBDBED4E5B89}"/>
               </a:ext>
             </a:extLst>
           </p:cNvPr>
@@ -31995,8 +31745,8 @@
         </p:nvSpPr>
         <p:spPr>
           <a:xfrm>
-            <a:off x="911469" y="1751722"/>
-            <a:ext cx="7543800" cy="507831"/>
+            <a:off x="844153" y="1694587"/>
+            <a:ext cx="6932428" cy="1754326"/>
           </a:xfrm>
           <a:prstGeom prst="rect">
             <a:avLst/>
@@ -32009,799 +31759,241 @@
           </a:bodyPr>
           <a:lstStyle/>
           <a:p>
-            <a:pPr marL="214313" indent="-214313">
+            <a:r>
+              <a:rPr lang="en-US" dirty="0" err="1"/>
+              <a:t>Có</a:t>
+            </a:r>
+            <a:r>
+              <a:rPr lang="en-US" dirty="0"/>
+              <a:t> 2 </a:t>
+            </a:r>
+            <a:r>
+              <a:rPr lang="en-US" dirty="0" err="1"/>
+              <a:t>phương</a:t>
+            </a:r>
+            <a:r>
+              <a:rPr lang="en-US" dirty="0"/>
+              <a:t> </a:t>
+            </a:r>
+            <a:r>
+              <a:rPr lang="en-US" dirty="0" err="1"/>
+              <a:t>pháp</a:t>
+            </a:r>
+            <a:r>
+              <a:rPr lang="en-US" dirty="0"/>
+              <a:t> </a:t>
+            </a:r>
+            <a:r>
+              <a:rPr lang="en-US" dirty="0" err="1"/>
+              <a:t>đánh</a:t>
+            </a:r>
+            <a:r>
+              <a:rPr lang="en-US" dirty="0"/>
+              <a:t> </a:t>
+            </a:r>
+            <a:r>
+              <a:rPr lang="en-US" dirty="0" err="1"/>
+              <a:t>giá</a:t>
+            </a:r>
+            <a:r>
+              <a:rPr lang="en-US" dirty="0"/>
+              <a:t> </a:t>
+            </a:r>
+            <a:r>
+              <a:rPr lang="en-US" dirty="0" err="1"/>
+              <a:t>độ</a:t>
+            </a:r>
+            <a:r>
+              <a:rPr lang="en-US" dirty="0"/>
+              <a:t> </a:t>
+            </a:r>
+            <a:r>
+              <a:rPr lang="en-US" dirty="0" err="1"/>
+              <a:t>hiệu</a:t>
+            </a:r>
+            <a:r>
+              <a:rPr lang="en-US" dirty="0"/>
+              <a:t> </a:t>
+            </a:r>
+            <a:r>
+              <a:rPr lang="en-US" dirty="0" err="1"/>
+              <a:t>quả</a:t>
+            </a:r>
+            <a:r>
+              <a:rPr lang="en-US" dirty="0"/>
+              <a:t> </a:t>
+            </a:r>
+            <a:r>
+              <a:rPr lang="en-US" dirty="0" err="1"/>
+              <a:t>thời</a:t>
+            </a:r>
+            <a:r>
+              <a:rPr lang="en-US" dirty="0"/>
+              <a:t> </a:t>
+            </a:r>
+            <a:r>
+              <a:rPr lang="en-US" dirty="0" err="1"/>
+              <a:t>gian</a:t>
+            </a:r>
+            <a:r>
+              <a:rPr lang="en-US" dirty="0"/>
+              <a:t>:</a:t>
+            </a:r>
+          </a:p>
+          <a:p>
+            <a:endParaRPr lang="en-US" dirty="0"/>
+          </a:p>
+          <a:p>
+            <a:endParaRPr lang="en-US" dirty="0"/>
+          </a:p>
+          <a:p>
+            <a:pPr marL="285750" indent="-285750">
               <a:buFont typeface="Arial" panose="020B0604020202020204" pitchFamily="34" charset="0"/>
               <a:buChar char="•"/>
             </a:pPr>
             <a:r>
-              <a:rPr lang="en-US" sz="1350" dirty="0" err="1"/>
-              <a:t>Thời</a:t>
-            </a:r>
-            <a:r>
-              <a:rPr lang="en-US" sz="1350" dirty="0"/>
+              <a:rPr lang="en-US" dirty="0" err="1"/>
+              <a:t>Phương</a:t>
+            </a:r>
+            <a:r>
+              <a:rPr lang="en-US" dirty="0"/>
               <a:t> </a:t>
             </a:r>
             <a:r>
-              <a:rPr lang="en-US" sz="1350" dirty="0" err="1"/>
-              <a:t>gian</a:t>
-            </a:r>
-            <a:r>
-              <a:rPr lang="en-US" sz="1350" dirty="0"/>
+              <a:rPr lang="en-US" dirty="0" err="1"/>
+              <a:t>pháp</a:t>
+            </a:r>
+            <a:r>
+              <a:rPr lang="en-US" dirty="0"/>
               <a:t> </a:t>
             </a:r>
             <a:r>
-              <a:rPr lang="en-US" sz="1350" dirty="0" err="1"/>
+              <a:rPr lang="en-US" dirty="0" err="1"/>
+              <a:t>thực</a:t>
+            </a:r>
+            <a:r>
+              <a:rPr lang="en-US" dirty="0"/>
+              <a:t> </a:t>
+            </a:r>
+            <a:r>
+              <a:rPr lang="en-US" dirty="0" err="1"/>
+              <a:t>nghiệm</a:t>
+            </a:r>
+            <a:r>
+              <a:rPr lang="en-US" dirty="0"/>
+              <a:t>(</a:t>
+            </a:r>
+            <a:r>
+              <a:rPr lang="en-US" dirty="0" err="1"/>
+              <a:t>Thực</a:t>
+            </a:r>
+            <a:r>
+              <a:rPr lang="en-US" dirty="0"/>
+              <a:t> </a:t>
+            </a:r>
+            <a:r>
+              <a:rPr lang="en-US" dirty="0" err="1"/>
+              <a:t>hành</a:t>
+            </a:r>
+            <a:r>
+              <a:rPr lang="en-US" dirty="0"/>
+              <a:t>): </a:t>
+            </a:r>
+            <a:r>
+              <a:rPr lang="en-US" dirty="0" err="1"/>
+              <a:t>viết</a:t>
+            </a:r>
+            <a:r>
+              <a:rPr lang="en-US" dirty="0"/>
+              <a:t> code </a:t>
+            </a:r>
+            <a:r>
+              <a:rPr lang="en-US" dirty="0" err="1"/>
               <a:t>chạy</a:t>
             </a:r>
-            <a:r>
-              <a:rPr lang="en-US" sz="1350" dirty="0"/>
-              <a:t> </a:t>
-            </a:r>
-            <a:r>
-              <a:rPr lang="en-US" sz="1350" dirty="0" err="1"/>
-              <a:t>của</a:t>
-            </a:r>
-            <a:r>
-              <a:rPr lang="en-US" sz="1350" dirty="0"/>
-              <a:t> </a:t>
-            </a:r>
-            <a:r>
-              <a:rPr lang="en-US" sz="1350" dirty="0" err="1"/>
-              <a:t>thuật</a:t>
-            </a:r>
-            <a:r>
-              <a:rPr lang="en-US" sz="1350" dirty="0"/>
-              <a:t> </a:t>
-            </a:r>
-            <a:r>
-              <a:rPr lang="en-US" sz="1350" dirty="0" err="1"/>
-              <a:t>toán</a:t>
-            </a:r>
-            <a:r>
-              <a:rPr lang="en-US" sz="1350" dirty="0"/>
-              <a:t> </a:t>
-            </a:r>
-            <a:r>
-              <a:rPr lang="en-US" sz="1350" dirty="0" err="1"/>
-              <a:t>có</a:t>
-            </a:r>
-            <a:r>
-              <a:rPr lang="en-US" sz="1350" dirty="0"/>
-              <a:t> 3 </a:t>
-            </a:r>
-            <a:r>
-              <a:rPr lang="en-US" sz="1350" dirty="0" err="1"/>
-              <a:t>trường</a:t>
-            </a:r>
-            <a:r>
-              <a:rPr lang="en-US" sz="1350" dirty="0"/>
-              <a:t> </a:t>
-            </a:r>
-            <a:r>
-              <a:rPr lang="en-US" sz="1350" dirty="0" err="1"/>
-              <a:t>hợp</a:t>
-            </a:r>
-            <a:r>
-              <a:rPr lang="en-US" sz="1350" dirty="0"/>
-              <a:t>. Khi </a:t>
-            </a:r>
-            <a:r>
-              <a:rPr lang="en-US" sz="1350" dirty="0" err="1"/>
-              <a:t>đánh</a:t>
-            </a:r>
-            <a:r>
-              <a:rPr lang="en-US" sz="1350" dirty="0"/>
-              <a:t> </a:t>
-            </a:r>
-            <a:r>
-              <a:rPr lang="en-US" sz="1350" dirty="0" err="1"/>
-              <a:t>giá</a:t>
-            </a:r>
-            <a:r>
-              <a:rPr lang="en-US" sz="1350" dirty="0"/>
-              <a:t> </a:t>
-            </a:r>
-            <a:r>
-              <a:rPr lang="en-US" sz="1350" dirty="0" err="1"/>
-              <a:t>thuật</a:t>
-            </a:r>
-            <a:r>
-              <a:rPr lang="en-US" sz="1350" dirty="0"/>
-              <a:t> </a:t>
-            </a:r>
-            <a:r>
-              <a:rPr lang="en-US" sz="1350" dirty="0" err="1"/>
-              <a:t>toán</a:t>
-            </a:r>
-            <a:r>
-              <a:rPr lang="en-US" sz="1350" dirty="0"/>
-              <a:t> </a:t>
-            </a:r>
-            <a:r>
-              <a:rPr lang="en-US" sz="1350" dirty="0" err="1"/>
-              <a:t>chúng</a:t>
-            </a:r>
-            <a:r>
-              <a:rPr lang="en-US" sz="1350" dirty="0"/>
-              <a:t> ta </a:t>
-            </a:r>
-            <a:r>
-              <a:rPr lang="en-US" sz="1350" dirty="0" err="1"/>
-              <a:t>sẽ</a:t>
-            </a:r>
-            <a:r>
-              <a:rPr lang="en-US" sz="1350" dirty="0"/>
-              <a:t> </a:t>
-            </a:r>
-            <a:r>
-              <a:rPr lang="en-US" sz="1350" dirty="0" err="1"/>
-              <a:t>tốc</a:t>
-            </a:r>
-            <a:r>
-              <a:rPr lang="en-US" sz="1350" dirty="0"/>
-              <a:t> </a:t>
-            </a:r>
-            <a:r>
-              <a:rPr lang="en-US" sz="1350" dirty="0" err="1"/>
-              <a:t>độ</a:t>
-            </a:r>
-            <a:r>
-              <a:rPr lang="en-US" sz="1350" dirty="0"/>
-              <a:t> </a:t>
-            </a:r>
-            <a:r>
-              <a:rPr lang="en-US" sz="1350" dirty="0" err="1"/>
-              <a:t>của</a:t>
-            </a:r>
-            <a:r>
-              <a:rPr lang="en-US" sz="1350" dirty="0"/>
-              <a:t> </a:t>
-            </a:r>
-            <a:r>
-              <a:rPr lang="en-US" sz="1350" dirty="0" err="1"/>
-              <a:t>nó</a:t>
-            </a:r>
-            <a:r>
-              <a:rPr lang="en-US" sz="1350" dirty="0"/>
-              <a:t> </a:t>
-            </a:r>
-            <a:r>
-              <a:rPr lang="en-US" sz="1350" dirty="0" err="1"/>
-              <a:t>trong</a:t>
-            </a:r>
-            <a:r>
-              <a:rPr lang="en-US" sz="1350" dirty="0"/>
-              <a:t> </a:t>
-            </a:r>
-            <a:r>
-              <a:rPr lang="en-US" sz="1350" dirty="0" err="1"/>
-              <a:t>trường</a:t>
-            </a:r>
-            <a:r>
-              <a:rPr lang="en-US" sz="1350" dirty="0"/>
-              <a:t> </a:t>
-            </a:r>
-            <a:r>
-              <a:rPr lang="en-US" sz="1350" dirty="0" err="1"/>
-              <a:t>hợp</a:t>
-            </a:r>
-            <a:r>
-              <a:rPr lang="en-US" sz="1350" dirty="0"/>
-              <a:t> </a:t>
-            </a:r>
-            <a:r>
-              <a:rPr lang="en-US" sz="1350" dirty="0" err="1"/>
-              <a:t>xấu</a:t>
-            </a:r>
-            <a:r>
-              <a:rPr lang="en-US" sz="1350" dirty="0"/>
-              <a:t> </a:t>
-            </a:r>
-            <a:r>
-              <a:rPr lang="en-US" sz="1350" dirty="0" err="1"/>
-              <a:t>nhất</a:t>
-            </a:r>
-            <a:r>
-              <a:rPr lang="en-US" sz="1350" dirty="0"/>
-              <a:t> – </a:t>
-            </a:r>
-            <a:r>
-              <a:rPr lang="en-US" sz="1350" dirty="0" err="1"/>
-              <a:t>tìm</a:t>
-            </a:r>
-            <a:r>
-              <a:rPr lang="en-US" sz="1350" dirty="0"/>
-              <a:t> </a:t>
-            </a:r>
-            <a:r>
-              <a:rPr lang="en-US" sz="1350" dirty="0" err="1"/>
-              <a:t>cận</a:t>
-            </a:r>
-            <a:r>
-              <a:rPr lang="en-US" sz="1350" dirty="0"/>
-              <a:t> </a:t>
-            </a:r>
-            <a:r>
-              <a:rPr lang="en-US" sz="1350" dirty="0" err="1"/>
-              <a:t>trên</a:t>
-            </a:r>
-            <a:r>
-              <a:rPr lang="en-US" sz="1350" dirty="0"/>
-              <a:t> </a:t>
-            </a:r>
-            <a:r>
-              <a:rPr lang="en-US" sz="1350" dirty="0" err="1"/>
-              <a:t>của</a:t>
-            </a:r>
-            <a:r>
-              <a:rPr lang="en-US" sz="1350" dirty="0"/>
-              <a:t> </a:t>
-            </a:r>
-            <a:r>
-              <a:rPr lang="en-US" sz="1350" dirty="0" err="1"/>
-              <a:t>của</a:t>
-            </a:r>
-            <a:r>
-              <a:rPr lang="en-US" sz="1350" dirty="0"/>
-              <a:t> </a:t>
-            </a:r>
-            <a:r>
-              <a:rPr lang="en-US" sz="1350" dirty="0" err="1"/>
-              <a:t>tốc</a:t>
-            </a:r>
-            <a:r>
-              <a:rPr lang="en-US" sz="1350" dirty="0"/>
-              <a:t> </a:t>
-            </a:r>
-            <a:r>
-              <a:rPr lang="en-US" sz="1350" dirty="0" err="1"/>
-              <a:t>độ</a:t>
-            </a:r>
-            <a:r>
-              <a:rPr lang="en-US" sz="1350" dirty="0"/>
-              <a:t> </a:t>
-            </a:r>
-            <a:r>
-              <a:rPr lang="en-US" sz="1350" dirty="0" err="1"/>
-              <a:t>chạy</a:t>
-            </a:r>
-            <a:r>
-              <a:rPr lang="en-US" sz="1350" dirty="0"/>
-              <a:t> </a:t>
-            </a:r>
-            <a:r>
-              <a:rPr lang="en-US" sz="1350" dirty="0" err="1"/>
-              <a:t>thuật</a:t>
-            </a:r>
-            <a:r>
-              <a:rPr lang="en-US" sz="1350" dirty="0"/>
-              <a:t> </a:t>
-            </a:r>
-            <a:r>
-              <a:rPr lang="en-US" sz="1350" dirty="0" err="1"/>
-              <a:t>toán</a:t>
-            </a:r>
-            <a:r>
-              <a:rPr lang="en-US" sz="1350" dirty="0"/>
-              <a:t>.</a:t>
-            </a:r>
+            <a:endParaRPr lang="en-US" dirty="0"/>
           </a:p>
-        </p:txBody>
-      </p:sp>
-      <p:sp>
-        <p:nvSpPr>
-          <p:cNvPr id="10" name="TextBox 9">
-            <a:extLst>
-              <a:ext uri="{FF2B5EF4-FFF2-40B4-BE49-F238E27FC236}">
-                <a16:creationId xmlns:a16="http://schemas.microsoft.com/office/drawing/2014/main" id="{C95E1EB5-A008-4F6E-8457-3B948E3EAE6C}"/>
-              </a:ext>
-            </a:extLst>
-          </p:cNvPr>
-          <p:cNvSpPr txBox="1"/>
-          <p:nvPr/>
-        </p:nvSpPr>
-        <p:spPr>
-          <a:xfrm>
-            <a:off x="911469" y="2411075"/>
-            <a:ext cx="7543800" cy="507831"/>
-          </a:xfrm>
-          <a:prstGeom prst="rect">
-            <a:avLst/>
-          </a:prstGeom>
-          <a:noFill/>
-        </p:spPr>
-        <p:txBody>
-          <a:bodyPr wrap="square" rtlCol="0">
-            <a:spAutoFit/>
-          </a:bodyPr>
-          <a:lstStyle/>
           <a:p>
-            <a:pPr marL="214313" indent="-214313">
+            <a:pPr marL="285750" indent="-285750">
               <a:buFont typeface="Arial" panose="020B0604020202020204" pitchFamily="34" charset="0"/>
               <a:buChar char="•"/>
             </a:pPr>
-            <a:r>
-              <a:rPr lang="en-US" sz="1350" dirty="0" err="1"/>
-              <a:t>Thế</a:t>
-            </a:r>
-            <a:r>
-              <a:rPr lang="en-US" sz="1350" dirty="0"/>
-              <a:t> </a:t>
-            </a:r>
-            <a:r>
-              <a:rPr lang="en-US" sz="1350" dirty="0" err="1"/>
-              <a:t>nào</a:t>
-            </a:r>
-            <a:r>
-              <a:rPr lang="en-US" sz="1350" dirty="0"/>
-              <a:t> </a:t>
-            </a:r>
-            <a:r>
-              <a:rPr lang="en-US" sz="1350" dirty="0" err="1"/>
-              <a:t>là</a:t>
-            </a:r>
-            <a:r>
-              <a:rPr lang="en-US" sz="1350" dirty="0"/>
-              <a:t> </a:t>
-            </a:r>
-            <a:r>
-              <a:rPr lang="en-US" sz="1350" dirty="0" err="1"/>
-              <a:t>trường</a:t>
-            </a:r>
-            <a:r>
-              <a:rPr lang="en-US" sz="1350" dirty="0"/>
-              <a:t> </a:t>
-            </a:r>
-            <a:r>
-              <a:rPr lang="en-US" sz="1350" dirty="0" err="1"/>
-              <a:t>hợp</a:t>
-            </a:r>
-            <a:r>
-              <a:rPr lang="en-US" sz="1350" dirty="0"/>
-              <a:t> </a:t>
-            </a:r>
-            <a:r>
-              <a:rPr lang="en-US" sz="1350" dirty="0" err="1"/>
-              <a:t>xấu</a:t>
-            </a:r>
-            <a:r>
-              <a:rPr lang="en-US" sz="1350" dirty="0"/>
-              <a:t> </a:t>
-            </a:r>
-            <a:r>
-              <a:rPr lang="en-US" sz="1350" dirty="0" err="1"/>
-              <a:t>nhất</a:t>
-            </a:r>
-            <a:r>
-              <a:rPr lang="en-US" sz="1350" dirty="0"/>
-              <a:t>? </a:t>
-            </a:r>
-            <a:r>
-              <a:rPr lang="en-US" sz="1350" dirty="0" err="1"/>
-              <a:t>Điều</a:t>
-            </a:r>
-            <a:r>
-              <a:rPr lang="en-US" sz="1350" dirty="0"/>
-              <a:t> </a:t>
-            </a:r>
-            <a:r>
-              <a:rPr lang="en-US" sz="1350" dirty="0" err="1"/>
-              <a:t>đó</a:t>
-            </a:r>
-            <a:r>
-              <a:rPr lang="en-US" sz="1350" dirty="0"/>
-              <a:t> </a:t>
-            </a:r>
-            <a:r>
-              <a:rPr lang="en-US" sz="1350" dirty="0" err="1"/>
-              <a:t>dựa</a:t>
-            </a:r>
-            <a:r>
-              <a:rPr lang="en-US" sz="1350" dirty="0"/>
-              <a:t> </a:t>
-            </a:r>
-            <a:r>
-              <a:rPr lang="en-US" sz="1350" dirty="0" err="1"/>
-              <a:t>dữ</a:t>
-            </a:r>
-            <a:r>
-              <a:rPr lang="en-US" sz="1350" dirty="0"/>
-              <a:t> </a:t>
-            </a:r>
-            <a:r>
-              <a:rPr lang="en-US" sz="1350" dirty="0" err="1"/>
-              <a:t>liệu</a:t>
-            </a:r>
-            <a:r>
-              <a:rPr lang="en-US" sz="1350" dirty="0"/>
-              <a:t> </a:t>
-            </a:r>
-            <a:r>
-              <a:rPr lang="en-US" sz="1350" dirty="0" err="1"/>
-              <a:t>đầu</a:t>
-            </a:r>
-            <a:r>
-              <a:rPr lang="en-US" sz="1350" dirty="0"/>
-              <a:t> </a:t>
-            </a:r>
-            <a:r>
-              <a:rPr lang="en-US" sz="1350" dirty="0" err="1"/>
-              <a:t>vào</a:t>
-            </a:r>
-            <a:r>
-              <a:rPr lang="en-US" sz="1350" dirty="0"/>
-              <a:t> – </a:t>
-            </a:r>
-            <a:r>
-              <a:rPr lang="en-US" sz="1350" dirty="0" err="1"/>
-              <a:t>từ</a:t>
-            </a:r>
-            <a:r>
-              <a:rPr lang="en-US" sz="1350" dirty="0"/>
-              <a:t> </a:t>
-            </a:r>
-            <a:r>
-              <a:rPr lang="en-US" sz="1350" dirty="0" err="1"/>
-              <a:t>đó</a:t>
-            </a:r>
-            <a:r>
-              <a:rPr lang="en-US" sz="1350" dirty="0"/>
-              <a:t> </a:t>
-            </a:r>
-            <a:r>
-              <a:rPr lang="en-US" sz="1350" dirty="0" err="1"/>
-              <a:t>dựa</a:t>
-            </a:r>
-            <a:r>
-              <a:rPr lang="en-US" sz="1350" dirty="0"/>
-              <a:t> </a:t>
-            </a:r>
-            <a:r>
-              <a:rPr lang="en-US" sz="1350" dirty="0" err="1"/>
-              <a:t>vào</a:t>
-            </a:r>
-            <a:r>
-              <a:rPr lang="en-US" sz="1350" dirty="0"/>
-              <a:t> </a:t>
-            </a:r>
-            <a:r>
-              <a:rPr lang="en-US" sz="1350" dirty="0" err="1"/>
-              <a:t>yêu</a:t>
-            </a:r>
-            <a:r>
-              <a:rPr lang="en-US" sz="1350" dirty="0"/>
-              <a:t> </a:t>
-            </a:r>
-            <a:r>
-              <a:rPr lang="en-US" sz="1350" dirty="0" err="1"/>
-              <a:t>cầu</a:t>
-            </a:r>
-            <a:r>
-              <a:rPr lang="en-US" sz="1350" dirty="0"/>
-              <a:t> </a:t>
-            </a:r>
-            <a:r>
-              <a:rPr lang="en-US" sz="1350" dirty="0" err="1"/>
-              <a:t>đề</a:t>
-            </a:r>
-            <a:r>
-              <a:rPr lang="en-US" sz="1350" dirty="0"/>
-              <a:t> </a:t>
-            </a:r>
-            <a:r>
-              <a:rPr lang="en-US" sz="1350" dirty="0" err="1"/>
-              <a:t>bài</a:t>
-            </a:r>
-            <a:r>
-              <a:rPr lang="en-US" sz="1350" dirty="0"/>
-              <a:t> </a:t>
-            </a:r>
-            <a:r>
-              <a:rPr lang="en-US" sz="1350" dirty="0" err="1"/>
-              <a:t>đưa</a:t>
-            </a:r>
-            <a:r>
-              <a:rPr lang="en-US" sz="1350" dirty="0"/>
-              <a:t> ra </a:t>
-            </a:r>
-            <a:r>
-              <a:rPr lang="en-US" sz="1350" dirty="0" err="1"/>
-              <a:t>thuật</a:t>
-            </a:r>
-            <a:r>
-              <a:rPr lang="en-US" sz="1350" dirty="0"/>
-              <a:t> </a:t>
-            </a:r>
-            <a:r>
-              <a:rPr lang="en-US" sz="1350" dirty="0" err="1"/>
-              <a:t>toán</a:t>
-            </a:r>
-            <a:r>
-              <a:rPr lang="en-US" sz="1350" dirty="0"/>
-              <a:t> </a:t>
-            </a:r>
-            <a:r>
-              <a:rPr lang="en-US" sz="1350" dirty="0" err="1"/>
-              <a:t>thích</a:t>
-            </a:r>
-            <a:r>
-              <a:rPr lang="en-US" sz="1350" dirty="0"/>
-              <a:t> </a:t>
-            </a:r>
-            <a:r>
-              <a:rPr lang="en-US" sz="1350" dirty="0" err="1"/>
-              <a:t>hợp</a:t>
-            </a:r>
-            <a:endParaRPr lang="en-US" sz="1350" dirty="0"/>
+            <a:endParaRPr lang="en-US" dirty="0"/>
           </a:p>
-        </p:txBody>
-      </p:sp>
-      <p:sp>
-        <p:nvSpPr>
-          <p:cNvPr id="11" name="TextBox 10">
-            <a:extLst>
-              <a:ext uri="{FF2B5EF4-FFF2-40B4-BE49-F238E27FC236}">
-                <a16:creationId xmlns:a16="http://schemas.microsoft.com/office/drawing/2014/main" id="{885786D2-E08E-4C68-A4CF-90FE3D26CDE1}"/>
-              </a:ext>
-            </a:extLst>
-          </p:cNvPr>
-          <p:cNvSpPr txBox="1"/>
-          <p:nvPr/>
-        </p:nvSpPr>
-        <p:spPr>
-          <a:xfrm>
-            <a:off x="911469" y="3070429"/>
-            <a:ext cx="7441810" cy="1131079"/>
-          </a:xfrm>
-          <a:prstGeom prst="rect">
-            <a:avLst/>
-          </a:prstGeom>
-          <a:noFill/>
-        </p:spPr>
-        <p:txBody>
-          <a:bodyPr wrap="square" rtlCol="0">
-            <a:spAutoFit/>
-          </a:bodyPr>
-          <a:lstStyle/>
           <a:p>
-            <a:pPr marL="214313" indent="-214313">
+            <a:pPr marL="285750" indent="-285750">
               <a:buFont typeface="Arial" panose="020B0604020202020204" pitchFamily="34" charset="0"/>
               <a:buChar char="•"/>
             </a:pPr>
             <a:r>
-              <a:rPr lang="en-US" sz="1350" b="1" dirty="0" err="1">
-                <a:latin typeface="+mj-lt"/>
-              </a:rPr>
+              <a:rPr lang="en-US" dirty="0" err="1"/>
+              <a:t>Phương</a:t>
+            </a:r>
+            <a:r>
+              <a:rPr lang="en-US" dirty="0"/>
+              <a:t> </a:t>
+            </a:r>
+            <a:r>
+              <a:rPr lang="en-US" dirty="0" err="1"/>
+              <a:t>pháp</a:t>
+            </a:r>
+            <a:r>
+              <a:rPr lang="en-US" dirty="0"/>
+              <a:t> </a:t>
+            </a:r>
+            <a:r>
+              <a:rPr lang="en-US" dirty="0" err="1"/>
+              <a:t>toán</a:t>
+            </a:r>
+            <a:r>
+              <a:rPr lang="en-US" dirty="0"/>
+              <a:t> </a:t>
+            </a:r>
+            <a:r>
+              <a:rPr lang="en-US" dirty="0" err="1"/>
+              <a:t>học</a:t>
+            </a:r>
+            <a:r>
+              <a:rPr lang="en-US" dirty="0"/>
+              <a:t> (</a:t>
+            </a:r>
+            <a:r>
+              <a:rPr lang="en-US" dirty="0" err="1"/>
+              <a:t>lý</a:t>
+            </a:r>
+            <a:r>
+              <a:rPr lang="en-US" dirty="0"/>
+              <a:t> </a:t>
+            </a:r>
+            <a:r>
+              <a:rPr lang="en-US" dirty="0" err="1"/>
+              <a:t>thuyết</a:t>
+            </a:r>
+            <a:r>
+              <a:rPr lang="en-US" dirty="0"/>
+              <a:t>): </a:t>
+            </a:r>
+            <a:r>
+              <a:rPr lang="en-US" dirty="0" err="1"/>
               <a:t>Độ</a:t>
             </a:r>
             <a:r>
-              <a:rPr lang="en-US" sz="1350" b="1" dirty="0">
-                <a:latin typeface="+mj-lt"/>
-              </a:rPr>
+              <a:rPr lang="en-US" dirty="0"/>
               <a:t> </a:t>
             </a:r>
             <a:r>
-              <a:rPr lang="en-US" sz="1350" b="1" dirty="0" err="1">
-                <a:latin typeface="+mj-lt"/>
-              </a:rPr>
+              <a:rPr lang="en-US" dirty="0" err="1"/>
               <a:t>phức</a:t>
             </a:r>
             <a:r>
-              <a:rPr lang="en-US" sz="1350" b="1" dirty="0">
-                <a:latin typeface="+mj-lt"/>
-              </a:rPr>
+              <a:rPr lang="en-US" dirty="0"/>
               <a:t> </a:t>
             </a:r>
             <a:r>
-              <a:rPr lang="en-US" sz="1350" b="1" dirty="0" err="1">
-                <a:latin typeface="+mj-lt"/>
-              </a:rPr>
-              <a:t>tập</a:t>
-            </a:r>
-            <a:r>
-              <a:rPr lang="en-US" sz="1350" b="1" dirty="0">
-                <a:latin typeface="+mj-lt"/>
-              </a:rPr>
-              <a:t> </a:t>
-            </a:r>
-            <a:r>
-              <a:rPr lang="en-US" sz="1350" b="1" dirty="0" err="1">
-                <a:latin typeface="+mj-lt"/>
-              </a:rPr>
-              <a:t>thuật</a:t>
-            </a:r>
-            <a:r>
-              <a:rPr lang="en-US" sz="1350" b="1" dirty="0">
-                <a:latin typeface="+mj-lt"/>
-              </a:rPr>
-              <a:t> </a:t>
-            </a:r>
-            <a:r>
-              <a:rPr lang="en-US" sz="1350" b="1" dirty="0" err="1">
-                <a:latin typeface="+mj-lt"/>
-              </a:rPr>
-              <a:t>toán</a:t>
-            </a:r>
-            <a:r>
-              <a:rPr lang="en-US" sz="1350" b="1" dirty="0">
-                <a:latin typeface="+mj-lt"/>
-              </a:rPr>
-              <a:t> </a:t>
-            </a:r>
-            <a:r>
-              <a:rPr lang="en-US" sz="1350" b="1" dirty="0" err="1">
-                <a:latin typeface="+mj-lt"/>
-              </a:rPr>
-              <a:t>sẽ</a:t>
-            </a:r>
-            <a:r>
-              <a:rPr lang="en-US" sz="1350" b="1" dirty="0">
-                <a:latin typeface="+mj-lt"/>
-              </a:rPr>
-              <a:t> </a:t>
-            </a:r>
-            <a:r>
-              <a:rPr lang="en-US" sz="1350" b="1" dirty="0" err="1">
-                <a:latin typeface="+mj-lt"/>
-              </a:rPr>
-              <a:t>phụ</a:t>
-            </a:r>
-            <a:r>
-              <a:rPr lang="en-US" sz="1350" b="1" dirty="0">
-                <a:latin typeface="+mj-lt"/>
-              </a:rPr>
-              <a:t> </a:t>
-            </a:r>
-            <a:r>
-              <a:rPr lang="en-US" sz="1350" b="1" dirty="0" err="1">
-                <a:latin typeface="+mj-lt"/>
-              </a:rPr>
-              <a:t>thuộc</a:t>
-            </a:r>
-            <a:r>
-              <a:rPr lang="en-US" sz="1350" b="1" dirty="0">
-                <a:latin typeface="+mj-lt"/>
-              </a:rPr>
-              <a:t> </a:t>
-            </a:r>
-            <a:r>
-              <a:rPr lang="en-US" sz="1350" b="1" dirty="0" err="1">
-                <a:latin typeface="+mj-lt"/>
-              </a:rPr>
-              <a:t>vào</a:t>
-            </a:r>
-            <a:r>
-              <a:rPr lang="en-US" sz="1350" b="1" dirty="0">
-                <a:latin typeface="+mj-lt"/>
-              </a:rPr>
-              <a:t> </a:t>
-            </a:r>
-            <a:r>
-              <a:rPr lang="en-US" sz="1350" b="1" dirty="0" err="1">
-                <a:latin typeface="+mj-lt"/>
-              </a:rPr>
-              <a:t>dữ</a:t>
-            </a:r>
-            <a:r>
-              <a:rPr lang="en-US" sz="1350" b="1" dirty="0">
-                <a:latin typeface="+mj-lt"/>
-              </a:rPr>
-              <a:t> </a:t>
-            </a:r>
-            <a:r>
-              <a:rPr lang="en-US" sz="1350" b="1" dirty="0" err="1">
-                <a:latin typeface="+mj-lt"/>
-              </a:rPr>
-              <a:t>liệu</a:t>
-            </a:r>
-            <a:r>
-              <a:rPr lang="en-US" sz="1350" b="1" dirty="0">
-                <a:latin typeface="+mj-lt"/>
-              </a:rPr>
-              <a:t> </a:t>
-            </a:r>
-            <a:r>
-              <a:rPr lang="en-US" sz="1350" b="1" dirty="0" err="1">
-                <a:latin typeface="+mj-lt"/>
-              </a:rPr>
-              <a:t>đầu</a:t>
-            </a:r>
-            <a:r>
-              <a:rPr lang="en-US" sz="1350" b="1" dirty="0">
-                <a:latin typeface="+mj-lt"/>
-              </a:rPr>
-              <a:t> </a:t>
-            </a:r>
-            <a:r>
-              <a:rPr lang="en-US" sz="1350" b="1" dirty="0" err="1">
-                <a:latin typeface="+mj-lt"/>
-              </a:rPr>
-              <a:t>vào</a:t>
-            </a:r>
-            <a:r>
-              <a:rPr lang="en-US" sz="1350" b="1" dirty="0">
-                <a:latin typeface="+mj-lt"/>
-              </a:rPr>
-              <a:t> </a:t>
-            </a:r>
-            <a:r>
-              <a:rPr lang="en-US" sz="1350" b="1" dirty="0" err="1">
-                <a:latin typeface="+mj-lt"/>
-              </a:rPr>
-              <a:t>và</a:t>
-            </a:r>
-            <a:r>
-              <a:rPr lang="en-US" sz="1350" b="1" dirty="0">
-                <a:latin typeface="+mj-lt"/>
-              </a:rPr>
-              <a:t> </a:t>
-            </a:r>
-            <a:r>
-              <a:rPr lang="en-US" sz="1350" b="1" dirty="0" err="1">
-                <a:latin typeface="+mj-lt"/>
-              </a:rPr>
-              <a:t>thời</a:t>
-            </a:r>
-            <a:r>
-              <a:rPr lang="en-US" sz="1350" b="1" dirty="0">
-                <a:latin typeface="+mj-lt"/>
-              </a:rPr>
-              <a:t> </a:t>
-            </a:r>
-            <a:r>
-              <a:rPr lang="en-US" sz="1350" b="1" dirty="0" err="1">
-                <a:latin typeface="+mj-lt"/>
-              </a:rPr>
-              <a:t>gian</a:t>
-            </a:r>
-            <a:r>
-              <a:rPr lang="en-US" sz="1350" b="1" dirty="0">
-                <a:latin typeface="+mj-lt"/>
-              </a:rPr>
-              <a:t> </a:t>
-            </a:r>
-            <a:r>
-              <a:rPr lang="en-US" sz="1350" b="1" dirty="0" err="1">
-                <a:latin typeface="+mj-lt"/>
-              </a:rPr>
-              <a:t>chạy</a:t>
-            </a:r>
-            <a:r>
-              <a:rPr lang="en-US" sz="1350" b="1" dirty="0" smtClean="0">
-                <a:latin typeface="+mj-lt"/>
-              </a:rPr>
-              <a:t>.</a:t>
-            </a:r>
-          </a:p>
-          <a:p>
-            <a:pPr marL="214313" indent="-214313">
-              <a:buFont typeface="Arial" panose="020B0604020202020204" pitchFamily="34" charset="0"/>
-              <a:buChar char="•"/>
-            </a:pPr>
-            <a:endParaRPr lang="en-US" sz="1350" b="1" dirty="0">
-              <a:latin typeface="+mj-lt"/>
-            </a:endParaRPr>
-          </a:p>
-          <a:p>
-            <a:pPr marL="214313" indent="-214313">
-              <a:buFont typeface="Arial" panose="020B0604020202020204" pitchFamily="34" charset="0"/>
-              <a:buChar char="•"/>
-            </a:pPr>
-            <a:r>
-              <a:rPr lang="en-US" sz="1350" b="1" dirty="0">
-                <a:latin typeface="+mj-lt"/>
-              </a:rPr>
-              <a:t>M</a:t>
-            </a:r>
-            <a:r>
-              <a:rPr lang="vi-VN" sz="1350" b="1" dirty="0">
-                <a:latin typeface="+mj-lt"/>
-              </a:rPr>
-              <a:t>ỗi một bài toán có giới hạn/kích thước của đầu vào. Độ phức tạp thuật toán là 1 khái niệm/định nghĩa/định lượng tương đối thể hiện số phép toán của giải thuật so với kích thước của đầu vào.</a:t>
-            </a:r>
-            <a:endParaRPr lang="en-US" sz="1350" b="1" dirty="0">
-              <a:latin typeface="+mj-lt"/>
-            </a:endParaRPr>
+              <a:rPr lang="en-US" dirty="0" err="1"/>
+              <a:t>tạp</a:t>
+            </a:r>
+            <a:endParaRPr lang="en-US" dirty="0"/>
           </a:p>
         </p:txBody>
       </p:sp>
@@ -32815,17 +32007,524 @@
   <p:clrMapOvr>
     <a:masterClrMapping/>
   </p:clrMapOvr>
-  <p:timing>
-    <p:tnLst>
-      <p:par>
-        <p:cTn id="1" dur="indefinite" restart="never" nodeType="tmRoot"/>
-      </p:par>
-    </p:tnLst>
-  </p:timing>
 </p:sld>
 </file>
 
 <file path=ppt/slides/slide24.xml><?xml version="1.0" encoding="utf-8"?>
+<p:sld xmlns:a="http://schemas.openxmlformats.org/drawingml/2006/main" xmlns:r="http://schemas.openxmlformats.org/officeDocument/2006/relationships" xmlns:p="http://schemas.openxmlformats.org/presentationml/2006/main">
+  <p:cSld>
+    <p:spTree>
+      <p:nvGrpSpPr>
+        <p:cNvPr id="1" name=""/>
+        <p:cNvGrpSpPr/>
+        <p:nvPr/>
+      </p:nvGrpSpPr>
+      <p:grpSpPr>
+        <a:xfrm>
+          <a:off x="0" y="0"/>
+          <a:ext cx="0" cy="0"/>
+          <a:chOff x="0" y="0"/>
+          <a:chExt cx="0" cy="0"/>
+        </a:xfrm>
+      </p:grpSpPr>
+      <p:sp>
+        <p:nvSpPr>
+          <p:cNvPr id="2" name="Title 1">
+            <a:extLst>
+              <a:ext uri="{FF2B5EF4-FFF2-40B4-BE49-F238E27FC236}">
+                <a16:creationId xmlns:a16="http://schemas.microsoft.com/office/drawing/2014/main" id="{53A8F32C-3A16-4630-91C3-2D0C409377B1}"/>
+              </a:ext>
+            </a:extLst>
+          </p:cNvPr>
+          <p:cNvSpPr>
+            <a:spLocks noGrp="1"/>
+          </p:cNvSpPr>
+          <p:nvPr>
+            <p:ph type="title"/>
+          </p:nvPr>
+        </p:nvSpPr>
+        <p:spPr/>
+        <p:txBody>
+          <a:bodyPr/>
+          <a:lstStyle/>
+          <a:p>
+            <a:pPr algn="ctr"/>
+            <a:r>
+              <a:rPr lang="en-US" sz="4400" dirty="0">
+                <a:latin typeface="Palatino Linotype" panose="02040502050505030304" pitchFamily="18" charset="0"/>
+              </a:rPr>
+              <a:t>	</a:t>
+            </a:r>
+            <a:r>
+              <a:rPr lang="en-US" sz="3000" spc="-50" dirty="0" err="1">
+                <a:solidFill>
+                  <a:schemeClr val="tx1">
+                    <a:lumMod val="75000"/>
+                    <a:lumOff val="25000"/>
+                  </a:schemeClr>
+                </a:solidFill>
+                <a:latin typeface="Palatino Linotype" panose="02040502050505030304" pitchFamily="18" charset="0"/>
+              </a:rPr>
+              <a:t>Đánh</a:t>
+            </a:r>
+            <a:r>
+              <a:rPr lang="en-US" sz="3000" spc="-50" dirty="0">
+                <a:solidFill>
+                  <a:schemeClr val="tx1">
+                    <a:lumMod val="75000"/>
+                    <a:lumOff val="25000"/>
+                  </a:schemeClr>
+                </a:solidFill>
+                <a:latin typeface="Palatino Linotype" panose="02040502050505030304" pitchFamily="18" charset="0"/>
+              </a:rPr>
+              <a:t> </a:t>
+            </a:r>
+            <a:r>
+              <a:rPr lang="en-US" sz="3000" spc="-50" dirty="0" err="1">
+                <a:solidFill>
+                  <a:schemeClr val="tx1">
+                    <a:lumMod val="75000"/>
+                    <a:lumOff val="25000"/>
+                  </a:schemeClr>
+                </a:solidFill>
+                <a:latin typeface="Palatino Linotype" panose="02040502050505030304" pitchFamily="18" charset="0"/>
+              </a:rPr>
+              <a:t>giá</a:t>
+            </a:r>
+            <a:r>
+              <a:rPr lang="en-US" sz="3000" spc="-50" dirty="0">
+                <a:solidFill>
+                  <a:schemeClr val="tx1">
+                    <a:lumMod val="75000"/>
+                    <a:lumOff val="25000"/>
+                  </a:schemeClr>
+                </a:solidFill>
+                <a:latin typeface="Palatino Linotype" panose="02040502050505030304" pitchFamily="18" charset="0"/>
+              </a:rPr>
+              <a:t> </a:t>
+            </a:r>
+            <a:r>
+              <a:rPr lang="en-US" sz="3000" spc="-50" dirty="0" err="1">
+                <a:solidFill>
+                  <a:schemeClr val="tx1">
+                    <a:lumMod val="75000"/>
+                    <a:lumOff val="25000"/>
+                  </a:schemeClr>
+                </a:solidFill>
+                <a:latin typeface="Palatino Linotype" panose="02040502050505030304" pitchFamily="18" charset="0"/>
+              </a:rPr>
+              <a:t>bằng</a:t>
+            </a:r>
+            <a:r>
+              <a:rPr lang="en-US" sz="3000" spc="-50" dirty="0">
+                <a:solidFill>
+                  <a:schemeClr val="tx1">
+                    <a:lumMod val="75000"/>
+                    <a:lumOff val="25000"/>
+                  </a:schemeClr>
+                </a:solidFill>
+                <a:latin typeface="Palatino Linotype" panose="02040502050505030304" pitchFamily="18" charset="0"/>
+              </a:rPr>
+              <a:t> </a:t>
+            </a:r>
+            <a:r>
+              <a:rPr lang="en-US" sz="3000" spc="-50" dirty="0" err="1">
+                <a:solidFill>
+                  <a:schemeClr val="tx1">
+                    <a:lumMod val="75000"/>
+                    <a:lumOff val="25000"/>
+                  </a:schemeClr>
+                </a:solidFill>
+                <a:latin typeface="Palatino Linotype" panose="02040502050505030304" pitchFamily="18" charset="0"/>
+              </a:rPr>
+              <a:t>thực</a:t>
+            </a:r>
+            <a:r>
+              <a:rPr lang="en-US" sz="3000" spc="-50" dirty="0">
+                <a:solidFill>
+                  <a:schemeClr val="tx1">
+                    <a:lumMod val="75000"/>
+                    <a:lumOff val="25000"/>
+                  </a:schemeClr>
+                </a:solidFill>
+                <a:latin typeface="Palatino Linotype" panose="02040502050505030304" pitchFamily="18" charset="0"/>
+              </a:rPr>
+              <a:t> </a:t>
+            </a:r>
+            <a:r>
+              <a:rPr lang="en-US" sz="3000" spc="-50" dirty="0" err="1">
+                <a:solidFill>
+                  <a:schemeClr val="tx1">
+                    <a:lumMod val="75000"/>
+                    <a:lumOff val="25000"/>
+                  </a:schemeClr>
+                </a:solidFill>
+                <a:latin typeface="Palatino Linotype" panose="02040502050505030304" pitchFamily="18" charset="0"/>
+              </a:rPr>
+              <a:t>nghiệm</a:t>
+            </a:r>
+            <a:endParaRPr lang="en-US" sz="3000" spc="-50" dirty="0">
+              <a:solidFill>
+                <a:schemeClr val="tx1">
+                  <a:lumMod val="75000"/>
+                  <a:lumOff val="25000"/>
+                </a:schemeClr>
+              </a:solidFill>
+              <a:latin typeface="Palatino Linotype" panose="02040502050505030304" pitchFamily="18" charset="0"/>
+            </a:endParaRPr>
+          </a:p>
+        </p:txBody>
+      </p:sp>
+      <p:sp>
+        <p:nvSpPr>
+          <p:cNvPr id="3" name="Text Placeholder 2">
+            <a:extLst>
+              <a:ext uri="{FF2B5EF4-FFF2-40B4-BE49-F238E27FC236}">
+                <a16:creationId xmlns:a16="http://schemas.microsoft.com/office/drawing/2014/main" id="{73E73DC1-801F-4B48-8483-374DC47A34B9}"/>
+              </a:ext>
+            </a:extLst>
+          </p:cNvPr>
+          <p:cNvSpPr>
+            <a:spLocks noGrp="1"/>
+          </p:cNvSpPr>
+          <p:nvPr>
+            <p:ph type="body"/>
+          </p:nvPr>
+        </p:nvSpPr>
+        <p:spPr>
+          <a:xfrm>
+            <a:off x="457200" y="1192847"/>
+            <a:ext cx="8229240" cy="3113339"/>
+          </a:xfrm>
+        </p:spPr>
+        <p:txBody>
+          <a:bodyPr/>
+          <a:lstStyle/>
+          <a:p>
+            <a:r>
+              <a:rPr lang="en-US" sz="1800" dirty="0" err="1"/>
+              <a:t>Viết</a:t>
+            </a:r>
+            <a:r>
+              <a:rPr lang="en-US" sz="1800" dirty="0"/>
+              <a:t> </a:t>
+            </a:r>
+            <a:r>
+              <a:rPr lang="en-US" sz="1800" dirty="0" err="1"/>
+              <a:t>chương</a:t>
+            </a:r>
+            <a:r>
+              <a:rPr lang="en-US" sz="1800" dirty="0"/>
+              <a:t> </a:t>
+            </a:r>
+            <a:r>
+              <a:rPr lang="en-US" sz="1800" dirty="0" err="1"/>
+              <a:t>trình</a:t>
+            </a:r>
+            <a:r>
+              <a:rPr lang="en-US" sz="1800" dirty="0"/>
+              <a:t>, </a:t>
+            </a:r>
+            <a:r>
+              <a:rPr lang="en-US" sz="1800" dirty="0" err="1"/>
+              <a:t>cài</a:t>
+            </a:r>
+            <a:r>
+              <a:rPr lang="en-US" sz="1800" dirty="0"/>
+              <a:t> </a:t>
+            </a:r>
+            <a:r>
+              <a:rPr lang="en-US" sz="1800" dirty="0" err="1"/>
+              <a:t>đặt</a:t>
+            </a:r>
+            <a:endParaRPr lang="en-US" sz="1800" dirty="0"/>
+          </a:p>
+          <a:p>
+            <a:r>
+              <a:rPr lang="en-US" sz="1800" dirty="0"/>
+              <a:t>Cho </a:t>
+            </a:r>
+            <a:r>
+              <a:rPr lang="en-US" sz="1800" dirty="0" err="1"/>
+              <a:t>dữ</a:t>
+            </a:r>
+            <a:r>
+              <a:rPr lang="en-US" sz="1800" dirty="0"/>
+              <a:t> </a:t>
+            </a:r>
+            <a:r>
+              <a:rPr lang="en-US" sz="1800" dirty="0" err="1"/>
+              <a:t>liệu</a:t>
+            </a:r>
+            <a:r>
+              <a:rPr lang="en-US" sz="1800" dirty="0"/>
+              <a:t> </a:t>
+            </a:r>
+            <a:r>
+              <a:rPr lang="en-US" sz="1800" dirty="0" err="1"/>
+              <a:t>chạy</a:t>
+            </a:r>
+            <a:r>
+              <a:rPr lang="en-US" sz="1800" dirty="0"/>
+              <a:t> </a:t>
+            </a:r>
+            <a:r>
+              <a:rPr lang="en-US" sz="1800" dirty="0" err="1"/>
+              <a:t>thử</a:t>
+            </a:r>
+            <a:r>
+              <a:rPr lang="en-US" sz="1800" dirty="0"/>
+              <a:t> </a:t>
+            </a:r>
+            <a:r>
+              <a:rPr lang="en-US" sz="1800" dirty="0" err="1"/>
+              <a:t>nghiệm</a:t>
+            </a:r>
+            <a:endParaRPr lang="en-US" sz="1800" dirty="0"/>
+          </a:p>
+          <a:p>
+            <a:r>
+              <a:rPr lang="en-US" sz="1800" dirty="0" err="1"/>
+              <a:t>Thực</a:t>
+            </a:r>
+            <a:r>
+              <a:rPr lang="en-US" sz="1800" dirty="0"/>
+              <a:t> </a:t>
+            </a:r>
+            <a:r>
+              <a:rPr lang="en-US" sz="1800" dirty="0" err="1"/>
+              <a:t>hiện</a:t>
+            </a:r>
+            <a:r>
+              <a:rPr lang="en-US" sz="1800" dirty="0"/>
+              <a:t> </a:t>
+            </a:r>
+            <a:r>
+              <a:rPr lang="en-US" sz="1800" dirty="0" err="1"/>
+              <a:t>nhiều</a:t>
+            </a:r>
+            <a:r>
+              <a:rPr lang="en-US" sz="1800" dirty="0"/>
+              <a:t> testcase</a:t>
+            </a:r>
+          </a:p>
+          <a:p>
+            <a:r>
+              <a:rPr lang="en-US" sz="1800" dirty="0" err="1"/>
+              <a:t>Đo</a:t>
+            </a:r>
+            <a:r>
+              <a:rPr lang="en-US" sz="1800" dirty="0"/>
+              <a:t> </a:t>
+            </a:r>
+            <a:r>
+              <a:rPr lang="en-US" sz="1800" dirty="0" err="1"/>
+              <a:t>thời</a:t>
+            </a:r>
+            <a:r>
+              <a:rPr lang="en-US" sz="1800" dirty="0"/>
+              <a:t> </a:t>
+            </a:r>
+            <a:r>
+              <a:rPr lang="en-US" sz="1800" dirty="0" err="1"/>
+              <a:t>gian</a:t>
+            </a:r>
+            <a:r>
+              <a:rPr lang="en-US" sz="1800" dirty="0"/>
+              <a:t> </a:t>
+            </a:r>
+            <a:r>
+              <a:rPr lang="en-US" sz="1800" dirty="0" err="1"/>
+              <a:t>thống</a:t>
+            </a:r>
+            <a:r>
+              <a:rPr lang="en-US" sz="1800" dirty="0"/>
+              <a:t> </a:t>
+            </a:r>
+            <a:r>
+              <a:rPr lang="en-US" sz="1800" dirty="0" err="1"/>
+              <a:t>kê</a:t>
+            </a:r>
+            <a:r>
+              <a:rPr lang="en-US" sz="1800" dirty="0"/>
+              <a:t> </a:t>
+            </a:r>
+            <a:r>
+              <a:rPr lang="en-US" sz="1800" dirty="0" err="1"/>
+              <a:t>thời</a:t>
+            </a:r>
+            <a:r>
+              <a:rPr lang="en-US" sz="1800" dirty="0"/>
+              <a:t> </a:t>
+            </a:r>
+            <a:r>
+              <a:rPr lang="en-US" sz="1800" dirty="0" err="1"/>
+              <a:t>gian</a:t>
+            </a:r>
+            <a:r>
+              <a:rPr lang="en-US" sz="1800" dirty="0"/>
+              <a:t> </a:t>
+            </a:r>
+            <a:r>
+              <a:rPr lang="en-US" sz="1800" dirty="0" err="1"/>
+              <a:t>thông</a:t>
+            </a:r>
+            <a:r>
+              <a:rPr lang="en-US" sz="1800" dirty="0"/>
+              <a:t> </a:t>
+            </a:r>
+            <a:r>
+              <a:rPr lang="en-US" sz="1800" dirty="0" err="1"/>
+              <a:t>số</a:t>
+            </a:r>
+            <a:endParaRPr lang="en-US" sz="1800" dirty="0"/>
+          </a:p>
+          <a:p>
+            <a:r>
+              <a:rPr lang="en-US" sz="1800" dirty="0" err="1"/>
+              <a:t>Xấp</a:t>
+            </a:r>
+            <a:r>
+              <a:rPr lang="en-US" sz="1800" dirty="0"/>
+              <a:t> </a:t>
+            </a:r>
+            <a:r>
+              <a:rPr lang="en-US" sz="1800" dirty="0" err="1"/>
+              <a:t>xỉ</a:t>
+            </a:r>
+            <a:r>
+              <a:rPr lang="en-US" sz="1800" dirty="0"/>
+              <a:t> </a:t>
+            </a:r>
+            <a:r>
+              <a:rPr lang="en-US" sz="1800" dirty="0" err="1"/>
+              <a:t>biểu</a:t>
+            </a:r>
+            <a:r>
+              <a:rPr lang="en-US" sz="1800" dirty="0"/>
+              <a:t> </a:t>
+            </a:r>
+            <a:r>
+              <a:rPr lang="en-US" sz="1800" dirty="0" err="1"/>
+              <a:t>đồ</a:t>
+            </a:r>
+            <a:endParaRPr lang="en-US" sz="1800" dirty="0"/>
+          </a:p>
+          <a:p>
+            <a:endParaRPr lang="en-US" sz="1800" dirty="0"/>
+          </a:p>
+          <a:p>
+            <a:pPr marL="0" indent="0">
+              <a:buNone/>
+            </a:pPr>
+            <a:endParaRPr lang="en-US" sz="1800" dirty="0"/>
+          </a:p>
+        </p:txBody>
+      </p:sp>
+      <p:sp>
+        <p:nvSpPr>
+          <p:cNvPr id="4" name="Arrow: Right 3">
+            <a:extLst>
+              <a:ext uri="{FF2B5EF4-FFF2-40B4-BE49-F238E27FC236}">
+                <a16:creationId xmlns:a16="http://schemas.microsoft.com/office/drawing/2014/main" id="{710835B2-B499-4F35-872C-0185096D10B3}"/>
+              </a:ext>
+            </a:extLst>
+          </p:cNvPr>
+          <p:cNvSpPr/>
+          <p:nvPr/>
+        </p:nvSpPr>
+        <p:spPr>
+          <a:xfrm>
+            <a:off x="637953" y="3062177"/>
+            <a:ext cx="2849526" cy="1244009"/>
+          </a:xfrm>
+          <a:prstGeom prst="rightArrow">
+            <a:avLst/>
+          </a:prstGeom>
+        </p:spPr>
+        <p:style>
+          <a:lnRef idx="2">
+            <a:schemeClr val="accent1">
+              <a:shade val="50000"/>
+            </a:schemeClr>
+          </a:lnRef>
+          <a:fillRef idx="1">
+            <a:schemeClr val="accent1"/>
+          </a:fillRef>
+          <a:effectRef idx="0">
+            <a:schemeClr val="accent1"/>
+          </a:effectRef>
+          <a:fontRef idx="minor">
+            <a:schemeClr val="lt1"/>
+          </a:fontRef>
+        </p:style>
+        <p:txBody>
+          <a:bodyPr rtlCol="0" anchor="ctr"/>
+          <a:lstStyle/>
+          <a:p>
+            <a:pPr algn="ctr"/>
+            <a:r>
+              <a:rPr lang="en-US" dirty="0" err="1">
+                <a:solidFill>
+                  <a:schemeClr val="tx1"/>
+                </a:solidFill>
+              </a:rPr>
+              <a:t>Dễ</a:t>
+            </a:r>
+            <a:r>
+              <a:rPr lang="en-US" dirty="0">
+                <a:solidFill>
+                  <a:schemeClr val="tx1"/>
+                </a:solidFill>
+              </a:rPr>
+              <a:t> </a:t>
+            </a:r>
+            <a:r>
+              <a:rPr lang="en-US" dirty="0" err="1">
+                <a:solidFill>
+                  <a:schemeClr val="tx1"/>
+                </a:solidFill>
+              </a:rPr>
+              <a:t>thực</a:t>
+            </a:r>
+            <a:r>
+              <a:rPr lang="en-US" dirty="0">
+                <a:solidFill>
+                  <a:schemeClr val="tx1"/>
+                </a:solidFill>
+              </a:rPr>
+              <a:t> </a:t>
+            </a:r>
+            <a:r>
+              <a:rPr lang="en-US" dirty="0" err="1">
+                <a:solidFill>
+                  <a:schemeClr val="tx1"/>
+                </a:solidFill>
+              </a:rPr>
+              <a:t>hiện</a:t>
+            </a:r>
+            <a:endParaRPr lang="en-US" dirty="0">
+              <a:solidFill>
+                <a:schemeClr val="tx1"/>
+              </a:solidFill>
+            </a:endParaRPr>
+          </a:p>
+        </p:txBody>
+      </p:sp>
+    </p:spTree>
+    <p:extLst>
+      <p:ext uri="{BB962C8B-B14F-4D97-AF65-F5344CB8AC3E}">
+        <p14:creationId xmlns:p14="http://schemas.microsoft.com/office/powerpoint/2010/main" val="2667457490"/>
+      </p:ext>
+    </p:extLst>
+  </p:cSld>
+  <p:clrMapOvr>
+    <a:masterClrMapping/>
+  </p:clrMapOvr>
+</p:sld>
+</file>
+
+<file path=ppt/slides/slide25.xml><?xml version="1.0" encoding="utf-8"?>
 <p:sld xmlns:a="http://schemas.openxmlformats.org/drawingml/2006/main" xmlns:r="http://schemas.openxmlformats.org/officeDocument/2006/relationships" xmlns:p="http://schemas.openxmlformats.org/presentationml/2006/main">
   <p:cSld>
     <p:spTree>
@@ -32890,8 +32589,8 @@
         </p:nvSpPr>
         <p:spPr>
           <a:xfrm>
-            <a:off x="2720321" y="105246"/>
-            <a:ext cx="3160396" cy="1088068"/>
+            <a:off x="2519109" y="220185"/>
+            <a:ext cx="4105781" cy="1088068"/>
           </a:xfrm>
         </p:spPr>
         <p:txBody>
@@ -32900,11 +32599,12 @@
           </a:bodyPr>
           <a:lstStyle/>
           <a:p>
+            <a:pPr algn="ctr"/>
             <a:r>
               <a:rPr lang="en-US" sz="3000" dirty="0" err="1">
                 <a:latin typeface="Palatino Linotype" panose="02040502050505030304" pitchFamily="18" charset="0"/>
               </a:rPr>
-              <a:t>Bài</a:t>
+              <a:t>Đánh</a:t>
             </a:r>
             <a:r>
               <a:rPr lang="en-US" sz="3000" dirty="0">
@@ -32916,7 +32616,7 @@
               <a:rPr lang="en-US" sz="3000" dirty="0" err="1">
                 <a:latin typeface="Palatino Linotype" panose="02040502050505030304" pitchFamily="18" charset="0"/>
               </a:rPr>
-              <a:t>toán</a:t>
+              <a:t>giá</a:t>
             </a:r>
             <a:r>
               <a:rPr lang="en-US" sz="3000" dirty="0">
@@ -32928,7 +32628,7 @@
               <a:rPr lang="en-US" sz="3000" dirty="0" err="1">
                 <a:latin typeface="Palatino Linotype" panose="02040502050505030304" pitchFamily="18" charset="0"/>
               </a:rPr>
-              <a:t>minh</a:t>
+              <a:t>bằng</a:t>
             </a:r>
             <a:r>
               <a:rPr lang="en-US" sz="3000" dirty="0">
@@ -32940,7 +32640,19 @@
               <a:rPr lang="en-US" sz="3000" dirty="0" err="1">
                 <a:latin typeface="Palatino Linotype" panose="02040502050505030304" pitchFamily="18" charset="0"/>
               </a:rPr>
-              <a:t>họa</a:t>
+              <a:t>toán</a:t>
+            </a:r>
+            <a:r>
+              <a:rPr lang="en-US" sz="3000" dirty="0">
+                <a:latin typeface="Palatino Linotype" panose="02040502050505030304" pitchFamily="18" charset="0"/>
+              </a:rPr>
+              <a:t> </a:t>
+            </a:r>
+            <a:r>
+              <a:rPr lang="en-US" sz="3000" dirty="0" err="1">
+                <a:latin typeface="Palatino Linotype" panose="02040502050505030304" pitchFamily="18" charset="0"/>
+              </a:rPr>
+              <a:t>học</a:t>
             </a:r>
             <a:endParaRPr lang="en-US" sz="3000" dirty="0">
               <a:latin typeface="Palatino Linotype" panose="02040502050505030304" pitchFamily="18" charset="0"/>
@@ -33016,7 +32728,55 @@
               <a:rPr lang="en-US" sz="1350" b="1" dirty="0">
                 <a:latin typeface="+mj-lt"/>
               </a:rPr>
-              <a:t>:</a:t>
+              <a:t> (</a:t>
+            </a:r>
+            <a:r>
+              <a:rPr lang="en-US" sz="1350" b="1" dirty="0" err="1">
+                <a:latin typeface="+mj-lt"/>
+              </a:rPr>
+              <a:t>Bài</a:t>
+            </a:r>
+            <a:r>
+              <a:rPr lang="en-US" sz="1350" b="1" dirty="0">
+                <a:latin typeface="+mj-lt"/>
+              </a:rPr>
+              <a:t> </a:t>
+            </a:r>
+            <a:r>
+              <a:rPr lang="en-US" sz="1350" b="1" dirty="0" err="1">
+                <a:latin typeface="+mj-lt"/>
+              </a:rPr>
+              <a:t>tập</a:t>
+            </a:r>
+            <a:r>
+              <a:rPr lang="en-US" sz="1350" b="1" dirty="0">
+                <a:latin typeface="+mj-lt"/>
+              </a:rPr>
+              <a:t> </a:t>
+            </a:r>
+            <a:r>
+              <a:rPr lang="en-US" sz="1350" b="1" dirty="0" err="1">
+                <a:latin typeface="+mj-lt"/>
+              </a:rPr>
+              <a:t>minh</a:t>
+            </a:r>
+            <a:r>
+              <a:rPr lang="en-US" sz="1350" b="1" dirty="0">
+                <a:latin typeface="+mj-lt"/>
+              </a:rPr>
+              <a:t> </a:t>
+            </a:r>
+            <a:r>
+              <a:rPr lang="en-US" sz="1350" b="1" dirty="0" err="1">
+                <a:latin typeface="+mj-lt"/>
+              </a:rPr>
+              <a:t>họa</a:t>
+            </a:r>
+            <a:r>
+              <a:rPr lang="en-US" sz="1350" b="1" dirty="0">
+                <a:latin typeface="+mj-lt"/>
+              </a:rPr>
+              <a:t>):</a:t>
             </a:r>
           </a:p>
         </p:txBody>
@@ -33144,10 +32904,9 @@
               <a:t>nguyên</a:t>
             </a:r>
             <a:r>
-              <a:rPr lang="en-US" sz="1350" dirty="0" smtClean="0"/>
+              <a:rPr lang="en-US" sz="1350" dirty="0"/>
               <a:t>).</a:t>
             </a:r>
-            <a:endParaRPr lang="en-US" sz="1350" dirty="0"/>
           </a:p>
         </p:txBody>
       </p:sp>
@@ -33267,17 +33026,10 @@
   <p:clrMapOvr>
     <a:masterClrMapping/>
   </p:clrMapOvr>
-  <p:timing>
-    <p:tnLst>
-      <p:par>
-        <p:cTn id="1" dur="indefinite" restart="never" nodeType="tmRoot"/>
-      </p:par>
-    </p:tnLst>
-  </p:timing>
 </p:sld>
 </file>
 
-<file path=ppt/slides/slide25.xml><?xml version="1.0" encoding="utf-8"?>
+<file path=ppt/slides/slide26.xml><?xml version="1.0" encoding="utf-8"?>
 <p:sld xmlns:a="http://schemas.openxmlformats.org/drawingml/2006/main" xmlns:r="http://schemas.openxmlformats.org/officeDocument/2006/relationships" xmlns:p="http://schemas.openxmlformats.org/presentationml/2006/main">
   <p:cSld>
     <p:spTree>
@@ -33344,6 +33096,7 @@
             </a:lvl1pPr>
           </a:lstStyle>
           <a:p>
+            <a:pPr algn="ctr"/>
             <a:r>
               <a:rPr lang="en-US" sz="3000" dirty="0" err="1">
                 <a:latin typeface="Palatino Linotype" panose="02040502050505030304" pitchFamily="18" charset="0"/>
@@ -35183,17 +34936,10 @@
   <p:clrMapOvr>
     <a:masterClrMapping/>
   </p:clrMapOvr>
-  <p:timing>
-    <p:tnLst>
-      <p:par>
-        <p:cTn id="1" dur="indefinite" restart="never" nodeType="tmRoot"/>
-      </p:par>
-    </p:tnLst>
-  </p:timing>
 </p:sld>
 </file>
 
-<file path=ppt/slides/slide26.xml><?xml version="1.0" encoding="utf-8"?>
+<file path=ppt/slides/slide27.xml><?xml version="1.0" encoding="utf-8"?>
 <p:sld xmlns:a="http://schemas.openxmlformats.org/drawingml/2006/main" xmlns:r="http://schemas.openxmlformats.org/officeDocument/2006/relationships" xmlns:p="http://schemas.openxmlformats.org/presentationml/2006/main">
   <p:cSld>
     <p:spTree>
@@ -35260,6 +35006,7 @@
             </a:lvl1pPr>
           </a:lstStyle>
           <a:p>
+            <a:pPr algn="ctr"/>
             <a:r>
               <a:rPr lang="en-US" sz="3000" dirty="0" err="1">
                 <a:latin typeface="Palatino Linotype" panose="02040502050505030304" pitchFamily="18" charset="0"/>
@@ -35779,7 +35526,7 @@
                   <a:t>thiết</a:t>
                 </a:r>
                 <a:r>
-                  <a:rPr lang="en-US" sz="1350" dirty="0" smtClean="0"/>
+                  <a:rPr lang="en-US" sz="1350" dirty="0"/>
                   <a:t>.</a:t>
                 </a:r>
               </a:p>
@@ -36034,17 +35781,10 @@
   <p:clrMapOvr>
     <a:masterClrMapping/>
   </p:clrMapOvr>
-  <p:timing>
-    <p:tnLst>
-      <p:par>
-        <p:cTn id="1" dur="indefinite" restart="never" nodeType="tmRoot"/>
-      </p:par>
-    </p:tnLst>
-  </p:timing>
 </p:sld>
 </file>
 
-<file path=ppt/slides/slide27.xml><?xml version="1.0" encoding="utf-8"?>
+<file path=ppt/slides/slide28.xml><?xml version="1.0" encoding="utf-8"?>
 <p:sld xmlns:a="http://schemas.openxmlformats.org/drawingml/2006/main" xmlns:r="http://schemas.openxmlformats.org/officeDocument/2006/relationships" xmlns:p="http://schemas.openxmlformats.org/presentationml/2006/main">
   <p:cSld>
     <p:spTree>
@@ -37186,17 +36926,10 @@
   <p:clrMapOvr>
     <a:masterClrMapping/>
   </p:clrMapOvr>
-  <p:timing>
-    <p:tnLst>
-      <p:par>
-        <p:cTn id="1" dur="indefinite" restart="never" nodeType="tmRoot"/>
-      </p:par>
-    </p:tnLst>
-  </p:timing>
 </p:sld>
 </file>
 
-<file path=ppt/slides/slide28.xml><?xml version="1.0" encoding="utf-8"?>
+<file path=ppt/slides/slide29.xml><?xml version="1.0" encoding="utf-8"?>
 <p:sld xmlns:a="http://schemas.openxmlformats.org/drawingml/2006/main" xmlns:r="http://schemas.openxmlformats.org/officeDocument/2006/relationships" xmlns:p="http://schemas.openxmlformats.org/presentationml/2006/main">
   <p:cSld>
     <p:spTree>
@@ -38221,7 +37954,475 @@
 </p:sld>
 </file>
 
-<file path=ppt/slides/slide29.xml><?xml version="1.0" encoding="utf-8"?>
+<file path=ppt/slides/slide3.xml><?xml version="1.0" encoding="utf-8"?>
+<p:sld xmlns:a="http://schemas.openxmlformats.org/drawingml/2006/main" xmlns:r="http://schemas.openxmlformats.org/officeDocument/2006/relationships" xmlns:p="http://schemas.openxmlformats.org/presentationml/2006/main">
+  <p:cSld>
+    <p:spTree>
+      <p:nvGrpSpPr>
+        <p:cNvPr id="1" name=""/>
+        <p:cNvGrpSpPr/>
+        <p:nvPr/>
+      </p:nvGrpSpPr>
+      <p:grpSpPr>
+        <a:xfrm>
+          <a:off x="0" y="0"/>
+          <a:ext cx="0" cy="0"/>
+          <a:chOff x="0" y="0"/>
+          <a:chExt cx="0" cy="0"/>
+        </a:xfrm>
+      </p:grpSpPr>
+      <p:pic>
+        <p:nvPicPr>
+          <p:cNvPr id="394" name="Google Shape;462;p55"/>
+          <p:cNvPicPr/>
+          <p:nvPr/>
+        </p:nvPicPr>
+        <p:blipFill>
+          <a:blip r:embed="rId2"/>
+          <a:stretch/>
+        </p:blipFill>
+        <p:spPr>
+          <a:xfrm>
+            <a:off x="4286880" y="743400"/>
+            <a:ext cx="4856760" cy="2913480"/>
+          </a:xfrm>
+          <a:prstGeom prst="rect">
+            <a:avLst/>
+          </a:prstGeom>
+          <a:ln>
+            <a:noFill/>
+          </a:ln>
+        </p:spPr>
+      </p:pic>
+      <p:pic>
+        <p:nvPicPr>
+          <p:cNvPr id="395" name="Google Shape;463;p55"/>
+          <p:cNvPicPr/>
+          <p:nvPr/>
+        </p:nvPicPr>
+        <p:blipFill>
+          <a:blip r:embed="rId3"/>
+          <a:stretch/>
+        </p:blipFill>
+        <p:spPr>
+          <a:xfrm>
+            <a:off x="6162480" y="3797280"/>
+            <a:ext cx="961560" cy="1104480"/>
+          </a:xfrm>
+          <a:prstGeom prst="rect">
+            <a:avLst/>
+          </a:prstGeom>
+          <a:ln>
+            <a:noFill/>
+          </a:ln>
+        </p:spPr>
+      </p:pic>
+      <p:pic>
+        <p:nvPicPr>
+          <p:cNvPr id="396" name="Google Shape;464;p55"/>
+          <p:cNvPicPr/>
+          <p:nvPr/>
+        </p:nvPicPr>
+        <p:blipFill>
+          <a:blip r:embed="rId3"/>
+          <a:stretch/>
+        </p:blipFill>
+        <p:spPr>
+          <a:xfrm>
+            <a:off x="877680" y="743400"/>
+            <a:ext cx="961560" cy="1104480"/>
+          </a:xfrm>
+          <a:prstGeom prst="rect">
+            <a:avLst/>
+          </a:prstGeom>
+          <a:ln>
+            <a:noFill/>
+          </a:ln>
+        </p:spPr>
+      </p:pic>
+      <p:sp>
+        <p:nvSpPr>
+          <p:cNvPr id="397" name="CustomShape 1"/>
+          <p:cNvSpPr/>
+          <p:nvPr/>
+        </p:nvSpPr>
+        <p:spPr>
+          <a:xfrm>
+            <a:off x="1543320" y="581760"/>
+            <a:ext cx="6057360" cy="3979800"/>
+          </a:xfrm>
+          <a:prstGeom prst="roundRect">
+            <a:avLst>
+              <a:gd name="adj" fmla="val 16667"/>
+            </a:avLst>
+          </a:prstGeom>
+          <a:blipFill rotWithShape="0">
+            <a:blip r:embed="rId4"/>
+            <a:stretch>
+              <a:fillRect/>
+            </a:stretch>
+          </a:blipFill>
+          <a:ln>
+            <a:noFill/>
+          </a:ln>
+        </p:spPr>
+        <p:style>
+          <a:lnRef idx="0">
+            <a:scrgbClr r="0" g="0" b="0"/>
+          </a:lnRef>
+          <a:fillRef idx="0">
+            <a:scrgbClr r="0" g="0" b="0"/>
+          </a:fillRef>
+          <a:effectRef idx="0">
+            <a:scrgbClr r="0" g="0" b="0"/>
+          </a:effectRef>
+          <a:fontRef idx="minor"/>
+        </p:style>
+      </p:sp>
+      <p:pic>
+        <p:nvPicPr>
+          <p:cNvPr id="398" name="Google Shape;466;p55"/>
+          <p:cNvPicPr/>
+          <p:nvPr/>
+        </p:nvPicPr>
+        <p:blipFill>
+          <a:blip r:embed="rId5"/>
+          <a:stretch/>
+        </p:blipFill>
+        <p:spPr>
+          <a:xfrm>
+            <a:off x="6385680" y="1580400"/>
+            <a:ext cx="515160" cy="428040"/>
+          </a:xfrm>
+          <a:prstGeom prst="rect">
+            <a:avLst/>
+          </a:prstGeom>
+          <a:ln>
+            <a:noFill/>
+          </a:ln>
+        </p:spPr>
+      </p:pic>
+      <p:sp>
+        <p:nvSpPr>
+          <p:cNvPr id="399" name="CustomShape 2"/>
+          <p:cNvSpPr/>
+          <p:nvPr/>
+        </p:nvSpPr>
+        <p:spPr>
+          <a:xfrm>
+            <a:off x="6491880" y="1720080"/>
+            <a:ext cx="632520" cy="564120"/>
+          </a:xfrm>
+          <a:prstGeom prst="rect">
+            <a:avLst/>
+          </a:prstGeom>
+          <a:noFill/>
+          <a:ln>
+            <a:noFill/>
+          </a:ln>
+        </p:spPr>
+        <p:style>
+          <a:lnRef idx="0">
+            <a:scrgbClr r="0" g="0" b="0"/>
+          </a:lnRef>
+          <a:fillRef idx="0">
+            <a:scrgbClr r="0" g="0" b="0"/>
+          </a:fillRef>
+          <a:effectRef idx="0">
+            <a:scrgbClr r="0" g="0" b="0"/>
+          </a:effectRef>
+          <a:fontRef idx="minor"/>
+        </p:style>
+        <p:txBody>
+          <a:bodyPr tIns="91440" bIns="91440">
+            <a:spAutoFit/>
+          </a:bodyPr>
+          <a:lstStyle/>
+          <a:p>
+            <a:pPr>
+              <a:lnSpc>
+                <a:spcPct val="100000"/>
+              </a:lnSpc>
+              <a:tabLst>
+                <a:tab pos="0" algn="l"/>
+              </a:tabLst>
+            </a:pPr>
+            <a:r>
+              <a:rPr lang="es" sz="2500" b="1" strike="noStrike" spc="-1">
+                <a:solidFill>
+                  <a:srgbClr val="000000"/>
+                </a:solidFill>
+                <a:latin typeface="Arial"/>
+                <a:ea typeface="Arial"/>
+              </a:rPr>
+              <a:t>2</a:t>
+            </a:r>
+            <a:endParaRPr lang="en-US" sz="2500" b="0" strike="noStrike" spc="-1">
+              <a:latin typeface="Times New Roman"/>
+            </a:endParaRPr>
+          </a:p>
+        </p:txBody>
+      </p:sp>
+      <p:pic>
+        <p:nvPicPr>
+          <p:cNvPr id="400" name="Google Shape;468;p55"/>
+          <p:cNvPicPr/>
+          <p:nvPr/>
+        </p:nvPicPr>
+        <p:blipFill>
+          <a:blip r:embed="rId6"/>
+          <a:stretch/>
+        </p:blipFill>
+        <p:spPr>
+          <a:xfrm>
+            <a:off x="4603680" y="2919960"/>
+            <a:ext cx="260280" cy="276480"/>
+          </a:xfrm>
+          <a:prstGeom prst="rect">
+            <a:avLst/>
+          </a:prstGeom>
+          <a:ln>
+            <a:noFill/>
+          </a:ln>
+        </p:spPr>
+      </p:pic>
+      <p:sp>
+        <p:nvSpPr>
+          <p:cNvPr id="401" name="CustomShape 3"/>
+          <p:cNvSpPr/>
+          <p:nvPr/>
+        </p:nvSpPr>
+        <p:spPr>
+          <a:xfrm>
+            <a:off x="4603680" y="2717640"/>
+            <a:ext cx="632520" cy="564120"/>
+          </a:xfrm>
+          <a:prstGeom prst="rect">
+            <a:avLst/>
+          </a:prstGeom>
+          <a:noFill/>
+          <a:ln>
+            <a:noFill/>
+          </a:ln>
+        </p:spPr>
+        <p:style>
+          <a:lnRef idx="0">
+            <a:scrgbClr r="0" g="0" b="0"/>
+          </a:lnRef>
+          <a:fillRef idx="0">
+            <a:scrgbClr r="0" g="0" b="0"/>
+          </a:fillRef>
+          <a:effectRef idx="0">
+            <a:scrgbClr r="0" g="0" b="0"/>
+          </a:effectRef>
+          <a:fontRef idx="minor"/>
+        </p:style>
+        <p:txBody>
+          <a:bodyPr tIns="91440" bIns="91440">
+            <a:spAutoFit/>
+          </a:bodyPr>
+          <a:lstStyle/>
+          <a:p>
+            <a:pPr>
+              <a:lnSpc>
+                <a:spcPct val="100000"/>
+              </a:lnSpc>
+              <a:tabLst>
+                <a:tab pos="0" algn="l"/>
+              </a:tabLst>
+            </a:pPr>
+            <a:r>
+              <a:rPr lang="es" sz="2500" b="1" strike="noStrike" spc="-1">
+                <a:solidFill>
+                  <a:srgbClr val="000000"/>
+                </a:solidFill>
+                <a:latin typeface="Arial"/>
+                <a:ea typeface="Arial"/>
+              </a:rPr>
+              <a:t>1</a:t>
+            </a:r>
+            <a:endParaRPr lang="en-US" sz="2500" b="0" strike="noStrike" spc="-1">
+              <a:latin typeface="Times New Roman"/>
+            </a:endParaRPr>
+          </a:p>
+        </p:txBody>
+      </p:sp>
+      <p:pic>
+        <p:nvPicPr>
+          <p:cNvPr id="402" name="Google Shape;470;p55"/>
+          <p:cNvPicPr/>
+          <p:nvPr/>
+        </p:nvPicPr>
+        <p:blipFill>
+          <a:blip r:embed="rId7"/>
+          <a:stretch/>
+        </p:blipFill>
+        <p:spPr>
+          <a:xfrm>
+            <a:off x="6580080" y="3657240"/>
+            <a:ext cx="270360" cy="276480"/>
+          </a:xfrm>
+          <a:prstGeom prst="rect">
+            <a:avLst/>
+          </a:prstGeom>
+          <a:ln>
+            <a:noFill/>
+          </a:ln>
+        </p:spPr>
+      </p:pic>
+      <p:sp>
+        <p:nvSpPr>
+          <p:cNvPr id="403" name="CustomShape 4"/>
+          <p:cNvSpPr/>
+          <p:nvPr/>
+        </p:nvSpPr>
+        <p:spPr>
+          <a:xfrm>
+            <a:off x="6491880" y="3511080"/>
+            <a:ext cx="632520" cy="564120"/>
+          </a:xfrm>
+          <a:prstGeom prst="rect">
+            <a:avLst/>
+          </a:prstGeom>
+          <a:noFill/>
+          <a:ln>
+            <a:noFill/>
+          </a:ln>
+        </p:spPr>
+        <p:style>
+          <a:lnRef idx="0">
+            <a:scrgbClr r="0" g="0" b="0"/>
+          </a:lnRef>
+          <a:fillRef idx="0">
+            <a:scrgbClr r="0" g="0" b="0"/>
+          </a:fillRef>
+          <a:effectRef idx="0">
+            <a:scrgbClr r="0" g="0" b="0"/>
+          </a:effectRef>
+          <a:fontRef idx="minor"/>
+        </p:style>
+        <p:txBody>
+          <a:bodyPr tIns="91440" bIns="91440">
+            <a:spAutoFit/>
+          </a:bodyPr>
+          <a:lstStyle/>
+          <a:p>
+            <a:pPr>
+              <a:lnSpc>
+                <a:spcPct val="100000"/>
+              </a:lnSpc>
+              <a:tabLst>
+                <a:tab pos="0" algn="l"/>
+              </a:tabLst>
+            </a:pPr>
+            <a:r>
+              <a:rPr lang="es" sz="2500" b="1" strike="noStrike" spc="-1">
+                <a:solidFill>
+                  <a:srgbClr val="000000"/>
+                </a:solidFill>
+                <a:latin typeface="Arial"/>
+                <a:ea typeface="Arial"/>
+              </a:rPr>
+              <a:t>4</a:t>
+            </a:r>
+            <a:endParaRPr lang="en-US" sz="2500" b="0" strike="noStrike" spc="-1">
+              <a:latin typeface="Times New Roman"/>
+            </a:endParaRPr>
+          </a:p>
+        </p:txBody>
+      </p:sp>
+    </p:spTree>
+  </p:cSld>
+  <p:clrMapOvr>
+    <a:masterClrMapping/>
+  </p:clrMapOvr>
+  <p:timing>
+    <p:tnLst>
+      <p:par>
+        <p:cTn id="1" dur="indefinite" restart="never" nodeType="tmRoot">
+          <p:childTnLst>
+            <p:seq>
+              <p:cTn id="2" dur="indefinite" nodeType="mainSeq">
+                <p:childTnLst>
+                  <p:par>
+                    <p:cTn id="3" fill="hold">
+                      <p:stCondLst>
+                        <p:cond delay="0"/>
+                      </p:stCondLst>
+                      <p:childTnLst>
+                        <p:par>
+                          <p:cTn id="4" fill="hold">
+                            <p:stCondLst>
+                              <p:cond delay="0"/>
+                            </p:stCondLst>
+                            <p:childTnLst>
+                              <p:par>
+                                <p:cTn id="5" presetID="10" presetClass="entr" fill="hold" nodeType="afterEffect">
+                                  <p:stCondLst>
+                                    <p:cond delay="0"/>
+                                  </p:stCondLst>
+                                  <p:childTnLst>
+                                    <p:set>
+                                      <p:cBhvr>
+                                        <p:cTn id="6" dur="1" fill="hold">
+                                          <p:stCondLst>
+                                            <p:cond delay="0"/>
+                                          </p:stCondLst>
+                                        </p:cTn>
+                                        <p:tgtEl>
+                                          <p:spTgt spid="397"/>
+                                        </p:tgtEl>
+                                        <p:attrNameLst>
+                                          <p:attrName>style.visibility</p:attrName>
+                                        </p:attrNameLst>
+                                      </p:cBhvr>
+                                      <p:to>
+                                        <p:strVal val="visible"/>
+                                      </p:to>
+                                    </p:set>
+                                    <p:animEffect transition="in" filter="fade">
+                                      <p:cBhvr additive="repl">
+                                        <p:cTn id="7" dur="1000"/>
+                                        <p:tgtEl>
+                                          <p:spTgt spid="397"/>
+                                        </p:tgtEl>
+                                      </p:cBhvr>
+                                    </p:animEffect>
+                                  </p:childTnLst>
+                                </p:cTn>
+                              </p:par>
+                            </p:childTnLst>
+                          </p:cTn>
+                        </p:par>
+                      </p:childTnLst>
+                    </p:cTn>
+                  </p:par>
+                </p:childTnLst>
+              </p:cTn>
+              <p:prevCondLst>
+                <p:cond evt="onPrev" delay="0">
+                  <p:tgtEl>
+                    <p:sldTgt/>
+                  </p:tgtEl>
+                </p:cond>
+              </p:prevCondLst>
+              <p:nextCondLst>
+                <p:cond evt="onNext" delay="0">
+                  <p:tgtEl>
+                    <p:sldTgt/>
+                  </p:tgtEl>
+                </p:cond>
+              </p:nextCondLst>
+            </p:seq>
+          </p:childTnLst>
+        </p:cTn>
+      </p:par>
+    </p:tnLst>
+  </p:timing>
+</p:sld>
+</file>
+
+<file path=ppt/slides/slide30.xml><?xml version="1.0" encoding="utf-8"?>
 <p:sld xmlns:a="http://schemas.openxmlformats.org/drawingml/2006/main" xmlns:r="http://schemas.openxmlformats.org/officeDocument/2006/relationships" xmlns:p="http://schemas.openxmlformats.org/presentationml/2006/main">
   <p:cSld>
     <p:spTree>
@@ -39221,483 +39422,7 @@
 </p:sld>
 </file>
 
-<file path=ppt/slides/slide3.xml><?xml version="1.0" encoding="utf-8"?>
-<p:sld xmlns:a="http://schemas.openxmlformats.org/drawingml/2006/main" xmlns:r="http://schemas.openxmlformats.org/officeDocument/2006/relationships" xmlns:p="http://schemas.openxmlformats.org/presentationml/2006/main">
-  <p:cSld>
-    <p:spTree>
-      <p:nvGrpSpPr>
-        <p:cNvPr id="1" name=""/>
-        <p:cNvGrpSpPr/>
-        <p:nvPr/>
-      </p:nvGrpSpPr>
-      <p:grpSpPr>
-        <a:xfrm>
-          <a:off x="0" y="0"/>
-          <a:ext cx="0" cy="0"/>
-          <a:chOff x="0" y="0"/>
-          <a:chExt cx="0" cy="0"/>
-        </a:xfrm>
-      </p:grpSpPr>
-      <p:pic>
-        <p:nvPicPr>
-          <p:cNvPr id="394" name="Google Shape;462;p55"/>
-          <p:cNvPicPr/>
-          <p:nvPr/>
-        </p:nvPicPr>
-        <p:blipFill>
-          <a:blip r:embed="rId2"/>
-          <a:stretch/>
-        </p:blipFill>
-        <p:spPr>
-          <a:xfrm>
-            <a:off x="4286880" y="743400"/>
-            <a:ext cx="4856760" cy="2913480"/>
-          </a:xfrm>
-          <a:prstGeom prst="rect">
-            <a:avLst/>
-          </a:prstGeom>
-          <a:ln>
-            <a:noFill/>
-          </a:ln>
-        </p:spPr>
-      </p:pic>
-      <p:pic>
-        <p:nvPicPr>
-          <p:cNvPr id="395" name="Google Shape;463;p55"/>
-          <p:cNvPicPr/>
-          <p:nvPr/>
-        </p:nvPicPr>
-        <p:blipFill>
-          <a:blip r:embed="rId3"/>
-          <a:stretch/>
-        </p:blipFill>
-        <p:spPr>
-          <a:xfrm>
-            <a:off x="6162480" y="3797280"/>
-            <a:ext cx="961560" cy="1104480"/>
-          </a:xfrm>
-          <a:prstGeom prst="rect">
-            <a:avLst/>
-          </a:prstGeom>
-          <a:ln>
-            <a:noFill/>
-          </a:ln>
-        </p:spPr>
-      </p:pic>
-      <p:pic>
-        <p:nvPicPr>
-          <p:cNvPr id="396" name="Google Shape;464;p55"/>
-          <p:cNvPicPr/>
-          <p:nvPr/>
-        </p:nvPicPr>
-        <p:blipFill>
-          <a:blip r:embed="rId3"/>
-          <a:stretch/>
-        </p:blipFill>
-        <p:spPr>
-          <a:xfrm>
-            <a:off x="877680" y="743400"/>
-            <a:ext cx="961560" cy="1104480"/>
-          </a:xfrm>
-          <a:prstGeom prst="rect">
-            <a:avLst/>
-          </a:prstGeom>
-          <a:ln>
-            <a:noFill/>
-          </a:ln>
-        </p:spPr>
-      </p:pic>
-      <p:sp>
-        <p:nvSpPr>
-          <p:cNvPr id="397" name="CustomShape 1"/>
-          <p:cNvSpPr/>
-          <p:nvPr/>
-        </p:nvSpPr>
-        <p:spPr>
-          <a:xfrm>
-            <a:off x="1543320" y="581760"/>
-            <a:ext cx="6057360" cy="3979800"/>
-          </a:xfrm>
-          <a:prstGeom prst="roundRect">
-            <a:avLst>
-              <a:gd name="adj" fmla="val 16667"/>
-            </a:avLst>
-          </a:prstGeom>
-          <a:blipFill rotWithShape="0">
-            <a:blip r:embed="rId4"/>
-            <a:stretch>
-              <a:fillRect/>
-            </a:stretch>
-          </a:blipFill>
-          <a:ln>
-            <a:noFill/>
-          </a:ln>
-        </p:spPr>
-        <p:style>
-          <a:lnRef idx="0">
-            <a:scrgbClr r="0" g="0" b="0"/>
-          </a:lnRef>
-          <a:fillRef idx="0">
-            <a:scrgbClr r="0" g="0" b="0"/>
-          </a:fillRef>
-          <a:effectRef idx="0">
-            <a:scrgbClr r="0" g="0" b="0"/>
-          </a:effectRef>
-          <a:fontRef idx="minor"/>
-        </p:style>
-      </p:sp>
-      <p:pic>
-        <p:nvPicPr>
-          <p:cNvPr id="398" name="Google Shape;466;p55"/>
-          <p:cNvPicPr/>
-          <p:nvPr/>
-        </p:nvPicPr>
-        <p:blipFill>
-          <a:blip r:embed="rId5"/>
-          <a:stretch/>
-        </p:blipFill>
-        <p:spPr>
-          <a:xfrm>
-            <a:off x="6385680" y="1580400"/>
-            <a:ext cx="515160" cy="428040"/>
-          </a:xfrm>
-          <a:prstGeom prst="rect">
-            <a:avLst/>
-          </a:prstGeom>
-          <a:ln>
-            <a:noFill/>
-          </a:ln>
-        </p:spPr>
-      </p:pic>
-      <p:sp>
-        <p:nvSpPr>
-          <p:cNvPr id="399" name="CustomShape 2"/>
-          <p:cNvSpPr/>
-          <p:nvPr/>
-        </p:nvSpPr>
-        <p:spPr>
-          <a:xfrm>
-            <a:off x="6491880" y="1720080"/>
-            <a:ext cx="632520" cy="564120"/>
-          </a:xfrm>
-          <a:prstGeom prst="rect">
-            <a:avLst/>
-          </a:prstGeom>
-          <a:noFill/>
-          <a:ln>
-            <a:noFill/>
-          </a:ln>
-        </p:spPr>
-        <p:style>
-          <a:lnRef idx="0">
-            <a:scrgbClr r="0" g="0" b="0"/>
-          </a:lnRef>
-          <a:fillRef idx="0">
-            <a:scrgbClr r="0" g="0" b="0"/>
-          </a:fillRef>
-          <a:effectRef idx="0">
-            <a:scrgbClr r="0" g="0" b="0"/>
-          </a:effectRef>
-          <a:fontRef idx="minor"/>
-        </p:style>
-        <p:txBody>
-          <a:bodyPr tIns="91440" bIns="91440">
-            <a:spAutoFit/>
-          </a:bodyPr>
-          <a:lstStyle/>
-          <a:p>
-            <a:pPr>
-              <a:lnSpc>
-                <a:spcPct val="100000"/>
-              </a:lnSpc>
-              <a:tabLst>
-                <a:tab pos="0" algn="l"/>
-              </a:tabLst>
-            </a:pPr>
-            <a:r>
-              <a:rPr lang="es" sz="2500" b="1" strike="noStrike" spc="-1">
-                <a:solidFill>
-                  <a:srgbClr val="000000"/>
-                </a:solidFill>
-                <a:latin typeface="Arial"/>
-                <a:ea typeface="Arial"/>
-              </a:rPr>
-              <a:t>2</a:t>
-            </a:r>
-            <a:endParaRPr lang="en-US" sz="2500" b="0" strike="noStrike" spc="-1">
-              <a:latin typeface="Times New Roman"/>
-            </a:endParaRPr>
-          </a:p>
-        </p:txBody>
-      </p:sp>
-      <p:pic>
-        <p:nvPicPr>
-          <p:cNvPr id="400" name="Google Shape;468;p55"/>
-          <p:cNvPicPr/>
-          <p:nvPr/>
-        </p:nvPicPr>
-        <p:blipFill>
-          <a:blip r:embed="rId6"/>
-          <a:stretch/>
-        </p:blipFill>
-        <p:spPr>
-          <a:xfrm>
-            <a:off x="4603680" y="2919960"/>
-            <a:ext cx="260280" cy="276480"/>
-          </a:xfrm>
-          <a:prstGeom prst="rect">
-            <a:avLst/>
-          </a:prstGeom>
-          <a:ln>
-            <a:noFill/>
-          </a:ln>
-        </p:spPr>
-      </p:pic>
-      <p:sp>
-        <p:nvSpPr>
-          <p:cNvPr id="401" name="CustomShape 3"/>
-          <p:cNvSpPr/>
-          <p:nvPr/>
-        </p:nvSpPr>
-        <p:spPr>
-          <a:xfrm>
-            <a:off x="4603680" y="2717640"/>
-            <a:ext cx="632520" cy="564120"/>
-          </a:xfrm>
-          <a:prstGeom prst="rect">
-            <a:avLst/>
-          </a:prstGeom>
-          <a:noFill/>
-          <a:ln>
-            <a:noFill/>
-          </a:ln>
-        </p:spPr>
-        <p:style>
-          <a:lnRef idx="0">
-            <a:scrgbClr r="0" g="0" b="0"/>
-          </a:lnRef>
-          <a:fillRef idx="0">
-            <a:scrgbClr r="0" g="0" b="0"/>
-          </a:fillRef>
-          <a:effectRef idx="0">
-            <a:scrgbClr r="0" g="0" b="0"/>
-          </a:effectRef>
-          <a:fontRef idx="minor"/>
-        </p:style>
-        <p:txBody>
-          <a:bodyPr tIns="91440" bIns="91440">
-            <a:spAutoFit/>
-          </a:bodyPr>
-          <a:lstStyle/>
-          <a:p>
-            <a:pPr>
-              <a:lnSpc>
-                <a:spcPct val="100000"/>
-              </a:lnSpc>
-              <a:tabLst>
-                <a:tab pos="0" algn="l"/>
-              </a:tabLst>
-            </a:pPr>
-            <a:r>
-              <a:rPr lang="es" sz="2500" b="1" strike="noStrike" spc="-1">
-                <a:solidFill>
-                  <a:srgbClr val="000000"/>
-                </a:solidFill>
-                <a:latin typeface="Arial"/>
-                <a:ea typeface="Arial"/>
-              </a:rPr>
-              <a:t>1</a:t>
-            </a:r>
-            <a:endParaRPr lang="en-US" sz="2500" b="0" strike="noStrike" spc="-1">
-              <a:latin typeface="Times New Roman"/>
-            </a:endParaRPr>
-          </a:p>
-        </p:txBody>
-      </p:sp>
-      <p:pic>
-        <p:nvPicPr>
-          <p:cNvPr id="402" name="Google Shape;470;p55"/>
-          <p:cNvPicPr/>
-          <p:nvPr/>
-        </p:nvPicPr>
-        <p:blipFill>
-          <a:blip r:embed="rId7"/>
-          <a:stretch/>
-        </p:blipFill>
-        <p:spPr>
-          <a:xfrm>
-            <a:off x="6580080" y="3657240"/>
-            <a:ext cx="270360" cy="276480"/>
-          </a:xfrm>
-          <a:prstGeom prst="rect">
-            <a:avLst/>
-          </a:prstGeom>
-          <a:ln>
-            <a:noFill/>
-          </a:ln>
-        </p:spPr>
-      </p:pic>
-      <p:sp>
-        <p:nvSpPr>
-          <p:cNvPr id="403" name="CustomShape 4"/>
-          <p:cNvSpPr/>
-          <p:nvPr/>
-        </p:nvSpPr>
-        <p:spPr>
-          <a:xfrm>
-            <a:off x="6491880" y="3511080"/>
-            <a:ext cx="632520" cy="564120"/>
-          </a:xfrm>
-          <a:prstGeom prst="rect">
-            <a:avLst/>
-          </a:prstGeom>
-          <a:noFill/>
-          <a:ln>
-            <a:noFill/>
-          </a:ln>
-        </p:spPr>
-        <p:style>
-          <a:lnRef idx="0">
-            <a:scrgbClr r="0" g="0" b="0"/>
-          </a:lnRef>
-          <a:fillRef idx="0">
-            <a:scrgbClr r="0" g="0" b="0"/>
-          </a:fillRef>
-          <a:effectRef idx="0">
-            <a:scrgbClr r="0" g="0" b="0"/>
-          </a:effectRef>
-          <a:fontRef idx="minor"/>
-        </p:style>
-        <p:txBody>
-          <a:bodyPr tIns="91440" bIns="91440">
-            <a:spAutoFit/>
-          </a:bodyPr>
-          <a:lstStyle/>
-          <a:p>
-            <a:pPr>
-              <a:lnSpc>
-                <a:spcPct val="100000"/>
-              </a:lnSpc>
-              <a:tabLst>
-                <a:tab pos="0" algn="l"/>
-              </a:tabLst>
-            </a:pPr>
-            <a:r>
-              <a:rPr lang="es" sz="2500" b="1" strike="noStrike" spc="-1">
-                <a:solidFill>
-                  <a:srgbClr val="000000"/>
-                </a:solidFill>
-                <a:latin typeface="Arial"/>
-                <a:ea typeface="Arial"/>
-              </a:rPr>
-              <a:t>4</a:t>
-            </a:r>
-            <a:endParaRPr lang="en-US" sz="2500" b="0" strike="noStrike" spc="-1">
-              <a:latin typeface="Times New Roman"/>
-            </a:endParaRPr>
-          </a:p>
-        </p:txBody>
-      </p:sp>
-    </p:spTree>
-  </p:cSld>
-  <p:clrMapOvr>
-    <a:masterClrMapping/>
-  </p:clrMapOvr>
-  <mc:AlternateContent xmlns:mc="http://schemas.openxmlformats.org/markup-compatibility/2006" xmlns:p14="http://schemas.microsoft.com/office/powerpoint/2010/main">
-    <mc:Choice Requires="p14">
-      <p:transition spd="slow" p14:dur="2000"/>
-    </mc:Choice>
-    <mc:Fallback xmlns:p15="http://schemas.microsoft.com/office/powerpoint/2012/main" xmlns="">
-      <p:transition spd="slow"/>
-    </mc:Fallback>
-  </mc:AlternateContent>
-  <p:timing>
-    <p:tnLst>
-      <p:par>
-        <p:cTn id="1" dur="indefinite" restart="never" nodeType="tmRoot">
-          <p:childTnLst>
-            <p:seq>
-              <p:cTn id="2" dur="indefinite" nodeType="mainSeq">
-                <p:childTnLst>
-                  <p:par>
-                    <p:cTn id="3" fill="hold">
-                      <p:stCondLst>
-                        <p:cond delay="0"/>
-                      </p:stCondLst>
-                      <p:childTnLst>
-                        <p:par>
-                          <p:cTn id="4" fill="hold">
-                            <p:stCondLst>
-                              <p:cond delay="0"/>
-                            </p:stCondLst>
-                            <p:childTnLst>
-                              <p:par>
-                                <p:cTn id="5" presetID="10" presetClass="entr" fill="hold" nodeType="afterEffect">
-                                  <p:stCondLst>
-                                    <p:cond delay="0"/>
-                                  </p:stCondLst>
-                                  <p:childTnLst>
-                                    <p:set>
-                                      <p:cBhvr>
-                                        <p:cTn id="6" dur="1" fill="hold">
-                                          <p:stCondLst>
-                                            <p:cond delay="0"/>
-                                          </p:stCondLst>
-                                        </p:cTn>
-                                        <p:tgtEl>
-                                          <p:spTgt spid="397"/>
-                                        </p:tgtEl>
-                                        <p:attrNameLst>
-                                          <p:attrName>style.visibility</p:attrName>
-                                        </p:attrNameLst>
-                                      </p:cBhvr>
-                                      <p:to>
-                                        <p:strVal val="visible"/>
-                                      </p:to>
-                                    </p:set>
-                                    <p:animEffect transition="in" filter="fade">
-                                      <p:cBhvr additive="repl">
-                                        <p:cTn id="7" dur="1000"/>
-                                        <p:tgtEl>
-                                          <p:spTgt spid="397"/>
-                                        </p:tgtEl>
-                                      </p:cBhvr>
-                                    </p:animEffect>
-                                  </p:childTnLst>
-                                </p:cTn>
-                              </p:par>
-                            </p:childTnLst>
-                          </p:cTn>
-                        </p:par>
-                      </p:childTnLst>
-                    </p:cTn>
-                  </p:par>
-                </p:childTnLst>
-              </p:cTn>
-              <p:prevCondLst>
-                <p:cond evt="onPrev" delay="0">
-                  <p:tgtEl>
-                    <p:sldTgt/>
-                  </p:tgtEl>
-                </p:cond>
-              </p:prevCondLst>
-              <p:nextCondLst>
-                <p:cond evt="onNext" delay="0">
-                  <p:tgtEl>
-                    <p:sldTgt/>
-                  </p:tgtEl>
-                </p:cond>
-              </p:nextCondLst>
-            </p:seq>
-          </p:childTnLst>
-        </p:cTn>
-      </p:par>
-    </p:tnLst>
-  </p:timing>
-</p:sld>
-</file>
-
-<file path=ppt/slides/slide30.xml><?xml version="1.0" encoding="utf-8"?>
+<file path=ppt/slides/slide31.xml><?xml version="1.0" encoding="utf-8"?>
 <p:sld xmlns:a="http://schemas.openxmlformats.org/drawingml/2006/main" xmlns:r="http://schemas.openxmlformats.org/officeDocument/2006/relationships" xmlns:p="http://schemas.openxmlformats.org/presentationml/2006/main">
   <p:cSld>
     <p:spTree>
@@ -40391,7 +40116,7 @@
 </p:sld>
 </file>
 
-<file path=ppt/slides/slide31.xml><?xml version="1.0" encoding="utf-8"?>
+<file path=ppt/slides/slide32.xml><?xml version="1.0" encoding="utf-8"?>
 <p:sld xmlns:a="http://schemas.openxmlformats.org/drawingml/2006/main" xmlns:r="http://schemas.openxmlformats.org/officeDocument/2006/relationships" xmlns:p="http://schemas.openxmlformats.org/presentationml/2006/main">
   <p:cSld>
     <p:spTree>
@@ -41114,8 +40839,8 @@
           </a:prstGeom>
         </p:spPr>
       </p:pic>
-      <mc:AlternateContent xmlns:mc="http://schemas.openxmlformats.org/markup-compatibility/2006" xmlns:a14="http://schemas.microsoft.com/office/drawing/2010/main">
-        <mc:Choice Requires="a14">
+      <mc:AlternateContent xmlns:mc="http://schemas.openxmlformats.org/markup-compatibility/2006">
+        <mc:Choice xmlns:a14="http://schemas.microsoft.com/office/drawing/2010/main" Requires="a14">
           <p:sp>
             <p:nvSpPr>
               <p:cNvPr id="14" name="TextBox 13">
@@ -41131,7 +40856,7 @@
             <p:spPr>
               <a:xfrm>
                 <a:off x="453684" y="3334043"/>
-                <a:ext cx="5233181" cy="300082"/>
+                <a:ext cx="5233181" cy="507831"/>
               </a:xfrm>
               <a:prstGeom prst="rect">
                 <a:avLst/>
@@ -41145,12 +40870,8 @@
               <a:lstStyle/>
               <a:p>
                 <a:r>
-                  <a:rPr lang="en-US" sz="1350" dirty="0" err="1"/>
-                  <a:t>Kết</a:t>
-                </a:r>
-                <a:r>
                   <a:rPr lang="en-US" sz="1350" dirty="0"/>
-                  <a:t> </a:t>
+                  <a:t>Kết </a:t>
                 </a:r>
                 <a:r>
                   <a:rPr lang="en-US" sz="1350" dirty="0" err="1"/>
@@ -41259,13 +40980,97 @@
                 </a14:m>
                 <a:r>
                   <a:rPr lang="en-US" sz="1350" dirty="0"/>
-                  <a:t>). </a:t>
+                  <a:t>).</a:t>
+                </a:r>
+              </a:p>
+              <a:p>
+                <a:r>
+                  <a:rPr lang="en-US" sz="1350" dirty="0" err="1"/>
+                  <a:t>Vòng</a:t>
+                </a:r>
+                <a:r>
+                  <a:rPr lang="en-US" sz="1350" dirty="0"/>
+                  <a:t> </a:t>
+                </a:r>
+                <a:r>
+                  <a:rPr lang="en-US" sz="1350" dirty="0" err="1"/>
+                  <a:t>lặp</a:t>
+                </a:r>
+                <a:r>
+                  <a:rPr lang="en-US" sz="1350" dirty="0"/>
+                  <a:t> for 0 to n: </a:t>
+                </a:r>
+                <a:r>
+                  <a:rPr lang="en-US" sz="1350" dirty="0" err="1"/>
+                  <a:t>sẽ</a:t>
+                </a:r>
+                <a:r>
+                  <a:rPr lang="en-US" sz="1350" dirty="0"/>
+                  <a:t> </a:t>
+                </a:r>
+                <a:r>
+                  <a:rPr lang="en-US" sz="1350" dirty="0" err="1"/>
+                  <a:t>có</a:t>
+                </a:r>
+                <a:r>
+                  <a:rPr lang="en-US" sz="1350" dirty="0"/>
+                  <a:t> </a:t>
+                </a:r>
+                <a:r>
+                  <a:rPr lang="en-US" sz="1350" dirty="0" err="1"/>
+                  <a:t>độ</a:t>
+                </a:r>
+                <a:r>
+                  <a:rPr lang="en-US" sz="1350" dirty="0"/>
+                  <a:t> </a:t>
+                </a:r>
+                <a:r>
+                  <a:rPr lang="en-US" sz="1350" dirty="0" err="1"/>
+                  <a:t>phức</a:t>
+                </a:r>
+                <a:r>
+                  <a:rPr lang="en-US" sz="1350" dirty="0"/>
+                  <a:t> </a:t>
+                </a:r>
+                <a:r>
+                  <a:rPr lang="en-US" sz="1350" dirty="0" err="1"/>
+                  <a:t>tạp</a:t>
+                </a:r>
+                <a:r>
+                  <a:rPr lang="en-US" sz="1350" dirty="0"/>
+                  <a:t> </a:t>
+                </a:r>
+                <a14:m>
+                  <m:oMath xmlns:m="http://schemas.openxmlformats.org/officeDocument/2006/math">
+                    <m:r>
+                      <a:rPr lang="en-US" sz="1350" i="1" dirty="0" smtClean="0">
+                        <a:latin typeface="Cambria Math" panose="02040503050406030204" pitchFamily="18" charset="0"/>
+                      </a:rPr>
+                      <m:t>𝑂</m:t>
+                    </m:r>
+                    <m:r>
+                      <a:rPr lang="en-US" sz="1350" i="1" dirty="0" smtClean="0">
+                        <a:latin typeface="Cambria Math" panose="02040503050406030204" pitchFamily="18" charset="0"/>
+                      </a:rPr>
+                      <m:t>(</m:t>
+                    </m:r>
+                    <m:r>
+                      <a:rPr lang="en-US" sz="1350" b="0" i="1" dirty="0" smtClean="0">
+                        <a:latin typeface="Cambria Math" panose="02040503050406030204" pitchFamily="18" charset="0"/>
+                      </a:rPr>
+                      <m:t>𝑛</m:t>
+                    </m:r>
+                  </m:oMath>
+                </a14:m>
+                <a:r>
+                  <a:rPr lang="en-US" sz="1350" dirty="0"/>
+                  <a:t>).</a:t>
                 </a:r>
               </a:p>
             </p:txBody>
           </p:sp>
         </mc:Choice>
-        <mc:Fallback xmlns="">
+        <mc:Fallback>
           <p:sp>
             <p:nvSpPr>
               <p:cNvPr id="14" name="TextBox 13">
@@ -41283,7 +41088,7 @@
             <p:spPr>
               <a:xfrm>
                 <a:off x="453684" y="3334043"/>
-                <a:ext cx="5233181" cy="300082"/>
+                <a:ext cx="5233181" cy="507831"/>
               </a:xfrm>
               <a:prstGeom prst="rect">
                 <a:avLst/>
@@ -41291,7 +41096,7 @@
               <a:blipFill>
                 <a:blip r:embed="rId4"/>
                 <a:stretch>
-                  <a:fillRect l="-233" t="-4082" b="-20408"/>
+                  <a:fillRect l="-233" t="-2410" b="-12048"/>
                 </a:stretch>
               </a:blipFill>
             </p:spPr>
@@ -41323,7 +41128,7 @@
 </p:sld>
 </file>
 
-<file path=ppt/slides/slide32.xml><?xml version="1.0" encoding="utf-8"?>
+<file path=ppt/slides/slide33.xml><?xml version="1.0" encoding="utf-8"?>
 <p:sld xmlns:a="http://schemas.openxmlformats.org/drawingml/2006/main" xmlns:r="http://schemas.openxmlformats.org/officeDocument/2006/relationships" xmlns:p="http://schemas.openxmlformats.org/presentationml/2006/main">
   <p:cSld>
     <p:spTree>
@@ -41533,7 +41338,7 @@
               <a:buChar char="•"/>
             </a:pPr>
             <a:r>
-              <a:rPr lang="en-US" sz="1350" dirty="0" smtClean="0"/>
+              <a:rPr lang="en-US" sz="1350" dirty="0"/>
               <a:t>ta </a:t>
             </a:r>
             <a:r>
@@ -42430,7 +42235,7 @@
 </p:sld>
 </file>
 
-<file path=ppt/slides/slide33.xml><?xml version="1.0" encoding="utf-8"?>
+<file path=ppt/slides/slide34.xml><?xml version="1.0" encoding="utf-8"?>
 <p:sld xmlns:a="http://schemas.openxmlformats.org/drawingml/2006/main" xmlns:r="http://schemas.openxmlformats.org/officeDocument/2006/relationships" xmlns:p="http://schemas.openxmlformats.org/presentationml/2006/main">
   <p:cSld>
     <p:spTree>
@@ -42455,7 +42260,7 @@
                 <a16:creationId xmlns:a16="http://schemas.microsoft.com/office/drawing/2014/main" id="{4E4490D0-3672-446A-AC12-B4830333BDDD}"/>
               </a:ext>
               <a:ext uri="{C183D7F6-B498-43B3-948B-1728B52AA6E4}">
-                <adec:decorative xmlns="" xmlns:adec="http://schemas.microsoft.com/office/drawing/2017/decorative" val="1"/>
+                <adec:decorative xmlns:adec="http://schemas.microsoft.com/office/drawing/2017/decorative" val="1"/>
               </a:ext>
             </a:extLst>
           </p:cNvPr>
@@ -42510,7 +42315,7 @@
                 <a16:creationId xmlns:a16="http://schemas.microsoft.com/office/drawing/2014/main" id="{39CB82C2-DF65-4EC1-8280-F201D50F570B}"/>
               </a:ext>
               <a:ext uri="{C183D7F6-B498-43B3-948B-1728B52AA6E4}">
-                <adec:decorative xmlns="" xmlns:adec="http://schemas.microsoft.com/office/drawing/2017/decorative" val="1"/>
+                <adec:decorative xmlns:adec="http://schemas.microsoft.com/office/drawing/2017/decorative" val="1"/>
               </a:ext>
             </a:extLst>
           </p:cNvPr>
@@ -42565,7 +42370,7 @@
                 <a16:creationId xmlns:a16="http://schemas.microsoft.com/office/drawing/2014/main" id="{7E1D4427-852B-4B37-8E76-0E9F1810BA2A}"/>
               </a:ext>
               <a:ext uri="{C183D7F6-B498-43B3-948B-1728B52AA6E4}">
-                <adec:decorative xmlns="" xmlns:adec="http://schemas.microsoft.com/office/drawing/2017/decorative" val="1"/>
+                <adec:decorative xmlns:adec="http://schemas.microsoft.com/office/drawing/2017/decorative" val="1"/>
               </a:ext>
             </a:extLst>
           </p:cNvPr>
@@ -42620,7 +42425,7 @@
                 <a16:creationId xmlns:a16="http://schemas.microsoft.com/office/drawing/2014/main" id="{FA4CD5CB-D209-4D70-8CA4-629731C59219}"/>
               </a:ext>
               <a:ext uri="{C183D7F6-B498-43B3-948B-1728B52AA6E4}">
-                <adec:decorative xmlns="" xmlns:adec="http://schemas.microsoft.com/office/drawing/2017/decorative" val="1"/>
+                <adec:decorative xmlns:adec="http://schemas.microsoft.com/office/drawing/2017/decorative" val="1"/>
               </a:ext>
             </a:extLst>
           </p:cNvPr>
@@ -42782,7 +42587,7 @@
                 <a16:creationId xmlns:a16="http://schemas.microsoft.com/office/drawing/2014/main" id="{5C6A2BAE-B461-4B55-8E1F-0722ABDD1393}"/>
               </a:ext>
               <a:ext uri="{C183D7F6-B498-43B3-948B-1728B52AA6E4}">
-                <adec:decorative xmlns="" xmlns:adec="http://schemas.microsoft.com/office/drawing/2017/decorative" val="1"/>
+                <adec:decorative xmlns:adec="http://schemas.microsoft.com/office/drawing/2017/decorative" val="1"/>
               </a:ext>
             </a:extLst>
           </p:cNvPr>
@@ -42836,7 +42641,7 @@
                 <a16:creationId xmlns:a16="http://schemas.microsoft.com/office/drawing/2014/main" id="{B4C27B90-DF2B-4D00-BA07-18ED774CD2F1}"/>
               </a:ext>
               <a:ext uri="{C183D7F6-B498-43B3-948B-1728B52AA6E4}">
-                <adec:decorative xmlns="" xmlns:adec="http://schemas.microsoft.com/office/drawing/2017/decorative" val="1"/>
+                <adec:decorative xmlns:adec="http://schemas.microsoft.com/office/drawing/2017/decorative" val="1"/>
               </a:ext>
             </a:extLst>
           </p:cNvPr>
@@ -42891,7 +42696,7 @@
                 <a16:creationId xmlns:a16="http://schemas.microsoft.com/office/drawing/2014/main" id="{593ACC25-C262-417A-8AA9-0641C772BDB6}"/>
               </a:ext>
               <a:ext uri="{C183D7F6-B498-43B3-948B-1728B52AA6E4}">
-                <adec:decorative xmlns="" xmlns:adec="http://schemas.microsoft.com/office/drawing/2017/decorative" val="1"/>
+                <adec:decorative xmlns:adec="http://schemas.microsoft.com/office/drawing/2017/decorative" val="1"/>
               </a:ext>
             </a:extLst>
           </p:cNvPr>
@@ -43043,7 +42848,7 @@
 </p:sld>
 </file>
 
-<file path=ppt/slides/slide34.xml><?xml version="1.0" encoding="utf-8"?>
+<file path=ppt/slides/slide35.xml><?xml version="1.0" encoding="utf-8"?>
 <p:sld xmlns:a="http://schemas.openxmlformats.org/drawingml/2006/main" xmlns:r="http://schemas.openxmlformats.org/officeDocument/2006/relationships" xmlns:p="http://schemas.openxmlformats.org/presentationml/2006/main">
   <p:cSld>
     <p:spTree>
@@ -43068,7 +42873,7 @@
                 <a16:creationId xmlns:a16="http://schemas.microsoft.com/office/drawing/2014/main" id="{25C8D2C1-DA83-420D-9635-D52CE066B5DA}"/>
               </a:ext>
               <a:ext uri="{C183D7F6-B498-43B3-948B-1728B52AA6E4}">
-                <adec:decorative xmlns="" xmlns:adec="http://schemas.microsoft.com/office/drawing/2017/decorative" val="1"/>
+                <adec:decorative xmlns:adec="http://schemas.microsoft.com/office/drawing/2017/decorative" val="1"/>
               </a:ext>
             </a:extLst>
           </p:cNvPr>
@@ -43123,7 +42928,7 @@
                 <a16:creationId xmlns:a16="http://schemas.microsoft.com/office/drawing/2014/main" id="{434F74C9-6A0B-409E-AD1C-45B58BE91BB8}"/>
               </a:ext>
               <a:ext uri="{C183D7F6-B498-43B3-948B-1728B52AA6E4}">
-                <adec:decorative xmlns="" xmlns:adec="http://schemas.microsoft.com/office/drawing/2017/decorative" val="1"/>
+                <adec:decorative xmlns:adec="http://schemas.microsoft.com/office/drawing/2017/decorative" val="1"/>
               </a:ext>
             </a:extLst>
           </p:cNvPr>
@@ -43178,7 +42983,7 @@
                 <a16:creationId xmlns:a16="http://schemas.microsoft.com/office/drawing/2014/main" id="{F5486A9D-1265-4B57-91E6-68E666B978BC}"/>
               </a:ext>
               <a:ext uri="{C183D7F6-B498-43B3-948B-1728B52AA6E4}">
-                <adec:decorative xmlns="" xmlns:adec="http://schemas.microsoft.com/office/drawing/2017/decorative" val="1"/>
+                <adec:decorative xmlns:adec="http://schemas.microsoft.com/office/drawing/2017/decorative" val="1"/>
               </a:ext>
             </a:extLst>
           </p:cNvPr>
@@ -43233,7 +43038,7 @@
                 <a16:creationId xmlns:a16="http://schemas.microsoft.com/office/drawing/2014/main" id="{F452A527-3631-41ED-858D-3777A7D1496A}"/>
               </a:ext>
               <a:ext uri="{C183D7F6-B498-43B3-948B-1728B52AA6E4}">
-                <adec:decorative xmlns="" xmlns:adec="http://schemas.microsoft.com/office/drawing/2017/decorative" val="1"/>
+                <adec:decorative xmlns:adec="http://schemas.microsoft.com/office/drawing/2017/decorative" val="1"/>
               </a:ext>
             </a:extLst>
           </p:cNvPr>
@@ -43501,7 +43306,7 @@
                 <a16:creationId xmlns:a16="http://schemas.microsoft.com/office/drawing/2014/main" id="{D28A9C89-B313-458F-9C85-515930A51A93}"/>
               </a:ext>
               <a:ext uri="{C183D7F6-B498-43B3-948B-1728B52AA6E4}">
-                <adec:decorative xmlns="" xmlns:adec="http://schemas.microsoft.com/office/drawing/2017/decorative" val="1"/>
+                <adec:decorative xmlns:adec="http://schemas.microsoft.com/office/drawing/2017/decorative" val="1"/>
               </a:ext>
             </a:extLst>
           </p:cNvPr>
@@ -43652,7 +43457,7 @@
 </p:sld>
 </file>
 
-<file path=ppt/slides/slide35.xml><?xml version="1.0" encoding="utf-8"?>
+<file path=ppt/slides/slide36.xml><?xml version="1.0" encoding="utf-8"?>
 <p:sld xmlns:a="http://schemas.openxmlformats.org/drawingml/2006/main" xmlns:r="http://schemas.openxmlformats.org/officeDocument/2006/relationships" xmlns:p="http://schemas.openxmlformats.org/presentationml/2006/main">
   <p:cSld>
     <p:spTree>
@@ -43705,27 +43510,27 @@
               <a:t> </a:t>
             </a:r>
             <a:r>
-              <a:rPr lang="en-US" sz="3975" dirty="0" err="1" smtClean="0"/>
+              <a:rPr lang="en-US" sz="3975" dirty="0" err="1"/>
               <a:t>tắc</a:t>
             </a:r>
             <a:r>
-              <a:rPr lang="en-US" sz="3975" dirty="0" smtClean="0"/>
+              <a:rPr lang="en-US" sz="3975" dirty="0"/>
               <a:t> </a:t>
             </a:r>
             <a:r>
-              <a:rPr lang="en-US" sz="3975" dirty="0" err="1" smtClean="0"/>
+              <a:rPr lang="en-US" sz="3975" dirty="0" err="1"/>
               <a:t>tính</a:t>
             </a:r>
             <a:r>
-              <a:rPr lang="en-US" sz="3975" dirty="0" smtClean="0"/>
+              <a:rPr lang="en-US" sz="3975" dirty="0"/>
               <a:t> </a:t>
             </a:r>
             <a:r>
-              <a:rPr lang="en-US" sz="3975" dirty="0" err="1" smtClean="0"/>
+              <a:rPr lang="en-US" sz="3975" dirty="0" err="1"/>
               <a:t>toán</a:t>
             </a:r>
             <a:r>
-              <a:rPr lang="en-US" sz="3975" dirty="0" smtClean="0"/>
+              <a:rPr lang="en-US" sz="3975" dirty="0"/>
               <a:t> </a:t>
             </a:r>
             <a:r>
@@ -43736,31 +43541,27 @@
               <a:rPr lang="en-US" sz="3975" dirty="0"/>
               <a:t> </a:t>
             </a:r>
-            <a:r>
-              <a:rPr lang="en-US" sz="3975" dirty="0" smtClean="0"/>
-              <a:t/>
-            </a:r>
             <a:br>
-              <a:rPr lang="en-US" sz="3975" dirty="0" smtClean="0"/>
+              <a:rPr lang="en-US" sz="3975" dirty="0"/>
             </a:br>
             <a:r>
-              <a:rPr lang="en-US" sz="3975" dirty="0" smtClean="0"/>
+              <a:rPr lang="en-US" sz="3975" dirty="0"/>
               <a:t>                      </a:t>
             </a:r>
             <a:r>
-              <a:rPr lang="en-US" sz="3975" dirty="0" err="1" smtClean="0"/>
+              <a:rPr lang="en-US" sz="3975" dirty="0" err="1"/>
               <a:t>phức</a:t>
             </a:r>
             <a:r>
-              <a:rPr lang="en-US" sz="3975" dirty="0" smtClean="0"/>
+              <a:rPr lang="en-US" sz="3975" dirty="0"/>
               <a:t> </a:t>
             </a:r>
             <a:r>
-              <a:rPr lang="en-US" sz="3975" dirty="0" err="1" smtClean="0"/>
+              <a:rPr lang="en-US" sz="3975" dirty="0" err="1"/>
               <a:t>tạp</a:t>
             </a:r>
             <a:r>
-              <a:rPr lang="en-US" sz="3975" dirty="0" smtClean="0"/>
+              <a:rPr lang="en-US" sz="3975" dirty="0"/>
               <a:t> </a:t>
             </a:r>
             <a:r>
@@ -43780,7 +43581,7 @@
               <a:t> </a:t>
             </a:r>
             <a:r>
-              <a:rPr lang="en-US" sz="3975" dirty="0" err="1" smtClean="0"/>
+              <a:rPr lang="en-US" sz="3975" dirty="0" err="1"/>
               <a:t>toán</a:t>
             </a:r>
             <a:endParaRPr lang="vi-VN" dirty="0"/>
@@ -43800,7 +43601,7 @@
 </p:sld>
 </file>
 
-<file path=ppt/slides/slide36.xml><?xml version="1.0" encoding="utf-8"?>
+<file path=ppt/slides/slide37.xml><?xml version="1.0" encoding="utf-8"?>
 <p:sld xmlns:a="http://schemas.openxmlformats.org/drawingml/2006/main" xmlns:r="http://schemas.openxmlformats.org/officeDocument/2006/relationships" xmlns:p="http://schemas.openxmlformats.org/presentationml/2006/main">
   <p:cSld>
     <p:spTree>
@@ -44032,7 +43833,6 @@
               <a:rPr lang="en-US" sz="2000" dirty="0"/>
               <a:t>: </a:t>
             </a:r>
-            <a:endParaRPr lang="en-US" sz="2000" dirty="0" smtClean="0"/>
           </a:p>
           <a:p>
             <a:pPr lvl="0"/>
@@ -44041,11 +43841,7 @@
           <a:p>
             <a:r>
               <a:rPr lang="en-US" sz="2000" dirty="0"/>
-              <a:t>T(n) = O(max(f(n),g(n</a:t>
-            </a:r>
-            <a:r>
-              <a:rPr lang="en-US" sz="2000" dirty="0" smtClean="0"/>
-              <a:t>)))</a:t>
+              <a:t>T(n) = O(max(f(n),g(n)))</a:t>
             </a:r>
           </a:p>
           <a:p>
@@ -44114,24 +43910,12 @@
               <a:buNone/>
             </a:pPr>
             <a:r>
-              <a:rPr lang="en-US" sz="2000" dirty="0" err="1" smtClean="0"/>
+              <a:rPr lang="en-US" sz="2000" dirty="0" err="1"/>
               <a:t>Thì</a:t>
             </a:r>
             <a:r>
-              <a:rPr lang="en-US" sz="2000" dirty="0" smtClean="0"/>
-              <a:t> </a:t>
-            </a:r>
-            <a:r>
               <a:rPr lang="en-US" sz="2000" dirty="0"/>
-              <a:t>T(n) = </a:t>
-            </a:r>
-            <a:r>
-              <a:rPr lang="en-US" sz="2000" dirty="0" smtClean="0"/>
-              <a:t>O(max(1,n^2)) </a:t>
-            </a:r>
-            <a:r>
-              <a:rPr lang="en-US" sz="2000" dirty="0"/>
-              <a:t>= O(n^2)</a:t>
+              <a:t> T(n) = O(max(1,n^2)) = O(n^2)</a:t>
             </a:r>
             <a:endParaRPr lang="vi-VN" sz="2000" dirty="0"/>
           </a:p>
@@ -44197,7 +43981,7 @@
 </p:sld>
 </file>
 
-<file path=ppt/slides/slide37.xml><?xml version="1.0" encoding="utf-8"?>
+<file path=ppt/slides/slide38.xml><?xml version="1.0" encoding="utf-8"?>
 <p:sld xmlns:a="http://schemas.openxmlformats.org/drawingml/2006/main" xmlns:r="http://schemas.openxmlformats.org/officeDocument/2006/relationships" xmlns:p="http://schemas.openxmlformats.org/presentationml/2006/main">
   <p:cSld>
     <p:spTree>
@@ -44429,7 +44213,6 @@
               <a:rPr lang="en-US" sz="2000" dirty="0"/>
               <a:t>: </a:t>
             </a:r>
-            <a:endParaRPr lang="en-US" sz="2000" dirty="0" smtClean="0"/>
           </a:p>
           <a:p>
             <a:pPr lvl="0"/>
@@ -44446,19 +44229,15 @@
             <a:pPr marL="0" indent="0">
               <a:buNone/>
             </a:pPr>
-            <a:endParaRPr lang="en-US" sz="2000" dirty="0" smtClean="0"/>
+            <a:endParaRPr lang="en-US" sz="2000" dirty="0"/>
           </a:p>
           <a:p>
             <a:pPr marL="0" indent="0">
               <a:buNone/>
             </a:pPr>
             <a:r>
-              <a:rPr lang="en-US" sz="2000" dirty="0" smtClean="0"/>
-              <a:t>VD</a:t>
-            </a:r>
-            <a:r>
               <a:rPr lang="en-US" sz="2000" dirty="0"/>
-              <a:t>: P1 </a:t>
+              <a:t>VD: P1 </a:t>
             </a:r>
             <a:r>
               <a:rPr lang="en-US" sz="2000" dirty="0" err="1"/>
@@ -44586,7 +44365,7 @@
 </p:sld>
 </file>
 
-<file path=ppt/slides/slide38.xml><?xml version="1.0" encoding="utf-8"?>
+<file path=ppt/slides/slide39.xml><?xml version="1.0" encoding="utf-8"?>
 <p:sld xmlns:a="http://schemas.openxmlformats.org/drawingml/2006/main" xmlns:r="http://schemas.openxmlformats.org/officeDocument/2006/relationships" xmlns:p="http://schemas.openxmlformats.org/presentationml/2006/main">
   <p:cSld>
     <p:spTree>
@@ -44809,7 +44588,7 @@
               <a:t>cộng</a:t>
             </a:r>
             <a:r>
-              <a:rPr lang="en-US" sz="2000" dirty="0" smtClean="0"/>
+              <a:rPr lang="en-US" sz="2000" dirty="0"/>
               <a:t>.</a:t>
             </a:r>
           </a:p>
@@ -44871,106 +44650,102 @@
             </a:r>
             <a:r>
               <a:rPr lang="en-US" sz="2000" dirty="0"/>
-              <a:t> IF…ELSE: Max(DK,CV1,CV2</a:t>
-            </a:r>
-            <a:r>
-              <a:rPr lang="en-US" sz="2000" dirty="0" smtClean="0"/>
-              <a:t>) </a:t>
-            </a:r>
-            <a:r>
-              <a:rPr lang="en-US" sz="2000" dirty="0" err="1" smtClean="0"/>
+              <a:t> IF…ELSE: Max(DK,CV1,CV2) </a:t>
+            </a:r>
+            <a:r>
+              <a:rPr lang="en-US" sz="2000" dirty="0" err="1"/>
               <a:t>với</a:t>
             </a:r>
             <a:r>
-              <a:rPr lang="en-US" sz="2000" dirty="0" smtClean="0"/>
+              <a:rPr lang="en-US" sz="2000" dirty="0"/>
               <a:t> CV1 </a:t>
             </a:r>
             <a:r>
-              <a:rPr lang="en-US" sz="2000" dirty="0" err="1" smtClean="0"/>
+              <a:rPr lang="en-US" sz="2000" dirty="0" err="1"/>
               <a:t>là</a:t>
             </a:r>
             <a:r>
-              <a:rPr lang="en-US" sz="2000" dirty="0" smtClean="0"/>
+              <a:rPr lang="en-US" sz="2000" dirty="0"/>
               <a:t> </a:t>
             </a:r>
             <a:r>
-              <a:rPr lang="en-US" sz="2000" dirty="0" err="1" smtClean="0"/>
+              <a:rPr lang="en-US" sz="2000" dirty="0" err="1"/>
               <a:t>thời</a:t>
             </a:r>
             <a:r>
-              <a:rPr lang="en-US" sz="2000" dirty="0" smtClean="0"/>
+              <a:rPr lang="en-US" sz="2000" dirty="0"/>
               <a:t> </a:t>
             </a:r>
             <a:r>
-              <a:rPr lang="en-US" sz="2000" dirty="0" err="1" smtClean="0"/>
+              <a:rPr lang="en-US" sz="2000" dirty="0" err="1"/>
               <a:t>gian</a:t>
             </a:r>
             <a:r>
-              <a:rPr lang="en-US" sz="2000" dirty="0" smtClean="0"/>
+              <a:rPr lang="en-US" sz="2000" dirty="0"/>
               <a:t> </a:t>
             </a:r>
             <a:r>
-              <a:rPr lang="en-US" sz="2000" dirty="0" err="1" smtClean="0"/>
+              <a:rPr lang="en-US" sz="2000" dirty="0" err="1"/>
               <a:t>thực</a:t>
             </a:r>
             <a:r>
-              <a:rPr lang="en-US" sz="2000" dirty="0" smtClean="0"/>
+              <a:rPr lang="en-US" sz="2000" dirty="0"/>
               <a:t> </a:t>
             </a:r>
             <a:r>
-              <a:rPr lang="en-US" sz="2000" dirty="0" err="1" smtClean="0"/>
+              <a:rPr lang="en-US" sz="2000" dirty="0" err="1"/>
               <a:t>hiện</a:t>
             </a:r>
             <a:r>
-              <a:rPr lang="en-US" sz="2000" dirty="0" smtClean="0"/>
+              <a:rPr lang="en-US" sz="2000" dirty="0"/>
               <a:t> </a:t>
             </a:r>
             <a:r>
-              <a:rPr lang="en-US" sz="2000" dirty="0" err="1" smtClean="0"/>
+              <a:rPr lang="en-US" sz="2000" dirty="0" err="1"/>
               <a:t>các</a:t>
             </a:r>
             <a:r>
-              <a:rPr lang="en-US" sz="2000" dirty="0" smtClean="0"/>
+              <a:rPr lang="en-US" sz="2000" dirty="0"/>
               <a:t> </a:t>
             </a:r>
             <a:r>
-              <a:rPr lang="en-US" sz="2000" dirty="0" err="1" smtClean="0"/>
+              <a:rPr lang="en-US" sz="2000" dirty="0" err="1"/>
               <a:t>lệnh</a:t>
             </a:r>
             <a:r>
-              <a:rPr lang="en-US" sz="2000" dirty="0" smtClean="0"/>
+              <a:rPr lang="en-US" sz="2000" dirty="0"/>
               <a:t> </a:t>
             </a:r>
             <a:r>
-              <a:rPr lang="en-US" sz="2000" dirty="0" err="1" smtClean="0"/>
+              <a:rPr lang="en-US" sz="2000" dirty="0" err="1"/>
               <a:t>của</a:t>
             </a:r>
             <a:r>
-              <a:rPr lang="en-US" sz="2000" dirty="0" smtClean="0"/>
+              <a:rPr lang="en-US" sz="2000" dirty="0"/>
               <a:t> IF, </a:t>
             </a:r>
             <a:r>
-              <a:rPr lang="en-US" sz="2000" dirty="0" err="1" smtClean="0"/>
+              <a:rPr lang="en-US" sz="2000" dirty="0" err="1"/>
               <a:t>tương</a:t>
             </a:r>
             <a:r>
-              <a:rPr lang="en-US" sz="2000" dirty="0" smtClean="0"/>
+              <a:rPr lang="en-US" sz="2000" dirty="0"/>
               <a:t> </a:t>
             </a:r>
             <a:r>
-              <a:rPr lang="en-US" sz="2000" dirty="0" err="1" smtClean="0"/>
+              <a:rPr lang="en-US" sz="2000" dirty="0" err="1"/>
               <a:t>tự</a:t>
             </a:r>
             <a:r>
-              <a:rPr lang="en-US" sz="2000" dirty="0" smtClean="0"/>
+              <a:rPr lang="en-US" sz="2000" dirty="0"/>
               <a:t> CV2 </a:t>
             </a:r>
             <a:r>
-              <a:rPr lang="en-US" sz="2000" dirty="0" err="1" smtClean="0"/>
+              <a:rPr lang="en-US" sz="2000" dirty="0" err="1"/>
               <a:t>là</a:t>
             </a:r>
             <a:r>
-              <a:rPr lang="en-US" sz="2000" dirty="0" smtClean="0"/>
+              <a:rPr lang="en-US" sz="2000" dirty="0"/>
               <a:t> ELSE.</a:t>
             </a:r>
           </a:p>
@@ -45177,419 +44952,6 @@
     <p:extLst>
       <p:ext uri="{BB962C8B-B14F-4D97-AF65-F5344CB8AC3E}">
         <p14:creationId xmlns:p14="http://schemas.microsoft.com/office/powerpoint/2010/main" val="77343557"/>
-      </p:ext>
-    </p:extLst>
-  </p:cSld>
-  <p:clrMapOvr>
-    <a:masterClrMapping/>
-  </p:clrMapOvr>
-</p:sld>
-</file>
-
-<file path=ppt/slides/slide39.xml><?xml version="1.0" encoding="utf-8"?>
-<p:sld xmlns:a="http://schemas.openxmlformats.org/drawingml/2006/main" xmlns:r="http://schemas.openxmlformats.org/officeDocument/2006/relationships" xmlns:p="http://schemas.openxmlformats.org/presentationml/2006/main">
-  <p:cSld>
-    <p:spTree>
-      <p:nvGrpSpPr>
-        <p:cNvPr id="1" name=""/>
-        <p:cNvGrpSpPr/>
-        <p:nvPr/>
-      </p:nvGrpSpPr>
-      <p:grpSpPr>
-        <a:xfrm>
-          <a:off x="0" y="0"/>
-          <a:ext cx="0" cy="0"/>
-          <a:chOff x="0" y="0"/>
-          <a:chExt cx="0" cy="0"/>
-        </a:xfrm>
-      </p:grpSpPr>
-      <p:sp>
-        <p:nvSpPr>
-          <p:cNvPr id="2" name="Title 1"/>
-          <p:cNvSpPr>
-            <a:spLocks noGrp="1"/>
-          </p:cNvSpPr>
-          <p:nvPr>
-            <p:ph type="title"/>
-          </p:nvPr>
-        </p:nvSpPr>
-        <p:spPr>
-          <a:xfrm>
-            <a:off x="749394" y="205200"/>
-            <a:ext cx="7937045" cy="544195"/>
-          </a:xfrm>
-        </p:spPr>
-        <p:txBody>
-          <a:bodyPr/>
-          <a:lstStyle/>
-          <a:p>
-            <a:r>
-              <a:rPr lang="en-US" dirty="0"/>
-              <a:t>Q</a:t>
-            </a:r>
-            <a:r>
-              <a:rPr lang="en-US" dirty="0" smtClean="0"/>
-              <a:t>uiz</a:t>
-            </a:r>
-            <a:endParaRPr lang="en-US" dirty="0"/>
-          </a:p>
-        </p:txBody>
-      </p:sp>
-      <p:sp>
-        <p:nvSpPr>
-          <p:cNvPr id="3" name="Text Placeholder 2"/>
-          <p:cNvSpPr>
-            <a:spLocks noGrp="1"/>
-          </p:cNvSpPr>
-          <p:nvPr>
-            <p:ph type="body"/>
-          </p:nvPr>
-        </p:nvSpPr>
-        <p:spPr>
-          <a:xfrm>
-            <a:off x="2454443" y="205200"/>
-            <a:ext cx="6971440" cy="2268490"/>
-          </a:xfrm>
-        </p:spPr>
-        <p:txBody>
-          <a:bodyPr>
-            <a:normAutofit/>
-          </a:bodyPr>
-          <a:lstStyle/>
-          <a:p>
-            <a:pPr>
-              <a:lnSpc>
-                <a:spcPct val="150000"/>
-              </a:lnSpc>
-            </a:pPr>
-            <a:r>
-              <a:rPr lang="en-US" sz="1800" dirty="0" err="1" smtClean="0"/>
-              <a:t>Có</a:t>
-            </a:r>
-            <a:r>
-              <a:rPr lang="en-US" sz="1800" dirty="0" smtClean="0"/>
-              <a:t> </a:t>
-            </a:r>
-            <a:r>
-              <a:rPr lang="en-US" sz="1800" dirty="0" err="1" smtClean="0"/>
-              <a:t>thuật</a:t>
-            </a:r>
-            <a:r>
-              <a:rPr lang="en-US" sz="1800" dirty="0" smtClean="0"/>
-              <a:t> </a:t>
-            </a:r>
-            <a:r>
-              <a:rPr lang="en-US" sz="1800" dirty="0" err="1" smtClean="0"/>
-              <a:t>toán</a:t>
-            </a:r>
-            <a:r>
-              <a:rPr lang="en-US" sz="1800" dirty="0" smtClean="0"/>
-              <a:t> </a:t>
-            </a:r>
-            <a:r>
-              <a:rPr lang="en-US" sz="1800" b="1" dirty="0" smtClean="0"/>
-              <a:t>A</a:t>
-            </a:r>
-            <a:r>
-              <a:rPr lang="en-US" sz="1800" dirty="0" smtClean="0"/>
-              <a:t> </a:t>
-            </a:r>
-            <a:r>
-              <a:rPr lang="en-US" sz="1800" dirty="0" err="1" smtClean="0"/>
-              <a:t>như</a:t>
-            </a:r>
-            <a:r>
-              <a:rPr lang="en-US" sz="1800" dirty="0" smtClean="0"/>
-              <a:t> </a:t>
-            </a:r>
-            <a:r>
-              <a:rPr lang="en-US" sz="1800" dirty="0" err="1" smtClean="0"/>
-              <a:t>sau</a:t>
-            </a:r>
-            <a:r>
-              <a:rPr lang="en-US" sz="1800" dirty="0" smtClean="0"/>
-              <a:t>:</a:t>
-            </a:r>
-          </a:p>
-          <a:p>
-            <a:pPr marL="0" indent="0">
-              <a:lnSpc>
-                <a:spcPct val="150000"/>
-              </a:lnSpc>
-              <a:buNone/>
-            </a:pPr>
-            <a:r>
-              <a:rPr lang="en-US" sz="1800" dirty="0" smtClean="0"/>
-              <a:t>+ input : </a:t>
-            </a:r>
-            <a:r>
-              <a:rPr lang="en-US" sz="1800" b="1" dirty="0" smtClean="0"/>
-              <a:t>n</a:t>
-            </a:r>
-          </a:p>
-          <a:p>
-            <a:pPr marL="0" indent="0">
-              <a:lnSpc>
-                <a:spcPct val="150000"/>
-              </a:lnSpc>
-              <a:buNone/>
-            </a:pPr>
-            <a:r>
-              <a:rPr lang="en-US" sz="1800" dirty="0" smtClean="0"/>
-              <a:t>+ </a:t>
-            </a:r>
-            <a:r>
-              <a:rPr lang="en-US" sz="1800" dirty="0" err="1" smtClean="0"/>
-              <a:t>thuật</a:t>
-            </a:r>
-            <a:r>
-              <a:rPr lang="en-US" sz="1800" dirty="0" smtClean="0"/>
-              <a:t> </a:t>
-            </a:r>
-            <a:r>
-              <a:rPr lang="en-US" sz="1800" dirty="0" err="1" smtClean="0"/>
-              <a:t>toán</a:t>
-            </a:r>
-            <a:r>
-              <a:rPr lang="en-US" sz="1800" dirty="0" smtClean="0"/>
-              <a:t> </a:t>
-            </a:r>
-            <a:r>
-              <a:rPr lang="en-US" sz="1800" b="1" dirty="0" smtClean="0"/>
-              <a:t>A</a:t>
-            </a:r>
-            <a:r>
-              <a:rPr lang="en-US" sz="1800" dirty="0" smtClean="0"/>
-              <a:t> :  </a:t>
-            </a:r>
-            <a:r>
-              <a:rPr lang="en-US" sz="1800" dirty="0" smtClean="0">
-                <a:sym typeface="Wingdings" panose="05000000000000000000" pitchFamily="2" charset="2"/>
-              </a:rPr>
-              <a:t></a:t>
-            </a:r>
-            <a:r>
-              <a:rPr lang="en-US" sz="1800" dirty="0" err="1" smtClean="0"/>
-              <a:t>nhận</a:t>
-            </a:r>
-            <a:r>
-              <a:rPr lang="en-US" sz="1800" dirty="0" smtClean="0"/>
-              <a:t> input</a:t>
-            </a:r>
-          </a:p>
-          <a:p>
-            <a:pPr marL="0" indent="0">
-              <a:lnSpc>
-                <a:spcPct val="150000"/>
-              </a:lnSpc>
-              <a:buNone/>
-            </a:pPr>
-            <a:r>
-              <a:rPr lang="en-US" sz="1800" dirty="0"/>
-              <a:t>	</a:t>
-            </a:r>
-            <a:r>
-              <a:rPr lang="en-US" sz="1800" dirty="0" smtClean="0"/>
-              <a:t>            {</a:t>
-            </a:r>
-            <a:r>
-              <a:rPr lang="en-US" sz="1800" dirty="0" err="1" smtClean="0"/>
-              <a:t>chạy</a:t>
-            </a:r>
-            <a:r>
-              <a:rPr lang="en-US" sz="1800" dirty="0" smtClean="0"/>
-              <a:t> </a:t>
-            </a:r>
-            <a:r>
-              <a:rPr lang="en-US" sz="1800" dirty="0" err="1" smtClean="0"/>
-              <a:t>một</a:t>
-            </a:r>
-            <a:r>
-              <a:rPr lang="en-US" sz="1800" dirty="0" smtClean="0"/>
-              <a:t> </a:t>
-            </a:r>
-            <a:r>
-              <a:rPr lang="en-US" sz="1800" dirty="0" err="1" smtClean="0"/>
-              <a:t>lệnh</a:t>
-            </a:r>
-            <a:r>
-              <a:rPr lang="en-US" sz="1800" dirty="0" smtClean="0"/>
-              <a:t> </a:t>
-            </a:r>
-            <a:r>
-              <a:rPr lang="en-US" sz="1800" b="1" dirty="0" smtClean="0"/>
-              <a:t>O(1) n </a:t>
-            </a:r>
-            <a:r>
-              <a:rPr lang="en-US" sz="1800" b="1" dirty="0" err="1" smtClean="0"/>
-              <a:t>lần</a:t>
-            </a:r>
-            <a:r>
-              <a:rPr lang="en-US" sz="1800" dirty="0" smtClean="0"/>
-              <a:t>} (</a:t>
-            </a:r>
-            <a:r>
-              <a:rPr lang="en-US" sz="1800" dirty="0" err="1" smtClean="0"/>
-              <a:t>vòng</a:t>
-            </a:r>
-            <a:r>
-              <a:rPr lang="en-US" sz="1800" dirty="0" smtClean="0"/>
-              <a:t> </a:t>
-            </a:r>
-            <a:r>
-              <a:rPr lang="en-US" sz="1800" dirty="0" err="1" smtClean="0"/>
-              <a:t>lặp</a:t>
-            </a:r>
-            <a:r>
-              <a:rPr lang="en-US" sz="1800" dirty="0" smtClean="0"/>
-              <a:t>)</a:t>
-            </a:r>
-          </a:p>
-          <a:p>
-            <a:pPr marL="0" indent="0">
-              <a:lnSpc>
-                <a:spcPct val="150000"/>
-              </a:lnSpc>
-              <a:buNone/>
-            </a:pPr>
-            <a:r>
-              <a:rPr lang="en-US" sz="1800" dirty="0" smtClean="0"/>
-              <a:t>                          </a:t>
-            </a:r>
-            <a:r>
-              <a:rPr lang="en-US" sz="1800" dirty="0" smtClean="0">
-                <a:sym typeface="Wingdings" panose="05000000000000000000" pitchFamily="2" charset="2"/>
-              </a:rPr>
-              <a:t></a:t>
-            </a:r>
-            <a:r>
-              <a:rPr lang="en-US" sz="1800" dirty="0" err="1" smtClean="0"/>
-              <a:t>xuất</a:t>
-            </a:r>
-            <a:r>
-              <a:rPr lang="en-US" sz="1800" dirty="0" smtClean="0"/>
-              <a:t> output</a:t>
-            </a:r>
-            <a:endParaRPr lang="en-US" sz="1800" dirty="0"/>
-          </a:p>
-        </p:txBody>
-      </p:sp>
-      <p:sp>
-        <p:nvSpPr>
-          <p:cNvPr id="4" name="TextBox 3"/>
-          <p:cNvSpPr txBox="1"/>
-          <p:nvPr/>
-        </p:nvSpPr>
-        <p:spPr>
-          <a:xfrm>
-            <a:off x="2021306" y="2833954"/>
-            <a:ext cx="3808854" cy="1477328"/>
-          </a:xfrm>
-          <a:prstGeom prst="rect">
-            <a:avLst/>
-          </a:prstGeom>
-          <a:noFill/>
-        </p:spPr>
-        <p:txBody>
-          <a:bodyPr wrap="square" rtlCol="0">
-            <a:spAutoFit/>
-          </a:bodyPr>
-          <a:lstStyle/>
-          <a:p>
-            <a:r>
-              <a:rPr lang="en-US" dirty="0" err="1" smtClean="0"/>
-              <a:t>Độ</a:t>
-            </a:r>
-            <a:r>
-              <a:rPr lang="en-US" dirty="0" smtClean="0"/>
-              <a:t> </a:t>
-            </a:r>
-            <a:r>
-              <a:rPr lang="en-US" dirty="0" err="1" smtClean="0"/>
-              <a:t>phức</a:t>
-            </a:r>
-            <a:r>
-              <a:rPr lang="en-US" dirty="0" smtClean="0"/>
-              <a:t> </a:t>
-            </a:r>
-            <a:r>
-              <a:rPr lang="en-US" dirty="0" err="1" smtClean="0"/>
-              <a:t>tạp</a:t>
-            </a:r>
-            <a:r>
-              <a:rPr lang="en-US" dirty="0" smtClean="0"/>
-              <a:t> </a:t>
-            </a:r>
-            <a:r>
-              <a:rPr lang="en-US" dirty="0" err="1" smtClean="0"/>
-              <a:t>của</a:t>
-            </a:r>
-            <a:r>
-              <a:rPr lang="en-US" dirty="0" smtClean="0"/>
-              <a:t> </a:t>
-            </a:r>
-            <a:r>
-              <a:rPr lang="en-US" dirty="0" err="1" smtClean="0"/>
-              <a:t>thuật</a:t>
-            </a:r>
-            <a:r>
-              <a:rPr lang="en-US" dirty="0" smtClean="0"/>
-              <a:t> </a:t>
-            </a:r>
-            <a:r>
-              <a:rPr lang="en-US" dirty="0" err="1" smtClean="0"/>
-              <a:t>toán</a:t>
-            </a:r>
-            <a:r>
-              <a:rPr lang="en-US" dirty="0" smtClean="0"/>
-              <a:t> </a:t>
-            </a:r>
-            <a:r>
-              <a:rPr lang="en-US" b="1" dirty="0" smtClean="0"/>
-              <a:t>A</a:t>
-            </a:r>
-            <a:r>
-              <a:rPr lang="en-US" dirty="0" smtClean="0"/>
-              <a:t> </a:t>
-            </a:r>
-            <a:r>
-              <a:rPr lang="en-US" dirty="0" err="1" smtClean="0"/>
-              <a:t>là</a:t>
-            </a:r>
-            <a:r>
-              <a:rPr lang="en-US" dirty="0" smtClean="0"/>
-              <a:t>:</a:t>
-            </a:r>
-          </a:p>
-          <a:p>
-            <a:endParaRPr lang="en-US" dirty="0"/>
-          </a:p>
-          <a:p>
-            <a:pPr marL="342900" indent="-342900" algn="ctr">
-              <a:buAutoNum type="alphaUcPeriod"/>
-            </a:pPr>
-            <a:r>
-              <a:rPr lang="en-US" dirty="0" smtClean="0"/>
-              <a:t>O(1)		      B.O(n) </a:t>
-            </a:r>
-          </a:p>
-          <a:p>
-            <a:pPr lvl="1" algn="ctr"/>
-            <a:endParaRPr lang="en-US" dirty="0" smtClean="0"/>
-          </a:p>
-          <a:p>
-            <a:pPr algn="ctr"/>
-            <a:r>
-              <a:rPr lang="en-US" dirty="0" smtClean="0"/>
-              <a:t>C. O(n^2) 	D. O(log(n))</a:t>
-            </a:r>
-          </a:p>
-        </p:txBody>
-      </p:sp>
-    </p:spTree>
-    <p:extLst>
-      <p:ext uri="{BB962C8B-B14F-4D97-AF65-F5344CB8AC3E}">
-        <p14:creationId xmlns:p14="http://schemas.microsoft.com/office/powerpoint/2010/main" val="3746310797"/>
       </p:ext>
     </p:extLst>
   </p:cSld>
@@ -48162,14 +47524,6 @@
   <p:clrMapOvr>
     <a:masterClrMapping/>
   </p:clrMapOvr>
-  <mc:AlternateContent xmlns:mc="http://schemas.openxmlformats.org/markup-compatibility/2006" xmlns:p14="http://schemas.microsoft.com/office/powerpoint/2010/main">
-    <mc:Choice Requires="p14">
-      <p:transition spd="slow" p14:dur="2000"/>
-    </mc:Choice>
-    <mc:Fallback xmlns:p15="http://schemas.microsoft.com/office/powerpoint/2012/main" xmlns="">
-      <p:transition spd="slow"/>
-    </mc:Fallback>
-  </mc:AlternateContent>
   <p:timing>
     <p:tnLst>
       <p:par>
@@ -48321,7 +47675,7 @@
       </p:grpSpPr>
       <p:sp>
         <p:nvSpPr>
-          <p:cNvPr id="4" name="Title 1"/>
+          <p:cNvPr id="2" name="Title 1"/>
           <p:cNvSpPr>
             <a:spLocks noGrp="1"/>
           </p:cNvSpPr>
@@ -48341,19 +47695,14 @@
           <a:p>
             <a:r>
               <a:rPr lang="en-US" dirty="0"/>
-              <a:t>Q</a:t>
-            </a:r>
-            <a:r>
-              <a:rPr lang="en-US" dirty="0" smtClean="0"/>
-              <a:t>uiz</a:t>
-            </a:r>
-            <a:endParaRPr lang="en-US" dirty="0"/>
+              <a:t>Quiz</a:t>
+            </a:r>
           </a:p>
         </p:txBody>
       </p:sp>
       <p:sp>
         <p:nvSpPr>
-          <p:cNvPr id="5" name="Text Placeholder 2"/>
+          <p:cNvPr id="3" name="Text Placeholder 2"/>
           <p:cNvSpPr>
             <a:spLocks noGrp="1"/>
           </p:cNvSpPr>
@@ -48363,13 +47712,13 @@
         </p:nvSpPr>
         <p:spPr>
           <a:xfrm>
-            <a:off x="2255062" y="385332"/>
+            <a:off x="2454443" y="205200"/>
             <a:ext cx="6971440" cy="2268490"/>
           </a:xfrm>
         </p:spPr>
         <p:txBody>
           <a:bodyPr>
-            <a:normAutofit fontScale="85000" lnSpcReduction="10000"/>
+            <a:normAutofit/>
           </a:bodyPr>
           <a:lstStyle/>
           <a:p>
@@ -48379,63 +47728,51 @@
               </a:lnSpc>
             </a:pPr>
             <a:r>
-              <a:rPr lang="en-US" sz="1800" dirty="0" smtClean="0"/>
-              <a:t>. </a:t>
-            </a:r>
-            <a:r>
-              <a:rPr lang="en-US" sz="1800" dirty="0" err="1" smtClean="0"/>
+              <a:rPr lang="en-US" sz="1800" dirty="0" err="1"/>
               <a:t>Có</a:t>
             </a:r>
             <a:r>
-              <a:rPr lang="en-US" sz="1800" dirty="0" smtClean="0"/>
+              <a:rPr lang="en-US" sz="1800" dirty="0"/>
               <a:t> </a:t>
             </a:r>
             <a:r>
-              <a:rPr lang="en-US" sz="1800" dirty="0" err="1" smtClean="0"/>
+              <a:rPr lang="en-US" sz="1800" dirty="0" err="1"/>
               <a:t>thuật</a:t>
             </a:r>
             <a:r>
-              <a:rPr lang="en-US" sz="1800" dirty="0" smtClean="0"/>
+              <a:rPr lang="en-US" sz="1800" dirty="0"/>
               <a:t> </a:t>
             </a:r>
             <a:r>
-              <a:rPr lang="en-US" sz="1800" dirty="0" err="1" smtClean="0"/>
+              <a:rPr lang="en-US" sz="1800" dirty="0" err="1"/>
               <a:t>toán</a:t>
             </a:r>
             <a:r>
-              <a:rPr lang="en-US" sz="1800" dirty="0" smtClean="0"/>
+              <a:rPr lang="en-US" sz="1800" dirty="0"/>
               <a:t> </a:t>
             </a:r>
             <a:r>
-              <a:rPr lang="en-US" sz="1800" b="1" dirty="0" smtClean="0"/>
-              <a:t>B</a:t>
-            </a:r>
-            <a:r>
-              <a:rPr lang="en-US" sz="1800" dirty="0" smtClean="0"/>
+              <a:rPr lang="en-US" sz="1800" b="1" dirty="0"/>
+              <a:t>A</a:t>
+            </a:r>
+            <a:r>
+              <a:rPr lang="en-US" sz="1800" dirty="0"/>
               <a:t> </a:t>
             </a:r>
             <a:r>
-              <a:rPr lang="en-US" sz="1800" dirty="0" err="1" smtClean="0"/>
-              <a:t>gần</a:t>
-            </a:r>
-            <a:r>
-              <a:rPr lang="en-US" sz="1800" dirty="0" smtClean="0"/>
+              <a:rPr lang="en-US" sz="1800" dirty="0" err="1"/>
+              <a:t>như</a:t>
+            </a:r>
+            <a:r>
+              <a:rPr lang="en-US" sz="1800" dirty="0"/>
               <a:t> </a:t>
             </a:r>
             <a:r>
-              <a:rPr lang="en-US" sz="1800" dirty="0" err="1" smtClean="0"/>
-              <a:t>giống</a:t>
-            </a:r>
-            <a:r>
-              <a:rPr lang="en-US" sz="1800" dirty="0" smtClean="0"/>
-              <a:t> </a:t>
-            </a:r>
-            <a:r>
-              <a:rPr lang="en-US" sz="1800" b="1" dirty="0" smtClean="0"/>
-              <a:t>A</a:t>
-            </a:r>
-            <a:r>
-              <a:rPr lang="en-US" sz="1800" dirty="0" smtClean="0"/>
+              <a:rPr lang="en-US" sz="1800" dirty="0" err="1"/>
+              <a:t>sau</a:t>
+            </a:r>
+            <a:r>
+              <a:rPr lang="en-US" sz="1800" dirty="0"/>
               <a:t>:</a:t>
             </a:r>
           </a:p>
@@ -48447,11 +47784,11 @@
               <a:buNone/>
             </a:pPr>
             <a:r>
-              <a:rPr lang="en-US" sz="1800" dirty="0" smtClean="0"/>
+              <a:rPr lang="en-US" sz="1800" dirty="0"/>
               <a:t>+ input : </a:t>
             </a:r>
             <a:r>
-              <a:rPr lang="en-US" sz="1800" b="1" dirty="0" smtClean="0"/>
+              <a:rPr lang="en-US" sz="1800" b="1" dirty="0"/>
               <a:t>n</a:t>
             </a:r>
           </a:p>
@@ -48463,45 +47800,45 @@
               <a:buNone/>
             </a:pPr>
             <a:r>
-              <a:rPr lang="en-US" sz="1800" dirty="0" smtClean="0"/>
+              <a:rPr lang="en-US" sz="1800" dirty="0"/>
               <a:t>+ </a:t>
             </a:r>
             <a:r>
-              <a:rPr lang="en-US" sz="1800" dirty="0" err="1" smtClean="0"/>
+              <a:rPr lang="en-US" sz="1800" dirty="0" err="1"/>
               <a:t>thuật</a:t>
             </a:r>
             <a:r>
-              <a:rPr lang="en-US" sz="1800" dirty="0" smtClean="0"/>
+              <a:rPr lang="en-US" sz="1800" dirty="0"/>
               <a:t> </a:t>
             </a:r>
             <a:r>
-              <a:rPr lang="en-US" sz="1800" dirty="0" err="1" smtClean="0"/>
+              <a:rPr lang="en-US" sz="1800" dirty="0" err="1"/>
               <a:t>toán</a:t>
             </a:r>
             <a:r>
-              <a:rPr lang="en-US" sz="1800" dirty="0" smtClean="0"/>
+              <a:rPr lang="en-US" sz="1800" dirty="0"/>
               <a:t> </a:t>
             </a:r>
             <a:r>
-              <a:rPr lang="en-US" sz="1800" b="1" dirty="0" smtClean="0"/>
-              <a:t>B</a:t>
-            </a:r>
-            <a:r>
-              <a:rPr lang="en-US" sz="1800" dirty="0" smtClean="0"/>
+              <a:rPr lang="en-US" sz="1800" b="1" dirty="0"/>
+              <a:t>A</a:t>
+            </a:r>
+            <a:r>
+              <a:rPr lang="en-US" sz="1800" dirty="0"/>
               <a:t> :  </a:t>
             </a:r>
             <a:r>
-              <a:rPr lang="en-US" sz="1800" dirty="0" smtClean="0">
+              <a:rPr lang="en-US" sz="1800" dirty="0">
                 <a:sym typeface="Wingdings" panose="05000000000000000000" pitchFamily="2" charset="2"/>
               </a:rPr>
               <a:t></a:t>
             </a:r>
             <a:r>
-              <a:rPr lang="en-US" sz="1800" dirty="0" err="1" smtClean="0"/>
+              <a:rPr lang="en-US" sz="1800" dirty="0" err="1"/>
               <a:t>nhận</a:t>
             </a:r>
             <a:r>
-              <a:rPr lang="en-US" sz="1800" dirty="0" smtClean="0"/>
+              <a:rPr lang="en-US" sz="1800" dirty="0"/>
               <a:t> input</a:t>
             </a:r>
           </a:p>
@@ -48514,173 +47851,58 @@
             </a:pPr>
             <a:r>
               <a:rPr lang="en-US" sz="1800" dirty="0"/>
-              <a:t>	</a:t>
-            </a:r>
-            <a:r>
-              <a:rPr lang="en-US" sz="1800" dirty="0" smtClean="0"/>
-              <a:t>            {</a:t>
-            </a:r>
-            <a:r>
-              <a:rPr lang="en-US" sz="1800" dirty="0" err="1" smtClean="0"/>
+              <a:t>	            {</a:t>
+            </a:r>
+            <a:r>
+              <a:rPr lang="en-US" sz="1800" dirty="0" err="1"/>
               <a:t>chạy</a:t>
             </a:r>
             <a:r>
-              <a:rPr lang="en-US" sz="1800" dirty="0" smtClean="0"/>
+              <a:rPr lang="en-US" sz="1800" dirty="0"/>
               <a:t> </a:t>
             </a:r>
             <a:r>
-              <a:rPr lang="en-US" sz="1800" dirty="0" err="1" smtClean="0"/>
+              <a:rPr lang="en-US" sz="1800" dirty="0" err="1"/>
+              <a:t>một</a:t>
+            </a:r>
+            <a:r>
+              <a:rPr lang="en-US" sz="1800" dirty="0"/>
+              <a:t> </a:t>
+            </a:r>
+            <a:r>
+              <a:rPr lang="en-US" sz="1800" dirty="0" err="1"/>
               <a:t>lệnh</a:t>
             </a:r>
             <a:r>
-              <a:rPr lang="en-US" sz="1800" dirty="0" smtClean="0"/>
+              <a:rPr lang="en-US" sz="1800" dirty="0"/>
               <a:t> </a:t>
             </a:r>
             <a:r>
-              <a:rPr lang="en-US" sz="1800" dirty="0" err="1" smtClean="0"/>
-              <a:t>bên</a:t>
-            </a:r>
-            <a:r>
-              <a:rPr lang="en-US" sz="1800" dirty="0" smtClean="0"/>
+              <a:rPr lang="en-US" sz="1800" b="1" dirty="0"/>
+              <a:t>O(1) n </a:t>
+            </a:r>
+            <a:r>
+              <a:rPr lang="en-US" sz="1800" b="1" dirty="0" err="1"/>
+              <a:t>lần</a:t>
+            </a:r>
+            <a:r>
+              <a:rPr lang="en-US" sz="1800" dirty="0"/>
+              <a:t>} (</a:t>
+            </a:r>
+            <a:r>
+              <a:rPr lang="en-US" sz="1800" dirty="0" err="1"/>
+              <a:t>vòng</a:t>
+            </a:r>
+            <a:r>
+              <a:rPr lang="en-US" sz="1800" dirty="0"/>
               <a:t> </a:t>
             </a:r>
             <a:r>
-              <a:rPr lang="en-US" sz="1800" dirty="0" err="1" smtClean="0"/>
-              <a:t>dưới</a:t>
-            </a:r>
-            <a:r>
-              <a:rPr lang="en-US" sz="1800" dirty="0" smtClean="0"/>
-              <a:t> </a:t>
-            </a:r>
-            <a:r>
-              <a:rPr lang="en-US" sz="1800" b="1" dirty="0" smtClean="0"/>
-              <a:t>n </a:t>
-            </a:r>
-            <a:r>
-              <a:rPr lang="en-US" sz="1800" b="1" dirty="0" err="1" smtClean="0"/>
-              <a:t>lần</a:t>
-            </a:r>
-            <a:r>
-              <a:rPr lang="en-US" sz="1800" dirty="0" smtClean="0"/>
-              <a:t>} (</a:t>
-            </a:r>
-            <a:r>
-              <a:rPr lang="en-US" sz="1800" dirty="0" err="1" smtClean="0"/>
-              <a:t>vòng</a:t>
-            </a:r>
-            <a:r>
-              <a:rPr lang="en-US" sz="1800" dirty="0" smtClean="0"/>
-              <a:t> </a:t>
-            </a:r>
-            <a:r>
-              <a:rPr lang="en-US" sz="1800" dirty="0" err="1" smtClean="0"/>
+              <a:rPr lang="en-US" sz="1800" dirty="0" err="1"/>
               <a:t>lặp</a:t>
             </a:r>
             <a:r>
-              <a:rPr lang="en-US" sz="1800" dirty="0" smtClean="0"/>
-              <a:t>)</a:t>
-            </a:r>
-          </a:p>
-          <a:p>
-            <a:pPr>
-              <a:lnSpc>
-                <a:spcPct val="150000"/>
-              </a:lnSpc>
-            </a:pPr>
-            <a:r>
               <a:rPr lang="en-US" sz="1800" dirty="0"/>
-              <a:t>	</a:t>
-            </a:r>
-            <a:r>
-              <a:rPr lang="en-US" sz="1800" dirty="0" smtClean="0"/>
-              <a:t>                   {</a:t>
-            </a:r>
-            <a:r>
-              <a:rPr lang="en-US" sz="1800" dirty="0" err="1" smtClean="0"/>
-              <a:t>chạy</a:t>
-            </a:r>
-            <a:r>
-              <a:rPr lang="en-US" sz="1800" dirty="0" smtClean="0"/>
-              <a:t> </a:t>
-            </a:r>
-            <a:r>
-              <a:rPr lang="en-US" sz="1800" dirty="0" err="1" smtClean="0"/>
-              <a:t>một</a:t>
-            </a:r>
-            <a:r>
-              <a:rPr lang="en-US" sz="1800" dirty="0" smtClean="0"/>
-              <a:t> </a:t>
-            </a:r>
-            <a:r>
-              <a:rPr lang="en-US" sz="1800" dirty="0" err="1" smtClean="0"/>
-              <a:t>lệnh</a:t>
-            </a:r>
-            <a:r>
-              <a:rPr lang="en-US" sz="1800" dirty="0" smtClean="0"/>
-              <a:t> </a:t>
-            </a:r>
-            <a:r>
-              <a:rPr lang="en-US" sz="1800" b="1" dirty="0" smtClean="0"/>
-              <a:t>O(1)</a:t>
-            </a:r>
-            <a:r>
-              <a:rPr lang="en-US" sz="1800" dirty="0" smtClean="0"/>
-              <a:t> </a:t>
-            </a:r>
-            <a:r>
-              <a:rPr lang="en-US" sz="1800" b="1" dirty="0" smtClean="0"/>
-              <a:t>n</a:t>
-            </a:r>
-            <a:r>
-              <a:rPr lang="en-US" sz="1800" dirty="0" smtClean="0"/>
-              <a:t> </a:t>
-            </a:r>
-            <a:r>
-              <a:rPr lang="en-US" sz="1800" dirty="0" err="1" smtClean="0"/>
-              <a:t>lần</a:t>
-            </a:r>
-            <a:r>
-              <a:rPr lang="en-US" sz="1800" dirty="0" smtClean="0"/>
-              <a:t>} (</a:t>
-            </a:r>
-            <a:r>
-              <a:rPr lang="en-US" sz="1800" dirty="0" err="1" smtClean="0"/>
-              <a:t>vòng</a:t>
-            </a:r>
-            <a:r>
-              <a:rPr lang="en-US" sz="1800" dirty="0" smtClean="0"/>
-              <a:t> </a:t>
-            </a:r>
-            <a:r>
-              <a:rPr lang="en-US" sz="1800" dirty="0" err="1" smtClean="0"/>
-              <a:t>lặp</a:t>
-            </a:r>
-            <a:r>
-              <a:rPr lang="en-US" sz="1800" dirty="0" smtClean="0"/>
-              <a:t> </a:t>
-            </a:r>
-            <a:r>
-              <a:rPr lang="en-US" sz="1800" dirty="0" err="1" smtClean="0"/>
-              <a:t>trong</a:t>
-            </a:r>
-            <a:r>
-              <a:rPr lang="en-US" sz="1800" dirty="0" smtClean="0"/>
-              <a:t> </a:t>
-            </a:r>
-            <a:r>
-              <a:rPr lang="en-US" sz="1800" dirty="0" err="1" smtClean="0"/>
-              <a:t>vòng</a:t>
-            </a:r>
-            <a:r>
-              <a:rPr lang="en-US" sz="1800" dirty="0" smtClean="0"/>
-              <a:t> </a:t>
-            </a:r>
-            <a:r>
-              <a:rPr lang="en-US" sz="1800" dirty="0" err="1" smtClean="0"/>
-              <a:t>lặp</a:t>
-            </a:r>
-            <a:r>
-              <a:rPr lang="en-US" sz="1800" dirty="0" smtClean="0"/>
               <a:t>)</a:t>
             </a:r>
           </a:p>
@@ -48692,30 +47914,29 @@
               <a:buNone/>
             </a:pPr>
             <a:r>
-              <a:rPr lang="en-US" sz="1800" dirty="0" smtClean="0"/>
+              <a:rPr lang="en-US" sz="1800" dirty="0"/>
               <a:t>                          </a:t>
             </a:r>
             <a:r>
-              <a:rPr lang="en-US" sz="1800" dirty="0" smtClean="0">
+              <a:rPr lang="en-US" sz="1800" dirty="0">
                 <a:sym typeface="Wingdings" panose="05000000000000000000" pitchFamily="2" charset="2"/>
               </a:rPr>
               <a:t></a:t>
             </a:r>
             <a:r>
-              <a:rPr lang="en-US" sz="1800" dirty="0" err="1" smtClean="0"/>
+              <a:rPr lang="en-US" sz="1800" dirty="0" err="1"/>
               <a:t>xuất</a:t>
             </a:r>
             <a:r>
-              <a:rPr lang="en-US" sz="1800" dirty="0" smtClean="0"/>
+              <a:rPr lang="en-US" sz="1800" dirty="0"/>
               <a:t> output</a:t>
             </a:r>
-            <a:endParaRPr lang="en-US" sz="1800" dirty="0"/>
           </a:p>
         </p:txBody>
       </p:sp>
       <p:sp>
         <p:nvSpPr>
-          <p:cNvPr id="6" name="TextBox 5"/>
+          <p:cNvPr id="4" name="TextBox 3"/>
           <p:cNvSpPr txBox="1"/>
           <p:nvPr/>
         </p:nvSpPr>
@@ -48736,67 +47957,67 @@
           <a:lstStyle/>
           <a:p>
             <a:r>
-              <a:rPr lang="en-US" dirty="0" err="1" smtClean="0"/>
+              <a:rPr lang="en-US" dirty="0" err="1"/>
               <a:t>Độ</a:t>
             </a:r>
             <a:r>
-              <a:rPr lang="en-US" dirty="0" smtClean="0"/>
+              <a:rPr lang="en-US" dirty="0"/>
               <a:t> </a:t>
             </a:r>
             <a:r>
-              <a:rPr lang="en-US" dirty="0" err="1" smtClean="0"/>
+              <a:rPr lang="en-US" dirty="0" err="1"/>
               <a:t>phức</a:t>
             </a:r>
             <a:r>
-              <a:rPr lang="en-US" dirty="0" smtClean="0"/>
+              <a:rPr lang="en-US" dirty="0"/>
               <a:t> </a:t>
             </a:r>
             <a:r>
-              <a:rPr lang="en-US" dirty="0" err="1" smtClean="0"/>
+              <a:rPr lang="en-US" dirty="0" err="1"/>
               <a:t>tạp</a:t>
             </a:r>
             <a:r>
-              <a:rPr lang="en-US" dirty="0" smtClean="0"/>
+              <a:rPr lang="en-US" dirty="0"/>
               <a:t> </a:t>
             </a:r>
             <a:r>
-              <a:rPr lang="en-US" dirty="0" err="1" smtClean="0"/>
+              <a:rPr lang="en-US" dirty="0" err="1"/>
               <a:t>của</a:t>
             </a:r>
             <a:r>
-              <a:rPr lang="en-US" dirty="0" smtClean="0"/>
+              <a:rPr lang="en-US" dirty="0"/>
               <a:t> </a:t>
             </a:r>
             <a:r>
-              <a:rPr lang="en-US" dirty="0" err="1" smtClean="0"/>
+              <a:rPr lang="en-US" dirty="0" err="1"/>
               <a:t>thuật</a:t>
             </a:r>
             <a:r>
-              <a:rPr lang="en-US" dirty="0" smtClean="0"/>
+              <a:rPr lang="en-US" dirty="0"/>
               <a:t> </a:t>
             </a:r>
             <a:r>
-              <a:rPr lang="en-US" dirty="0" err="1" smtClean="0"/>
+              <a:rPr lang="en-US" dirty="0" err="1"/>
               <a:t>toán</a:t>
             </a:r>
             <a:r>
-              <a:rPr lang="en-US" dirty="0" smtClean="0"/>
+              <a:rPr lang="en-US" dirty="0"/>
               <a:t> </a:t>
             </a:r>
             <a:r>
-              <a:rPr lang="en-US" b="1" dirty="0" smtClean="0"/>
-              <a:t>B</a:t>
-            </a:r>
-            <a:r>
-              <a:rPr lang="en-US" dirty="0" smtClean="0"/>
+              <a:rPr lang="en-US" b="1" dirty="0"/>
+              <a:t>A</a:t>
+            </a:r>
+            <a:r>
+              <a:rPr lang="en-US" dirty="0"/>
               <a:t> </a:t>
             </a:r>
             <a:r>
-              <a:rPr lang="en-US" dirty="0" err="1" smtClean="0"/>
+              <a:rPr lang="en-US" dirty="0" err="1"/>
               <a:t>là</a:t>
             </a:r>
             <a:r>
-              <a:rPr lang="en-US" dirty="0" smtClean="0"/>
+              <a:rPr lang="en-US" dirty="0"/>
               <a:t>:</a:t>
             </a:r>
           </a:p>
@@ -48808,18 +48029,18 @@
               <a:buAutoNum type="alphaUcPeriod"/>
             </a:pPr>
             <a:r>
-              <a:rPr lang="en-US" dirty="0" smtClean="0"/>
+              <a:rPr lang="en-US" dirty="0"/>
               <a:t>O(1)		      B.O(n) </a:t>
             </a:r>
           </a:p>
           <a:p>
             <a:pPr lvl="1" algn="ctr"/>
-            <a:endParaRPr lang="en-US" dirty="0" smtClean="0"/>
+            <a:endParaRPr lang="en-US" dirty="0"/>
           </a:p>
           <a:p>
             <a:pPr algn="ctr"/>
             <a:r>
-              <a:rPr lang="en-US" dirty="0" smtClean="0"/>
+              <a:rPr lang="en-US" dirty="0"/>
               <a:t>C. O(n^2) 	D. O(log(n))</a:t>
             </a:r>
           </a:p>
@@ -48828,7 +48049,7 @@
     </p:spTree>
     <p:extLst>
       <p:ext uri="{BB962C8B-B14F-4D97-AF65-F5344CB8AC3E}">
-        <p14:creationId xmlns:p14="http://schemas.microsoft.com/office/powerpoint/2010/main" val="2373743626"/>
+        <p14:creationId xmlns:p14="http://schemas.microsoft.com/office/powerpoint/2010/main" val="3746310797"/>
       </p:ext>
     </p:extLst>
   </p:cSld>
@@ -48877,13 +48098,530 @@
           <a:p>
             <a:r>
               <a:rPr lang="en-US" dirty="0"/>
-              <a:t>Q</a:t>
-            </a:r>
-            <a:r>
-              <a:rPr lang="en-US" dirty="0" smtClean="0"/>
-              <a:t>uiz</a:t>
-            </a:r>
+              <a:t>Quiz</a:t>
+            </a:r>
+          </a:p>
+        </p:txBody>
+      </p:sp>
+      <p:sp>
+        <p:nvSpPr>
+          <p:cNvPr id="5" name="Text Placeholder 2"/>
+          <p:cNvSpPr>
+            <a:spLocks noGrp="1"/>
+          </p:cNvSpPr>
+          <p:nvPr>
+            <p:ph type="body"/>
+          </p:nvPr>
+        </p:nvSpPr>
+        <p:spPr>
+          <a:xfrm>
+            <a:off x="2255062" y="385332"/>
+            <a:ext cx="6971440" cy="2268490"/>
+          </a:xfrm>
+        </p:spPr>
+        <p:txBody>
+          <a:bodyPr>
+            <a:normAutofit fontScale="85000" lnSpcReduction="10000"/>
+          </a:bodyPr>
+          <a:lstStyle/>
+          <a:p>
+            <a:pPr>
+              <a:lnSpc>
+                <a:spcPct val="150000"/>
+              </a:lnSpc>
+            </a:pPr>
+            <a:r>
+              <a:rPr lang="en-US" sz="1800" dirty="0"/>
+              <a:t>. </a:t>
+            </a:r>
+            <a:r>
+              <a:rPr lang="en-US" sz="1800" dirty="0" err="1"/>
+              <a:t>Có</a:t>
+            </a:r>
+            <a:r>
+              <a:rPr lang="en-US" sz="1800" dirty="0"/>
+              <a:t> </a:t>
+            </a:r>
+            <a:r>
+              <a:rPr lang="en-US" sz="1800" dirty="0" err="1"/>
+              <a:t>thuật</a:t>
+            </a:r>
+            <a:r>
+              <a:rPr lang="en-US" sz="1800" dirty="0"/>
+              <a:t> </a:t>
+            </a:r>
+            <a:r>
+              <a:rPr lang="en-US" sz="1800" dirty="0" err="1"/>
+              <a:t>toán</a:t>
+            </a:r>
+            <a:r>
+              <a:rPr lang="en-US" sz="1800" dirty="0"/>
+              <a:t> </a:t>
+            </a:r>
+            <a:r>
+              <a:rPr lang="en-US" sz="1800" b="1" dirty="0"/>
+              <a:t>B</a:t>
+            </a:r>
+            <a:r>
+              <a:rPr lang="en-US" sz="1800" dirty="0"/>
+              <a:t> </a:t>
+            </a:r>
+            <a:r>
+              <a:rPr lang="en-US" sz="1800" dirty="0" err="1"/>
+              <a:t>gần</a:t>
+            </a:r>
+            <a:r>
+              <a:rPr lang="en-US" sz="1800" dirty="0"/>
+              <a:t> </a:t>
+            </a:r>
+            <a:r>
+              <a:rPr lang="en-US" sz="1800" dirty="0" err="1"/>
+              <a:t>giống</a:t>
+            </a:r>
+            <a:r>
+              <a:rPr lang="en-US" sz="1800" dirty="0"/>
+              <a:t> </a:t>
+            </a:r>
+            <a:r>
+              <a:rPr lang="en-US" sz="1800" b="1" dirty="0"/>
+              <a:t>A</a:t>
+            </a:r>
+            <a:r>
+              <a:rPr lang="en-US" sz="1800" dirty="0"/>
+              <a:t>:</a:t>
+            </a:r>
+          </a:p>
+          <a:p>
+            <a:pPr marL="0" indent="0">
+              <a:lnSpc>
+                <a:spcPct val="150000"/>
+              </a:lnSpc>
+              <a:buNone/>
+            </a:pPr>
+            <a:r>
+              <a:rPr lang="en-US" sz="1800" dirty="0"/>
+              <a:t>+ input : </a:t>
+            </a:r>
+            <a:r>
+              <a:rPr lang="en-US" sz="1800" b="1" dirty="0"/>
+              <a:t>n</a:t>
+            </a:r>
+          </a:p>
+          <a:p>
+            <a:pPr marL="0" indent="0">
+              <a:lnSpc>
+                <a:spcPct val="150000"/>
+              </a:lnSpc>
+              <a:buNone/>
+            </a:pPr>
+            <a:r>
+              <a:rPr lang="en-US" sz="1800" dirty="0"/>
+              <a:t>+ </a:t>
+            </a:r>
+            <a:r>
+              <a:rPr lang="en-US" sz="1800" dirty="0" err="1"/>
+              <a:t>thuật</a:t>
+            </a:r>
+            <a:r>
+              <a:rPr lang="en-US" sz="1800" dirty="0"/>
+              <a:t> </a:t>
+            </a:r>
+            <a:r>
+              <a:rPr lang="en-US" sz="1800" dirty="0" err="1"/>
+              <a:t>toán</a:t>
+            </a:r>
+            <a:r>
+              <a:rPr lang="en-US" sz="1800" dirty="0"/>
+              <a:t> </a:t>
+            </a:r>
+            <a:r>
+              <a:rPr lang="en-US" sz="1800" b="1" dirty="0"/>
+              <a:t>B</a:t>
+            </a:r>
+            <a:r>
+              <a:rPr lang="en-US" sz="1800" dirty="0"/>
+              <a:t> :  </a:t>
+            </a:r>
+            <a:r>
+              <a:rPr lang="en-US" sz="1800" dirty="0">
+                <a:sym typeface="Wingdings" panose="05000000000000000000" pitchFamily="2" charset="2"/>
+              </a:rPr>
+              <a:t></a:t>
+            </a:r>
+            <a:r>
+              <a:rPr lang="en-US" sz="1800" dirty="0" err="1"/>
+              <a:t>nhận</a:t>
+            </a:r>
+            <a:r>
+              <a:rPr lang="en-US" sz="1800" dirty="0"/>
+              <a:t> input</a:t>
+            </a:r>
+          </a:p>
+          <a:p>
+            <a:pPr marL="0" indent="0">
+              <a:lnSpc>
+                <a:spcPct val="150000"/>
+              </a:lnSpc>
+              <a:buNone/>
+            </a:pPr>
+            <a:r>
+              <a:rPr lang="en-US" sz="1800" dirty="0"/>
+              <a:t>	            {</a:t>
+            </a:r>
+            <a:r>
+              <a:rPr lang="en-US" sz="1800" dirty="0" err="1"/>
+              <a:t>chạy</a:t>
+            </a:r>
+            <a:r>
+              <a:rPr lang="en-US" sz="1800" dirty="0"/>
+              <a:t> </a:t>
+            </a:r>
+            <a:r>
+              <a:rPr lang="en-US" sz="1800" dirty="0" err="1"/>
+              <a:t>lệnh</a:t>
+            </a:r>
+            <a:r>
+              <a:rPr lang="en-US" sz="1800" dirty="0"/>
+              <a:t> </a:t>
+            </a:r>
+            <a:r>
+              <a:rPr lang="en-US" sz="1800" dirty="0" err="1"/>
+              <a:t>bên</a:t>
+            </a:r>
+            <a:r>
+              <a:rPr lang="en-US" sz="1800" dirty="0"/>
+              <a:t> </a:t>
+            </a:r>
+            <a:r>
+              <a:rPr lang="en-US" sz="1800" dirty="0" err="1"/>
+              <a:t>dưới</a:t>
+            </a:r>
+            <a:r>
+              <a:rPr lang="en-US" sz="1800" dirty="0"/>
+              <a:t> </a:t>
+            </a:r>
+            <a:r>
+              <a:rPr lang="en-US" sz="1800" b="1" dirty="0"/>
+              <a:t>n </a:t>
+            </a:r>
+            <a:r>
+              <a:rPr lang="en-US" sz="1800" b="1" dirty="0" err="1"/>
+              <a:t>lần</a:t>
+            </a:r>
+            <a:r>
+              <a:rPr lang="en-US" sz="1800" dirty="0"/>
+              <a:t>} (</a:t>
+            </a:r>
+            <a:r>
+              <a:rPr lang="en-US" sz="1800" dirty="0" err="1"/>
+              <a:t>vòng</a:t>
+            </a:r>
+            <a:r>
+              <a:rPr lang="en-US" sz="1800" dirty="0"/>
+              <a:t> </a:t>
+            </a:r>
+            <a:r>
+              <a:rPr lang="en-US" sz="1800" dirty="0" err="1"/>
+              <a:t>lặp</a:t>
+            </a:r>
+            <a:r>
+              <a:rPr lang="en-US" sz="1800" dirty="0"/>
+              <a:t>)</a:t>
+            </a:r>
+          </a:p>
+          <a:p>
+            <a:pPr>
+              <a:lnSpc>
+                <a:spcPct val="150000"/>
+              </a:lnSpc>
+            </a:pPr>
+            <a:r>
+              <a:rPr lang="en-US" sz="1800" dirty="0"/>
+              <a:t>	                   {</a:t>
+            </a:r>
+            <a:r>
+              <a:rPr lang="en-US" sz="1800" dirty="0" err="1"/>
+              <a:t>chạy</a:t>
+            </a:r>
+            <a:r>
+              <a:rPr lang="en-US" sz="1800" dirty="0"/>
+              <a:t> </a:t>
+            </a:r>
+            <a:r>
+              <a:rPr lang="en-US" sz="1800" dirty="0" err="1"/>
+              <a:t>một</a:t>
+            </a:r>
+            <a:r>
+              <a:rPr lang="en-US" sz="1800" dirty="0"/>
+              <a:t> </a:t>
+            </a:r>
+            <a:r>
+              <a:rPr lang="en-US" sz="1800" dirty="0" err="1"/>
+              <a:t>lệnh</a:t>
+            </a:r>
+            <a:r>
+              <a:rPr lang="en-US" sz="1800" dirty="0"/>
+              <a:t> </a:t>
+            </a:r>
+            <a:r>
+              <a:rPr lang="en-US" sz="1800" b="1" dirty="0"/>
+              <a:t>O(1)</a:t>
+            </a:r>
+            <a:r>
+              <a:rPr lang="en-US" sz="1800" dirty="0"/>
+              <a:t> </a:t>
+            </a:r>
+            <a:r>
+              <a:rPr lang="en-US" sz="1800" b="1" dirty="0"/>
+              <a:t>n</a:t>
+            </a:r>
+            <a:r>
+              <a:rPr lang="en-US" sz="1800" dirty="0"/>
+              <a:t> </a:t>
+            </a:r>
+            <a:r>
+              <a:rPr lang="en-US" sz="1800" dirty="0" err="1"/>
+              <a:t>lần</a:t>
+            </a:r>
+            <a:r>
+              <a:rPr lang="en-US" sz="1800" dirty="0"/>
+              <a:t>} (</a:t>
+            </a:r>
+            <a:r>
+              <a:rPr lang="en-US" sz="1800" dirty="0" err="1"/>
+              <a:t>vòng</a:t>
+            </a:r>
+            <a:r>
+              <a:rPr lang="en-US" sz="1800" dirty="0"/>
+              <a:t> </a:t>
+            </a:r>
+            <a:r>
+              <a:rPr lang="en-US" sz="1800" dirty="0" err="1"/>
+              <a:t>lặp</a:t>
+            </a:r>
+            <a:r>
+              <a:rPr lang="en-US" sz="1800" dirty="0"/>
+              <a:t> </a:t>
+            </a:r>
+            <a:r>
+              <a:rPr lang="en-US" sz="1800" dirty="0" err="1"/>
+              <a:t>trong</a:t>
+            </a:r>
+            <a:r>
+              <a:rPr lang="en-US" sz="1800" dirty="0"/>
+              <a:t> </a:t>
+            </a:r>
+            <a:r>
+              <a:rPr lang="en-US" sz="1800" dirty="0" err="1"/>
+              <a:t>vòng</a:t>
+            </a:r>
+            <a:r>
+              <a:rPr lang="en-US" sz="1800" dirty="0"/>
+              <a:t> </a:t>
+            </a:r>
+            <a:r>
+              <a:rPr lang="en-US" sz="1800" dirty="0" err="1"/>
+              <a:t>lặp</a:t>
+            </a:r>
+            <a:r>
+              <a:rPr lang="en-US" sz="1800" dirty="0"/>
+              <a:t>)</a:t>
+            </a:r>
+          </a:p>
+          <a:p>
+            <a:pPr marL="0" indent="0">
+              <a:lnSpc>
+                <a:spcPct val="150000"/>
+              </a:lnSpc>
+              <a:buNone/>
+            </a:pPr>
+            <a:r>
+              <a:rPr lang="en-US" sz="1800" dirty="0"/>
+              <a:t>                          </a:t>
+            </a:r>
+            <a:r>
+              <a:rPr lang="en-US" sz="1800" dirty="0">
+                <a:sym typeface="Wingdings" panose="05000000000000000000" pitchFamily="2" charset="2"/>
+              </a:rPr>
+              <a:t></a:t>
+            </a:r>
+            <a:r>
+              <a:rPr lang="en-US" sz="1800" dirty="0" err="1"/>
+              <a:t>xuất</a:t>
+            </a:r>
+            <a:r>
+              <a:rPr lang="en-US" sz="1800" dirty="0"/>
+              <a:t> output</a:t>
+            </a:r>
+          </a:p>
+        </p:txBody>
+      </p:sp>
+      <p:sp>
+        <p:nvSpPr>
+          <p:cNvPr id="6" name="TextBox 5"/>
+          <p:cNvSpPr txBox="1"/>
+          <p:nvPr/>
+        </p:nvSpPr>
+        <p:spPr>
+          <a:xfrm>
+            <a:off x="2021306" y="2833954"/>
+            <a:ext cx="3808854" cy="1477328"/>
+          </a:xfrm>
+          <a:prstGeom prst="rect">
+            <a:avLst/>
+          </a:prstGeom>
+          <a:noFill/>
+        </p:spPr>
+        <p:txBody>
+          <a:bodyPr wrap="square" rtlCol="0">
+            <a:spAutoFit/>
+          </a:bodyPr>
+          <a:lstStyle/>
+          <a:p>
+            <a:r>
+              <a:rPr lang="en-US" dirty="0" err="1"/>
+              <a:t>Độ</a:t>
+            </a:r>
+            <a:r>
+              <a:rPr lang="en-US" dirty="0"/>
+              <a:t> </a:t>
+            </a:r>
+            <a:r>
+              <a:rPr lang="en-US" dirty="0" err="1"/>
+              <a:t>phức</a:t>
+            </a:r>
+            <a:r>
+              <a:rPr lang="en-US" dirty="0"/>
+              <a:t> </a:t>
+            </a:r>
+            <a:r>
+              <a:rPr lang="en-US" dirty="0" err="1"/>
+              <a:t>tạp</a:t>
+            </a:r>
+            <a:r>
+              <a:rPr lang="en-US" dirty="0"/>
+              <a:t> </a:t>
+            </a:r>
+            <a:r>
+              <a:rPr lang="en-US" dirty="0" err="1"/>
+              <a:t>của</a:t>
+            </a:r>
+            <a:r>
+              <a:rPr lang="en-US" dirty="0"/>
+              <a:t> </a:t>
+            </a:r>
+            <a:r>
+              <a:rPr lang="en-US" dirty="0" err="1"/>
+              <a:t>thuật</a:t>
+            </a:r>
+            <a:r>
+              <a:rPr lang="en-US" dirty="0"/>
+              <a:t> </a:t>
+            </a:r>
+            <a:r>
+              <a:rPr lang="en-US" dirty="0" err="1"/>
+              <a:t>toán</a:t>
+            </a:r>
+            <a:r>
+              <a:rPr lang="en-US" dirty="0"/>
+              <a:t> </a:t>
+            </a:r>
+            <a:r>
+              <a:rPr lang="en-US" b="1" dirty="0"/>
+              <a:t>B</a:t>
+            </a:r>
+            <a:r>
+              <a:rPr lang="en-US" dirty="0"/>
+              <a:t> </a:t>
+            </a:r>
+            <a:r>
+              <a:rPr lang="en-US" dirty="0" err="1"/>
+              <a:t>là</a:t>
+            </a:r>
+            <a:r>
+              <a:rPr lang="en-US" dirty="0"/>
+              <a:t>:</a:t>
+            </a:r>
+          </a:p>
+          <a:p>
             <a:endParaRPr lang="en-US" dirty="0"/>
+          </a:p>
+          <a:p>
+            <a:pPr marL="342900" indent="-342900" algn="ctr">
+              <a:buAutoNum type="alphaUcPeriod"/>
+            </a:pPr>
+            <a:r>
+              <a:rPr lang="en-US" dirty="0"/>
+              <a:t>O(1)		      B.O(n) </a:t>
+            </a:r>
+          </a:p>
+          <a:p>
+            <a:pPr lvl="1" algn="ctr"/>
+            <a:endParaRPr lang="en-US" dirty="0"/>
+          </a:p>
+          <a:p>
+            <a:pPr algn="ctr"/>
+            <a:r>
+              <a:rPr lang="en-US" dirty="0"/>
+              <a:t>C. O(n^2) 	D. O(log(n))</a:t>
+            </a:r>
+          </a:p>
+        </p:txBody>
+      </p:sp>
+    </p:spTree>
+    <p:extLst>
+      <p:ext uri="{BB962C8B-B14F-4D97-AF65-F5344CB8AC3E}">
+        <p14:creationId xmlns:p14="http://schemas.microsoft.com/office/powerpoint/2010/main" val="2373743626"/>
+      </p:ext>
+    </p:extLst>
+  </p:cSld>
+  <p:clrMapOvr>
+    <a:masterClrMapping/>
+  </p:clrMapOvr>
+</p:sld>
+</file>
+
+<file path=ppt/slides/slide42.xml><?xml version="1.0" encoding="utf-8"?>
+<p:sld xmlns:a="http://schemas.openxmlformats.org/drawingml/2006/main" xmlns:r="http://schemas.openxmlformats.org/officeDocument/2006/relationships" xmlns:p="http://schemas.openxmlformats.org/presentationml/2006/main">
+  <p:cSld>
+    <p:spTree>
+      <p:nvGrpSpPr>
+        <p:cNvPr id="1" name=""/>
+        <p:cNvGrpSpPr/>
+        <p:nvPr/>
+      </p:nvGrpSpPr>
+      <p:grpSpPr>
+        <a:xfrm>
+          <a:off x="0" y="0"/>
+          <a:ext cx="0" cy="0"/>
+          <a:chOff x="0" y="0"/>
+          <a:chExt cx="0" cy="0"/>
+        </a:xfrm>
+      </p:grpSpPr>
+      <p:sp>
+        <p:nvSpPr>
+          <p:cNvPr id="4" name="Title 1"/>
+          <p:cNvSpPr>
+            <a:spLocks noGrp="1"/>
+          </p:cNvSpPr>
+          <p:nvPr>
+            <p:ph type="title"/>
+          </p:nvPr>
+        </p:nvSpPr>
+        <p:spPr>
+          <a:xfrm>
+            <a:off x="749394" y="205200"/>
+            <a:ext cx="7937045" cy="544195"/>
+          </a:xfrm>
+        </p:spPr>
+        <p:txBody>
+          <a:bodyPr/>
+          <a:lstStyle/>
+          <a:p>
+            <a:r>
+              <a:rPr lang="en-US" dirty="0"/>
+              <a:t>Quiz</a:t>
+            </a:r>
           </a:p>
         </p:txBody>
       </p:sp>
@@ -48915,27 +48653,27 @@
               </a:lnSpc>
             </a:pPr>
             <a:r>
-              <a:rPr lang="en-US" sz="1600" dirty="0" err="1" smtClean="0"/>
+              <a:rPr lang="en-US" sz="1600" dirty="0" err="1"/>
               <a:t>Có</a:t>
             </a:r>
             <a:r>
-              <a:rPr lang="en-US" sz="1600" dirty="0" smtClean="0"/>
+              <a:rPr lang="en-US" sz="1600" dirty="0"/>
               <a:t> </a:t>
             </a:r>
             <a:r>
-              <a:rPr lang="en-US" sz="1600" dirty="0" err="1" smtClean="0"/>
+              <a:rPr lang="en-US" sz="1600" dirty="0" err="1"/>
               <a:t>thuật</a:t>
             </a:r>
             <a:r>
-              <a:rPr lang="en-US" sz="1600" dirty="0" smtClean="0"/>
+              <a:rPr lang="en-US" sz="1600" dirty="0"/>
               <a:t> </a:t>
             </a:r>
             <a:r>
-              <a:rPr lang="en-US" sz="1600" dirty="0" err="1" smtClean="0"/>
+              <a:rPr lang="en-US" sz="1600" dirty="0" err="1"/>
               <a:t>toán</a:t>
             </a:r>
             <a:r>
-              <a:rPr lang="en-US" sz="1600" dirty="0" smtClean="0"/>
+              <a:rPr lang="en-US" sz="1600" dirty="0"/>
               <a:t> </a:t>
             </a:r>
             <a:r>
@@ -48943,31 +48681,31 @@
               <a:t>C</a:t>
             </a:r>
             <a:r>
-              <a:rPr lang="en-US" sz="1600" dirty="0" smtClean="0"/>
+              <a:rPr lang="en-US" sz="1600" dirty="0"/>
               <a:t> </a:t>
             </a:r>
             <a:r>
-              <a:rPr lang="en-US" sz="1600" dirty="0" err="1" smtClean="0"/>
+              <a:rPr lang="en-US" sz="1600" dirty="0" err="1"/>
               <a:t>gần</a:t>
             </a:r>
             <a:r>
-              <a:rPr lang="en-US" sz="1600" dirty="0" smtClean="0"/>
+              <a:rPr lang="en-US" sz="1600" dirty="0"/>
               <a:t> </a:t>
             </a:r>
             <a:r>
-              <a:rPr lang="en-US" sz="1600" dirty="0" err="1" smtClean="0"/>
+              <a:rPr lang="en-US" sz="1600" dirty="0" err="1"/>
               <a:t>giống</a:t>
             </a:r>
             <a:r>
-              <a:rPr lang="en-US" sz="1600" dirty="0" smtClean="0"/>
+              <a:rPr lang="en-US" sz="1600" dirty="0"/>
               <a:t> </a:t>
             </a:r>
             <a:r>
-              <a:rPr lang="en-US" sz="1600" b="1" dirty="0" smtClean="0"/>
+              <a:rPr lang="en-US" sz="1600" b="1" dirty="0"/>
               <a:t>A</a:t>
             </a:r>
             <a:r>
-              <a:rPr lang="en-US" sz="1600" dirty="0" smtClean="0"/>
+              <a:rPr lang="en-US" sz="1600" dirty="0"/>
               <a:t>:</a:t>
             </a:r>
           </a:p>
@@ -48979,11 +48717,11 @@
               <a:buNone/>
             </a:pPr>
             <a:r>
-              <a:rPr lang="en-US" sz="1600" dirty="0" smtClean="0"/>
+              <a:rPr lang="en-US" sz="1600" dirty="0"/>
               <a:t>+ input : </a:t>
             </a:r>
             <a:r>
-              <a:rPr lang="en-US" sz="1600" b="1" dirty="0" smtClean="0"/>
+              <a:rPr lang="en-US" sz="1600" b="1" dirty="0"/>
               <a:t>n</a:t>
             </a:r>
           </a:p>
@@ -48995,23 +48733,23 @@
               <a:buNone/>
             </a:pPr>
             <a:r>
-              <a:rPr lang="en-US" sz="1600" dirty="0" smtClean="0"/>
+              <a:rPr lang="en-US" sz="1600" dirty="0"/>
               <a:t>+ </a:t>
             </a:r>
             <a:r>
-              <a:rPr lang="en-US" sz="1600" dirty="0" err="1" smtClean="0"/>
+              <a:rPr lang="en-US" sz="1600" dirty="0" err="1"/>
               <a:t>thuật</a:t>
             </a:r>
             <a:r>
-              <a:rPr lang="en-US" sz="1600" dirty="0" smtClean="0"/>
+              <a:rPr lang="en-US" sz="1600" dirty="0"/>
               <a:t> </a:t>
             </a:r>
             <a:r>
-              <a:rPr lang="en-US" sz="1600" dirty="0" err="1" smtClean="0"/>
+              <a:rPr lang="en-US" sz="1600" dirty="0" err="1"/>
               <a:t>toán</a:t>
             </a:r>
             <a:r>
-              <a:rPr lang="en-US" sz="1600" dirty="0" smtClean="0"/>
+              <a:rPr lang="en-US" sz="1600" dirty="0"/>
               <a:t> </a:t>
             </a:r>
             <a:r>
@@ -49019,21 +48757,21 @@
               <a:t>C</a:t>
             </a:r>
             <a:r>
-              <a:rPr lang="en-US" sz="1600" dirty="0" smtClean="0"/>
+              <a:rPr lang="en-US" sz="1600" dirty="0"/>
               <a:t> :  </a:t>
             </a:r>
             <a:r>
-              <a:rPr lang="en-US" sz="1600" dirty="0" smtClean="0">
+              <a:rPr lang="en-US" sz="1600" dirty="0">
                 <a:sym typeface="Wingdings" panose="05000000000000000000" pitchFamily="2" charset="2"/>
               </a:rPr>
               <a:t></a:t>
             </a:r>
             <a:r>
-              <a:rPr lang="en-US" sz="1600" dirty="0" err="1" smtClean="0"/>
+              <a:rPr lang="en-US" sz="1600" dirty="0" err="1"/>
               <a:t>nhận</a:t>
             </a:r>
             <a:r>
-              <a:rPr lang="en-US" sz="1600" dirty="0" smtClean="0"/>
+              <a:rPr lang="en-US" sz="1600" dirty="0"/>
               <a:t> input</a:t>
             </a:r>
           </a:p>
@@ -49046,62 +48784,58 @@
             </a:pPr>
             <a:r>
               <a:rPr lang="en-US" sz="1600" dirty="0"/>
-              <a:t>	</a:t>
-            </a:r>
-            <a:r>
-              <a:rPr lang="en-US" sz="1600" dirty="0" smtClean="0"/>
-              <a:t>            {</a:t>
-            </a:r>
-            <a:r>
-              <a:rPr lang="en-US" sz="1600" dirty="0" err="1" smtClean="0"/>
+              <a:t>	            {</a:t>
+            </a:r>
+            <a:r>
+              <a:rPr lang="en-US" sz="1600" dirty="0" err="1"/>
               <a:t>chạy</a:t>
             </a:r>
             <a:r>
-              <a:rPr lang="en-US" sz="1600" dirty="0" smtClean="0"/>
+              <a:rPr lang="en-US" sz="1600" dirty="0"/>
               <a:t> </a:t>
             </a:r>
             <a:r>
-              <a:rPr lang="en-US" sz="1600" dirty="0" err="1" smtClean="0"/>
+              <a:rPr lang="en-US" sz="1600" dirty="0" err="1"/>
               <a:t>một</a:t>
             </a:r>
             <a:r>
-              <a:rPr lang="en-US" sz="1600" dirty="0" smtClean="0"/>
+              <a:rPr lang="en-US" sz="1600" dirty="0"/>
               <a:t> </a:t>
             </a:r>
             <a:r>
-              <a:rPr lang="en-US" sz="1600" dirty="0" err="1" smtClean="0"/>
+              <a:rPr lang="en-US" sz="1600" dirty="0" err="1"/>
               <a:t>lệnh</a:t>
             </a:r>
             <a:r>
-              <a:rPr lang="en-US" sz="1600" dirty="0" smtClean="0"/>
+              <a:rPr lang="en-US" sz="1600" dirty="0"/>
               <a:t> </a:t>
             </a:r>
             <a:r>
-              <a:rPr lang="en-US" sz="1600" b="1" dirty="0" smtClean="0"/>
+              <a:rPr lang="en-US" sz="1600" b="1" dirty="0"/>
               <a:t>O(1) n </a:t>
             </a:r>
             <a:r>
-              <a:rPr lang="en-US" sz="1600" b="1" dirty="0" err="1" smtClean="0"/>
+              <a:rPr lang="en-US" sz="1600" b="1" dirty="0" err="1"/>
               <a:t>lần</a:t>
             </a:r>
             <a:r>
-              <a:rPr lang="en-US" sz="1600" dirty="0" smtClean="0"/>
+              <a:rPr lang="en-US" sz="1600" dirty="0"/>
               <a:t>} (</a:t>
             </a:r>
             <a:r>
-              <a:rPr lang="en-US" sz="1600" dirty="0" err="1" smtClean="0"/>
+              <a:rPr lang="en-US" sz="1600" dirty="0" err="1"/>
               <a:t>vòng</a:t>
             </a:r>
             <a:r>
-              <a:rPr lang="en-US" sz="1600" dirty="0" smtClean="0"/>
+              <a:rPr lang="en-US" sz="1600" dirty="0"/>
               <a:t> </a:t>
             </a:r>
             <a:r>
-              <a:rPr lang="en-US" sz="1600" dirty="0" err="1" smtClean="0"/>
+              <a:rPr lang="en-US" sz="1600" dirty="0" err="1"/>
               <a:t>lặp</a:t>
             </a:r>
             <a:r>
-              <a:rPr lang="en-US" sz="1600" dirty="0" smtClean="0"/>
+              <a:rPr lang="en-US" sz="1600" dirty="0"/>
               <a:t>)</a:t>
             </a:r>
           </a:p>
@@ -49112,7 +48846,7 @@
               </a:lnSpc>
             </a:pPr>
             <a:r>
-              <a:rPr lang="en-US" sz="1600" dirty="0" smtClean="0"/>
+              <a:rPr lang="en-US" sz="1600" dirty="0"/>
               <a:t>                           {</a:t>
             </a:r>
             <a:r>
@@ -49141,11 +48875,7 @@
             </a:r>
             <a:r>
               <a:rPr lang="en-US" sz="1600" b="1" dirty="0"/>
-              <a:t>O(1) </a:t>
-            </a:r>
-            <a:r>
-              <a:rPr lang="en-US" sz="1600" b="1" dirty="0" smtClean="0"/>
-              <a:t>2n </a:t>
+              <a:t>O(1) 2n </a:t>
             </a:r>
             <a:r>
               <a:rPr lang="en-US" sz="1600" b="1" dirty="0" err="1"/>
@@ -49171,7 +48901,6 @@
               <a:rPr lang="en-US" sz="1600" dirty="0"/>
               <a:t>)</a:t>
             </a:r>
-            <a:endParaRPr lang="en-US" sz="1600" dirty="0" smtClean="0"/>
           </a:p>
           <a:p>
             <a:pPr marL="0" indent="0">
@@ -49181,24 +48910,23 @@
               <a:buNone/>
             </a:pPr>
             <a:r>
-              <a:rPr lang="en-US" sz="1600" dirty="0" smtClean="0"/>
+              <a:rPr lang="en-US" sz="1600" dirty="0"/>
               <a:t>                          </a:t>
             </a:r>
             <a:r>
-              <a:rPr lang="en-US" sz="1600" dirty="0" smtClean="0">
+              <a:rPr lang="en-US" sz="1600" dirty="0">
                 <a:sym typeface="Wingdings" panose="05000000000000000000" pitchFamily="2" charset="2"/>
               </a:rPr>
               <a:t></a:t>
             </a:r>
             <a:r>
-              <a:rPr lang="en-US" sz="1600" dirty="0" err="1" smtClean="0"/>
+              <a:rPr lang="en-US" sz="1600" dirty="0" err="1"/>
               <a:t>xuất</a:t>
             </a:r>
             <a:r>
-              <a:rPr lang="en-US" sz="1600" dirty="0" smtClean="0"/>
+              <a:rPr lang="en-US" sz="1600" dirty="0"/>
               <a:t> output</a:t>
             </a:r>
-            <a:endParaRPr lang="en-US" sz="1600" dirty="0"/>
           </a:p>
         </p:txBody>
       </p:sp>
@@ -49225,51 +48953,51 @@
           <a:lstStyle/>
           <a:p>
             <a:r>
-              <a:rPr lang="en-US" dirty="0" err="1" smtClean="0"/>
+              <a:rPr lang="en-US" dirty="0" err="1"/>
               <a:t>Độ</a:t>
             </a:r>
             <a:r>
-              <a:rPr lang="en-US" dirty="0" smtClean="0"/>
+              <a:rPr lang="en-US" dirty="0"/>
               <a:t> </a:t>
             </a:r>
             <a:r>
-              <a:rPr lang="en-US" dirty="0" err="1" smtClean="0"/>
+              <a:rPr lang="en-US" dirty="0" err="1"/>
               <a:t>phức</a:t>
             </a:r>
             <a:r>
-              <a:rPr lang="en-US" dirty="0" smtClean="0"/>
+              <a:rPr lang="en-US" dirty="0"/>
               <a:t> </a:t>
             </a:r>
             <a:r>
-              <a:rPr lang="en-US" dirty="0" err="1" smtClean="0"/>
+              <a:rPr lang="en-US" dirty="0" err="1"/>
               <a:t>tạp</a:t>
             </a:r>
             <a:r>
-              <a:rPr lang="en-US" dirty="0" smtClean="0"/>
+              <a:rPr lang="en-US" dirty="0"/>
               <a:t> </a:t>
             </a:r>
             <a:r>
-              <a:rPr lang="en-US" dirty="0" err="1" smtClean="0"/>
+              <a:rPr lang="en-US" dirty="0" err="1"/>
               <a:t>của</a:t>
             </a:r>
             <a:r>
-              <a:rPr lang="en-US" dirty="0" smtClean="0"/>
+              <a:rPr lang="en-US" dirty="0"/>
               <a:t> </a:t>
             </a:r>
             <a:r>
-              <a:rPr lang="en-US" dirty="0" err="1" smtClean="0"/>
+              <a:rPr lang="en-US" dirty="0" err="1"/>
               <a:t>thuật</a:t>
             </a:r>
             <a:r>
-              <a:rPr lang="en-US" dirty="0" smtClean="0"/>
+              <a:rPr lang="en-US" dirty="0"/>
               <a:t> </a:t>
             </a:r>
             <a:r>
-              <a:rPr lang="en-US" dirty="0" err="1" smtClean="0"/>
+              <a:rPr lang="en-US" dirty="0" err="1"/>
               <a:t>toán</a:t>
             </a:r>
             <a:r>
-              <a:rPr lang="en-US" dirty="0" smtClean="0"/>
+              <a:rPr lang="en-US" dirty="0"/>
               <a:t> </a:t>
             </a:r>
             <a:r>
@@ -49277,15 +49005,15 @@
               <a:t>C</a:t>
             </a:r>
             <a:r>
-              <a:rPr lang="en-US" dirty="0" smtClean="0"/>
+              <a:rPr lang="en-US" dirty="0"/>
               <a:t> </a:t>
             </a:r>
             <a:r>
-              <a:rPr lang="en-US" dirty="0" err="1" smtClean="0"/>
+              <a:rPr lang="en-US" dirty="0" err="1"/>
               <a:t>là</a:t>
             </a:r>
             <a:r>
-              <a:rPr lang="en-US" dirty="0" smtClean="0"/>
+              <a:rPr lang="en-US" dirty="0"/>
               <a:t>:</a:t>
             </a:r>
           </a:p>
@@ -49297,18 +49025,18 @@
               <a:buAutoNum type="alphaUcPeriod"/>
             </a:pPr>
             <a:r>
-              <a:rPr lang="en-US" dirty="0" smtClean="0"/>
+              <a:rPr lang="en-US" dirty="0"/>
               <a:t>O(1)		      B.O(n) </a:t>
             </a:r>
           </a:p>
           <a:p>
             <a:pPr lvl="1" algn="ctr"/>
-            <a:endParaRPr lang="en-US" dirty="0" smtClean="0"/>
+            <a:endParaRPr lang="en-US" dirty="0"/>
           </a:p>
           <a:p>
             <a:pPr algn="ctr"/>
             <a:r>
-              <a:rPr lang="en-US" dirty="0" smtClean="0"/>
+              <a:rPr lang="en-US" dirty="0"/>
               <a:t>C. O(n^2) 	D. O(log(n))</a:t>
             </a:r>
           </a:p>
@@ -49327,7 +49055,7 @@
 </p:sld>
 </file>
 
-<file path=ppt/slides/slide42.xml><?xml version="1.0" encoding="utf-8"?>
+<file path=ppt/slides/slide43.xml><?xml version="1.0" encoding="utf-8"?>
 <p:sld xmlns:a="http://schemas.openxmlformats.org/drawingml/2006/main" xmlns:r="http://schemas.openxmlformats.org/officeDocument/2006/relationships" xmlns:p="http://schemas.openxmlformats.org/presentationml/2006/main">
   <p:cSld>
     <p:spTree>
@@ -49410,39 +49138,39 @@
           <a:lstStyle/>
           <a:p>
             <a:r>
-              <a:rPr lang="en-US" sz="2400" dirty="0" err="1" smtClean="0"/>
+              <a:rPr lang="en-US" sz="2400" dirty="0" err="1"/>
               <a:t>Hoàn</a:t>
             </a:r>
             <a:r>
-              <a:rPr lang="en-US" sz="2400" dirty="0" smtClean="0"/>
+              <a:rPr lang="en-US" sz="2400" dirty="0"/>
               <a:t> </a:t>
             </a:r>
             <a:r>
-              <a:rPr lang="en-US" sz="2400" dirty="0" err="1" smtClean="0"/>
+              <a:rPr lang="en-US" sz="2400" dirty="0" err="1"/>
               <a:t>thành</a:t>
             </a:r>
             <a:r>
-              <a:rPr lang="en-US" sz="2400" dirty="0" smtClean="0"/>
+              <a:rPr lang="en-US" sz="2400" dirty="0"/>
               <a:t> </a:t>
             </a:r>
             <a:r>
-              <a:rPr lang="en-US" sz="2400" dirty="0" err="1" smtClean="0"/>
+              <a:rPr lang="en-US" sz="2400" dirty="0" err="1"/>
               <a:t>hàm</a:t>
             </a:r>
             <a:r>
-              <a:rPr lang="en-US" sz="2400" dirty="0" smtClean="0"/>
+              <a:rPr lang="en-US" sz="2400" dirty="0"/>
               <a:t> </a:t>
             </a:r>
             <a:r>
-              <a:rPr lang="en-US" sz="2400" dirty="0" err="1" smtClean="0"/>
+              <a:rPr lang="en-US" sz="2400" dirty="0" err="1"/>
               <a:t>tính</a:t>
             </a:r>
             <a:r>
-              <a:rPr lang="en-US" sz="2400" dirty="0" smtClean="0"/>
+              <a:rPr lang="en-US" sz="2400" dirty="0"/>
               <a:t> </a:t>
             </a:r>
             <a:r>
-              <a:rPr lang="en-US" sz="2400" dirty="0" err="1" smtClean="0">
+              <a:rPr lang="en-US" sz="2400" dirty="0" err="1">
                 <a:solidFill>
                   <a:schemeClr val="accent3">
                     <a:lumMod val="60000"/>
@@ -49453,27 +49181,27 @@
               <a:t>tổng</a:t>
             </a:r>
             <a:r>
-              <a:rPr lang="en-US" sz="2400" dirty="0" smtClean="0"/>
+              <a:rPr lang="en-US" sz="2400" dirty="0"/>
               <a:t> </a:t>
             </a:r>
             <a:r>
-              <a:rPr lang="en-US" sz="2400" dirty="0" err="1" smtClean="0"/>
+              <a:rPr lang="en-US" sz="2400" dirty="0" err="1"/>
               <a:t>các</a:t>
             </a:r>
             <a:r>
-              <a:rPr lang="en-US" sz="2400" dirty="0" smtClean="0"/>
+              <a:rPr lang="en-US" sz="2400" dirty="0"/>
               <a:t> </a:t>
             </a:r>
             <a:r>
-              <a:rPr lang="en-US" sz="2400" dirty="0" err="1" smtClean="0"/>
+              <a:rPr lang="en-US" sz="2400" dirty="0" err="1"/>
               <a:t>số</a:t>
             </a:r>
             <a:r>
-              <a:rPr lang="en-US" sz="2400" dirty="0" smtClean="0"/>
+              <a:rPr lang="en-US" sz="2400" dirty="0"/>
               <a:t> </a:t>
             </a:r>
             <a:r>
-              <a:rPr lang="en-US" sz="2400" dirty="0" err="1" smtClean="0">
+              <a:rPr lang="en-US" sz="2400" dirty="0" err="1">
                 <a:solidFill>
                   <a:schemeClr val="accent3">
                     <a:lumMod val="60000"/>
@@ -49484,27 +49212,27 @@
               <a:t>chẵn</a:t>
             </a:r>
             <a:r>
-              <a:rPr lang="en-US" sz="2400" dirty="0" smtClean="0"/>
+              <a:rPr lang="en-US" sz="2400" dirty="0"/>
               <a:t> </a:t>
             </a:r>
             <a:r>
-              <a:rPr lang="en-US" sz="2400" dirty="0" err="1" smtClean="0"/>
+              <a:rPr lang="en-US" sz="2400" dirty="0" err="1"/>
               <a:t>thuộc</a:t>
             </a:r>
             <a:r>
-              <a:rPr lang="en-US" sz="2400" dirty="0" smtClean="0"/>
+              <a:rPr lang="en-US" sz="2400" dirty="0"/>
               <a:t> </a:t>
             </a:r>
             <a:r>
-              <a:rPr lang="en-US" sz="2400" dirty="0" err="1" smtClean="0"/>
+              <a:rPr lang="en-US" sz="2400" dirty="0" err="1"/>
               <a:t>khoảng</a:t>
             </a:r>
             <a:r>
-              <a:rPr lang="en-US" sz="2400" dirty="0" smtClean="0"/>
+              <a:rPr lang="en-US" sz="2400" dirty="0"/>
               <a:t> </a:t>
             </a:r>
             <a:r>
-              <a:rPr lang="en-US" sz="2400" b="1" dirty="0" smtClean="0">
+              <a:rPr lang="en-US" sz="2400" b="1" dirty="0">
                 <a:solidFill>
                   <a:schemeClr val="accent3">
                     <a:lumMod val="60000"/>
@@ -49515,35 +49243,35 @@
               <a:t>[ 2 , n ] </a:t>
             </a:r>
             <a:r>
-              <a:rPr lang="en-US" sz="2400" dirty="0" smtClean="0"/>
+              <a:rPr lang="en-US" sz="2400" dirty="0"/>
               <a:t>(C++). Cho </a:t>
             </a:r>
             <a:r>
-              <a:rPr lang="en-US" sz="2400" dirty="0" err="1" smtClean="0"/>
+              <a:rPr lang="en-US" sz="2400" dirty="0" err="1"/>
               <a:t>biết</a:t>
             </a:r>
             <a:r>
-              <a:rPr lang="en-US" sz="2400" dirty="0" smtClean="0"/>
+              <a:rPr lang="en-US" sz="2400" dirty="0"/>
               <a:t> </a:t>
             </a:r>
             <a:r>
-              <a:rPr lang="en-US" sz="2400" dirty="0" err="1" smtClean="0"/>
+              <a:rPr lang="en-US" sz="2400" dirty="0" err="1"/>
               <a:t>độ</a:t>
             </a:r>
             <a:r>
-              <a:rPr lang="en-US" sz="2400" dirty="0" smtClean="0"/>
+              <a:rPr lang="en-US" sz="2400" dirty="0"/>
               <a:t> </a:t>
             </a:r>
             <a:r>
-              <a:rPr lang="en-US" sz="2400" dirty="0" err="1" smtClean="0"/>
+              <a:rPr lang="en-US" sz="2400" dirty="0" err="1"/>
               <a:t>phức</a:t>
             </a:r>
             <a:r>
-              <a:rPr lang="en-US" sz="2400" dirty="0" smtClean="0"/>
+              <a:rPr lang="en-US" sz="2400" dirty="0"/>
               <a:t> </a:t>
             </a:r>
             <a:r>
-              <a:rPr lang="en-US" sz="2400" dirty="0" err="1" smtClean="0"/>
+              <a:rPr lang="en-US" sz="2400" dirty="0" err="1"/>
               <a:t>tạp</a:t>
             </a:r>
             <a:endParaRPr lang="en-US" sz="2400" dirty="0"/>
@@ -49578,18 +49306,10 @@
                   <a:schemeClr val="bg1"/>
                 </a:solidFill>
               </a:rPr>
-              <a:t>i</a:t>
-            </a:r>
-            <a:r>
-              <a:rPr lang="en-US" sz="3200" dirty="0" err="1" smtClean="0">
-                <a:solidFill>
-                  <a:schemeClr val="bg1"/>
-                </a:solidFill>
-              </a:rPr>
-              <a:t>nt</a:t>
-            </a:r>
-            <a:r>
-              <a:rPr lang="en-US" sz="3200" dirty="0" smtClean="0">
+              <a:t>int</a:t>
+            </a:r>
+            <a:r>
+              <a:rPr lang="en-US" sz="3200" dirty="0">
                 <a:solidFill>
                   <a:schemeClr val="bg1"/>
                 </a:solidFill>
@@ -49597,7 +49317,7 @@
               <a:t> </a:t>
             </a:r>
             <a:r>
-              <a:rPr lang="en-US" sz="3200" dirty="0" smtClean="0">
+              <a:rPr lang="en-US" sz="3200" dirty="0">
                 <a:solidFill>
                   <a:schemeClr val="accent3">
                     <a:lumMod val="60000"/>
@@ -49608,7 +49328,7 @@
               <a:t>sum</a:t>
             </a:r>
             <a:r>
-              <a:rPr lang="en-US" sz="3200" dirty="0" smtClean="0">
+              <a:rPr lang="en-US" sz="3200" dirty="0">
                 <a:solidFill>
                   <a:schemeClr val="bg1"/>
                 </a:solidFill>
@@ -49616,7 +49336,7 @@
               <a:t>(</a:t>
             </a:r>
             <a:r>
-              <a:rPr lang="en-US" sz="3200" dirty="0" err="1" smtClean="0">
+              <a:rPr lang="en-US" sz="3200" dirty="0" err="1">
                 <a:solidFill>
                   <a:schemeClr val="bg1"/>
                 </a:solidFill>
@@ -49624,7 +49344,7 @@
               <a:t>int</a:t>
             </a:r>
             <a:r>
-              <a:rPr lang="en-US" sz="3200" dirty="0" smtClean="0">
+              <a:rPr lang="en-US" sz="3200" dirty="0">
                 <a:solidFill>
                   <a:schemeClr val="bg1"/>
                 </a:solidFill>
@@ -49632,7 +49352,7 @@
               <a:t> </a:t>
             </a:r>
             <a:r>
-              <a:rPr lang="en-US" sz="3200" dirty="0" smtClean="0">
+              <a:rPr lang="en-US" sz="3200" dirty="0">
                 <a:solidFill>
                   <a:schemeClr val="bg2">
                     <a:lumMod val="40000"/>
@@ -49643,7 +49363,7 @@
               <a:t>n</a:t>
             </a:r>
             <a:r>
-              <a:rPr lang="en-US" sz="3200" dirty="0" smtClean="0">
+              <a:rPr lang="en-US" sz="3200" dirty="0">
                 <a:solidFill>
                   <a:schemeClr val="bg1"/>
                 </a:solidFill>
@@ -49653,7 +49373,7 @@
           </a:p>
           <a:p>
             <a:r>
-              <a:rPr lang="en-US" sz="3200" dirty="0" smtClean="0">
+              <a:rPr lang="en-US" sz="3200" dirty="0">
                 <a:solidFill>
                   <a:schemeClr val="bg1"/>
                 </a:solidFill>
@@ -49671,7 +49391,7 @@
               <a:t>	</a:t>
             </a:r>
             <a:r>
-              <a:rPr lang="en-US" sz="3200" dirty="0" smtClean="0">
+              <a:rPr lang="en-US" sz="3200" dirty="0">
                 <a:solidFill>
                   <a:srgbClr val="92D050"/>
                 </a:solidFill>
@@ -49681,18 +49401,13 @@
           </a:p>
           <a:p>
             <a:r>
-              <a:rPr lang="en-US" sz="3200" dirty="0" smtClean="0">
+              <a:rPr lang="en-US" sz="3200" dirty="0">
                 <a:solidFill>
                   <a:schemeClr val="bg1"/>
                 </a:solidFill>
               </a:rPr>
               <a:t>}</a:t>
             </a:r>
-            <a:endParaRPr lang="en-US" sz="3200" dirty="0">
-              <a:solidFill>
-                <a:schemeClr val="bg1"/>
-              </a:solidFill>
-            </a:endParaRPr>
           </a:p>
         </p:txBody>
       </p:sp>
@@ -49719,17 +49434,17 @@
           <a:lstStyle/>
           <a:p>
             <a:r>
-              <a:rPr lang="en-US" dirty="0" err="1" smtClean="0"/>
+              <a:rPr lang="en-US" dirty="0" err="1"/>
               <a:t>Vd</a:t>
             </a:r>
             <a:r>
-              <a:rPr lang="en-US" dirty="0" smtClean="0"/>
+              <a:rPr lang="en-US" dirty="0"/>
               <a:t> : </a:t>
             </a:r>
           </a:p>
           <a:p>
             <a:r>
-              <a:rPr lang="en-US" dirty="0" smtClean="0">
+              <a:rPr lang="en-US" dirty="0">
                 <a:solidFill>
                   <a:srgbClr val="FF0000"/>
                 </a:solidFill>
@@ -49737,38 +49452,8 @@
               <a:t>sum</a:t>
             </a:r>
             <a:r>
-              <a:rPr lang="en-US" dirty="0" smtClean="0"/>
+              <a:rPr lang="en-US" dirty="0"/>
               <a:t>(10) = 30 </a:t>
-            </a:r>
-            <a:r>
-              <a:rPr lang="en-US" dirty="0" smtClean="0">
-                <a:solidFill>
-                  <a:srgbClr val="00B050"/>
-                </a:solidFill>
-              </a:rPr>
-              <a:t>//2+4+6+8+10</a:t>
-            </a:r>
-          </a:p>
-          <a:p>
-            <a:r>
-              <a:rPr lang="en-US" dirty="0">
-                <a:solidFill>
-                  <a:srgbClr val="FF0000"/>
-                </a:solidFill>
-              </a:rPr>
-              <a:t>s</a:t>
-            </a:r>
-            <a:r>
-              <a:rPr lang="en-US" dirty="0" smtClean="0">
-                <a:solidFill>
-                  <a:srgbClr val="FF0000"/>
-                </a:solidFill>
-              </a:rPr>
-              <a:t>um</a:t>
-            </a:r>
-            <a:r>
-              <a:rPr lang="en-US" dirty="0" smtClean="0"/>
-              <a:t>(11) = 30 </a:t>
             </a:r>
             <a:r>
               <a:rPr lang="en-US" dirty="0">
@@ -49778,11 +49463,6 @@
               </a:rPr>
               <a:t>//2+4+6+8+10</a:t>
             </a:r>
-            <a:endParaRPr lang="en-US" dirty="0" smtClean="0">
-              <a:solidFill>
-                <a:srgbClr val="00B050"/>
-              </a:solidFill>
-            </a:endParaRPr>
           </a:p>
           <a:p>
             <a:r>
@@ -49791,23 +49471,11 @@
                   <a:srgbClr val="FF0000"/>
                 </a:solidFill>
               </a:rPr>
-              <a:t>s</a:t>
-            </a:r>
-            <a:r>
-              <a:rPr lang="en-US" dirty="0" smtClean="0">
-                <a:solidFill>
-                  <a:srgbClr val="FF0000"/>
-                </a:solidFill>
-              </a:rPr>
-              <a:t>um</a:t>
-            </a:r>
-            <a:r>
-              <a:rPr lang="en-US" dirty="0" smtClean="0"/>
-              <a:t>(5) = 6</a:t>
+              <a:t>sum</a:t>
             </a:r>
             <a:r>
               <a:rPr lang="en-US" dirty="0"/>
-              <a:t> </a:t>
+              <a:t>(11) = 30 </a:t>
             </a:r>
             <a:r>
               <a:rPr lang="en-US" dirty="0">
@@ -49815,21 +49483,30 @@
                   <a:srgbClr val="00B050"/>
                 </a:solidFill>
               </a:rPr>
-              <a:t>//</a:t>
-            </a:r>
-            <a:r>
-              <a:rPr lang="en-US" dirty="0" smtClean="0">
+              <a:t>//2+4+6+8+10</a:t>
+            </a:r>
+          </a:p>
+          <a:p>
+            <a:r>
+              <a:rPr lang="en-US" dirty="0">
+                <a:solidFill>
+                  <a:srgbClr val="FF0000"/>
+                </a:solidFill>
+              </a:rPr>
+              <a:t>sum</a:t>
+            </a:r>
+            <a:r>
+              <a:rPr lang="en-US" dirty="0"/>
+              <a:t>(5) = 6 </a:t>
+            </a:r>
+            <a:r>
+              <a:rPr lang="en-US" dirty="0">
                 <a:solidFill>
                   <a:srgbClr val="00B050"/>
                 </a:solidFill>
               </a:rPr>
-              <a:t>2+4</a:t>
-            </a:r>
-            <a:endParaRPr lang="en-US" dirty="0">
-              <a:solidFill>
-                <a:srgbClr val="00B050"/>
-              </a:solidFill>
-            </a:endParaRPr>
+              <a:t>//2+4</a:t>
+            </a:r>
           </a:p>
         </p:txBody>
       </p:sp>
@@ -49846,7 +49523,7 @@
 </p:sld>
 </file>
 
-<file path=ppt/slides/slide43.xml><?xml version="1.0" encoding="utf-8"?>
+<file path=ppt/slides/slide44.xml><?xml version="1.0" encoding="utf-8"?>
 <p:sld xmlns:a="http://schemas.openxmlformats.org/drawingml/2006/main" xmlns:r="http://schemas.openxmlformats.org/officeDocument/2006/relationships" xmlns:p="http://schemas.openxmlformats.org/presentationml/2006/main">
   <p:cSld>
     <p:spTree>
@@ -49929,47 +49606,47 @@
           <a:lstStyle/>
           <a:p>
             <a:r>
-              <a:rPr lang="en-US" sz="2400" dirty="0" err="1" smtClean="0"/>
+              <a:rPr lang="en-US" sz="2400" dirty="0" err="1"/>
               <a:t>Hoàn</a:t>
             </a:r>
             <a:r>
-              <a:rPr lang="en-US" sz="2400" dirty="0" smtClean="0"/>
+              <a:rPr lang="en-US" sz="2400" dirty="0"/>
               <a:t> </a:t>
             </a:r>
             <a:r>
-              <a:rPr lang="en-US" sz="2400" dirty="0" err="1" smtClean="0"/>
+              <a:rPr lang="en-US" sz="2400" dirty="0" err="1"/>
               <a:t>thành</a:t>
             </a:r>
             <a:r>
-              <a:rPr lang="en-US" sz="2400" dirty="0" smtClean="0"/>
+              <a:rPr lang="en-US" sz="2400" dirty="0"/>
               <a:t> </a:t>
             </a:r>
             <a:r>
-              <a:rPr lang="en-US" sz="2400" dirty="0" err="1" smtClean="0"/>
+              <a:rPr lang="en-US" sz="2400" dirty="0" err="1"/>
               <a:t>hàm</a:t>
             </a:r>
             <a:r>
-              <a:rPr lang="en-US" sz="2400" dirty="0" smtClean="0"/>
+              <a:rPr lang="en-US" sz="2400" dirty="0"/>
               <a:t> </a:t>
             </a:r>
             <a:r>
-              <a:rPr lang="en-US" sz="2400" dirty="0" err="1" smtClean="0"/>
+              <a:rPr lang="en-US" sz="2400" dirty="0" err="1"/>
               <a:t>tính</a:t>
             </a:r>
             <a:r>
-              <a:rPr lang="en-US" sz="2400" dirty="0" smtClean="0"/>
+              <a:rPr lang="en-US" sz="2400" dirty="0"/>
               <a:t> </a:t>
             </a:r>
             <a:r>
-              <a:rPr lang="en-US" sz="2400" dirty="0" err="1" smtClean="0"/>
+              <a:rPr lang="en-US" sz="2400" dirty="0" err="1"/>
               <a:t>số</a:t>
             </a:r>
             <a:r>
-              <a:rPr lang="en-US" sz="2400" dirty="0" smtClean="0"/>
+              <a:rPr lang="en-US" sz="2400" dirty="0"/>
               <a:t> </a:t>
             </a:r>
             <a:r>
-              <a:rPr lang="en-US" sz="2400" dirty="0" smtClean="0">
+              <a:rPr lang="en-US" sz="2400" dirty="0">
                 <a:solidFill>
                   <a:schemeClr val="accent3">
                     <a:lumMod val="60000"/>
@@ -49980,19 +49657,19 @@
               <a:t>Fibonacci</a:t>
             </a:r>
             <a:r>
-              <a:rPr lang="en-US" sz="2400" dirty="0" smtClean="0"/>
-              <a:t> </a:t>
-            </a:r>
-            <a:r>
-              <a:rPr lang="en-US" sz="2400" dirty="0" err="1" smtClean="0"/>
-              <a:t>thứ</a:t>
-            </a:r>
-            <a:r>
               <a:rPr lang="en-US" sz="2400" dirty="0"/>
               <a:t> </a:t>
             </a:r>
             <a:r>
-              <a:rPr lang="en-US" sz="2400" dirty="0" smtClean="0">
+              <a:rPr lang="en-US" sz="2400" dirty="0" err="1"/>
+              <a:t>thứ</a:t>
+            </a:r>
+            <a:r>
+              <a:rPr lang="en-US" sz="2400" dirty="0"/>
+              <a:t> </a:t>
+            </a:r>
+            <a:r>
+              <a:rPr lang="en-US" sz="2400" dirty="0">
                 <a:solidFill>
                   <a:schemeClr val="accent3">
                     <a:lumMod val="60000"/>
@@ -50003,35 +49680,35 @@
               <a:t>n</a:t>
             </a:r>
             <a:r>
-              <a:rPr lang="en-US" sz="2400" dirty="0" smtClean="0"/>
+              <a:rPr lang="en-US" sz="2400" dirty="0"/>
               <a:t>. Cho </a:t>
             </a:r>
             <a:r>
-              <a:rPr lang="en-US" sz="2400" dirty="0" err="1" smtClean="0"/>
+              <a:rPr lang="en-US" sz="2400" dirty="0" err="1"/>
               <a:t>biết</a:t>
             </a:r>
             <a:r>
-              <a:rPr lang="en-US" sz="2400" dirty="0" smtClean="0"/>
+              <a:rPr lang="en-US" sz="2400" dirty="0"/>
               <a:t> </a:t>
             </a:r>
             <a:r>
-              <a:rPr lang="en-US" sz="2400" dirty="0" err="1" smtClean="0"/>
+              <a:rPr lang="en-US" sz="2400" dirty="0" err="1"/>
               <a:t>độ</a:t>
             </a:r>
             <a:r>
-              <a:rPr lang="en-US" sz="2400" dirty="0" smtClean="0"/>
+              <a:rPr lang="en-US" sz="2400" dirty="0"/>
               <a:t> </a:t>
             </a:r>
             <a:r>
-              <a:rPr lang="en-US" sz="2400" dirty="0" err="1" smtClean="0"/>
+              <a:rPr lang="en-US" sz="2400" dirty="0" err="1"/>
               <a:t>phức</a:t>
             </a:r>
             <a:r>
-              <a:rPr lang="en-US" sz="2400" dirty="0" smtClean="0"/>
+              <a:rPr lang="en-US" sz="2400" dirty="0"/>
               <a:t> </a:t>
             </a:r>
             <a:r>
-              <a:rPr lang="en-US" sz="2400" dirty="0" err="1" smtClean="0"/>
+              <a:rPr lang="en-US" sz="2400" dirty="0" err="1"/>
               <a:t>tạp</a:t>
             </a:r>
             <a:r>
@@ -50069,18 +49746,10 @@
                   <a:schemeClr val="bg1"/>
                 </a:solidFill>
               </a:rPr>
-              <a:t>i</a:t>
-            </a:r>
-            <a:r>
-              <a:rPr lang="en-US" sz="3200" dirty="0" err="1" smtClean="0">
-                <a:solidFill>
-                  <a:schemeClr val="bg1"/>
-                </a:solidFill>
-              </a:rPr>
-              <a:t>nt</a:t>
-            </a:r>
-            <a:r>
-              <a:rPr lang="en-US" sz="3200" dirty="0" smtClean="0">
+              <a:t>int</a:t>
+            </a:r>
+            <a:r>
+              <a:rPr lang="en-US" sz="3200" dirty="0">
                 <a:solidFill>
                   <a:schemeClr val="bg1"/>
                 </a:solidFill>
@@ -50088,7 +49757,7 @@
               <a:t> </a:t>
             </a:r>
             <a:r>
-              <a:rPr lang="en-US" sz="3200" dirty="0" err="1" smtClean="0">
+              <a:rPr lang="en-US" sz="3200" dirty="0" err="1">
                 <a:solidFill>
                   <a:schemeClr val="accent3">
                     <a:lumMod val="60000"/>
@@ -50099,7 +49768,7 @@
               <a:t>fibo</a:t>
             </a:r>
             <a:r>
-              <a:rPr lang="en-US" sz="3200" dirty="0" smtClean="0">
+              <a:rPr lang="en-US" sz="3200" dirty="0">
                 <a:solidFill>
                   <a:schemeClr val="bg1"/>
                 </a:solidFill>
@@ -50107,7 +49776,7 @@
               <a:t>(</a:t>
             </a:r>
             <a:r>
-              <a:rPr lang="en-US" sz="3200" dirty="0" err="1" smtClean="0">
+              <a:rPr lang="en-US" sz="3200" dirty="0" err="1">
                 <a:solidFill>
                   <a:schemeClr val="bg1"/>
                 </a:solidFill>
@@ -50115,7 +49784,7 @@
               <a:t>int</a:t>
             </a:r>
             <a:r>
-              <a:rPr lang="en-US" sz="3200" dirty="0" smtClean="0">
+              <a:rPr lang="en-US" sz="3200" dirty="0">
                 <a:solidFill>
                   <a:schemeClr val="bg1"/>
                 </a:solidFill>
@@ -50123,7 +49792,7 @@
               <a:t> </a:t>
             </a:r>
             <a:r>
-              <a:rPr lang="en-US" sz="3200" dirty="0" smtClean="0">
+              <a:rPr lang="en-US" sz="3200" dirty="0">
                 <a:solidFill>
                   <a:schemeClr val="bg2">
                     <a:lumMod val="40000"/>
@@ -50134,7 +49803,7 @@
               <a:t>n</a:t>
             </a:r>
             <a:r>
-              <a:rPr lang="en-US" sz="3200" dirty="0" smtClean="0">
+              <a:rPr lang="en-US" sz="3200" dirty="0">
                 <a:solidFill>
                   <a:schemeClr val="bg1"/>
                 </a:solidFill>
@@ -50144,7 +49813,7 @@
           </a:p>
           <a:p>
             <a:r>
-              <a:rPr lang="en-US" sz="3200" dirty="0" smtClean="0">
+              <a:rPr lang="en-US" sz="3200" dirty="0">
                 <a:solidFill>
                   <a:schemeClr val="bg1"/>
                 </a:solidFill>
@@ -50162,7 +49831,7 @@
               <a:t>	</a:t>
             </a:r>
             <a:r>
-              <a:rPr lang="en-US" sz="3200" dirty="0" smtClean="0">
+              <a:rPr lang="en-US" sz="3200" dirty="0">
                 <a:solidFill>
                   <a:srgbClr val="92D050"/>
                 </a:solidFill>
@@ -50172,18 +49841,13 @@
           </a:p>
           <a:p>
             <a:r>
-              <a:rPr lang="en-US" sz="3200" dirty="0" smtClean="0">
+              <a:rPr lang="en-US" sz="3200" dirty="0">
                 <a:solidFill>
                   <a:schemeClr val="bg1"/>
                 </a:solidFill>
               </a:rPr>
               <a:t>}</a:t>
             </a:r>
-            <a:endParaRPr lang="en-US" sz="3200" dirty="0">
-              <a:solidFill>
-                <a:schemeClr val="bg1"/>
-              </a:solidFill>
-            </a:endParaRPr>
           </a:p>
         </p:txBody>
       </p:sp>
@@ -50210,20 +49874,12 @@
           <a:lstStyle/>
           <a:p>
             <a:r>
-              <a:rPr lang="en-US" dirty="0" err="1" smtClean="0"/>
+              <a:rPr lang="en-US" dirty="0" err="1"/>
               <a:t>Dãy</a:t>
             </a:r>
             <a:r>
-              <a:rPr lang="en-US" dirty="0" smtClean="0"/>
-              <a:t> </a:t>
-            </a:r>
-            <a:r>
               <a:rPr lang="en-US" dirty="0"/>
-              <a:t>F</a:t>
-            </a:r>
-            <a:r>
-              <a:rPr lang="en-US" dirty="0" smtClean="0"/>
-              <a:t>ibonacci : 1 1 2 3 5 8 13 21 …</a:t>
+              <a:t> Fibonacci : 1 1 2 3 5 8 13 21 …</a:t>
             </a:r>
           </a:p>
           <a:p>
@@ -50233,18 +49889,10 @@
                   <a:srgbClr val="FF0000"/>
                 </a:solidFill>
               </a:rPr>
-              <a:t>f</a:t>
-            </a:r>
-            <a:r>
-              <a:rPr lang="en-US" dirty="0" err="1" smtClean="0">
-                <a:solidFill>
-                  <a:srgbClr val="FF0000"/>
-                </a:solidFill>
-              </a:rPr>
-              <a:t>ibo</a:t>
-            </a:r>
-            <a:r>
-              <a:rPr lang="en-US" dirty="0" smtClean="0">
+              <a:t>fibo</a:t>
+            </a:r>
+            <a:r>
+              <a:rPr lang="en-US" dirty="0">
                 <a:solidFill>
                   <a:schemeClr val="tx1">
                     <a:lumMod val="95000"/>
@@ -50262,18 +49910,10 @@
                   <a:srgbClr val="FF0000"/>
                 </a:solidFill>
               </a:rPr>
-              <a:t>f</a:t>
-            </a:r>
-            <a:r>
-              <a:rPr lang="en-US" dirty="0" err="1" smtClean="0">
-                <a:solidFill>
-                  <a:srgbClr val="FF0000"/>
-                </a:solidFill>
-              </a:rPr>
-              <a:t>ibo</a:t>
-            </a:r>
-            <a:r>
-              <a:rPr lang="en-US" dirty="0" smtClean="0">
+              <a:t>fibo</a:t>
+            </a:r>
+            <a:r>
+              <a:rPr lang="en-US" dirty="0">
                 <a:solidFill>
                   <a:schemeClr val="tx1">
                     <a:lumMod val="95000"/>
@@ -50283,14 +49923,6 @@
               </a:rPr>
               <a:t>(6) = 8</a:t>
             </a:r>
-            <a:endParaRPr lang="en-US" dirty="0">
-              <a:solidFill>
-                <a:schemeClr val="tx1">
-                  <a:lumMod val="95000"/>
-                  <a:lumOff val="5000"/>
-                </a:schemeClr>
-              </a:solidFill>
-            </a:endParaRPr>
           </a:p>
         </p:txBody>
       </p:sp>
@@ -50307,7 +49939,7 @@
 </p:sld>
 </file>
 
-<file path=ppt/slides/slide44.xml><?xml version="1.0" encoding="utf-8"?>
+<file path=ppt/slides/slide45.xml><?xml version="1.0" encoding="utf-8"?>
 <p:sld xmlns:a="http://schemas.openxmlformats.org/drawingml/2006/main" xmlns:r="http://schemas.openxmlformats.org/officeDocument/2006/relationships" xmlns:p="http://schemas.openxmlformats.org/presentationml/2006/main">
   <p:cSld>
     <p:spTree>
@@ -50390,19 +50022,19 @@
           <a:lstStyle/>
           <a:p>
             <a:r>
-              <a:rPr lang="en-US" sz="2000" dirty="0" smtClean="0"/>
+              <a:rPr lang="en-US" sz="2000" dirty="0"/>
               <a:t>Cho </a:t>
             </a:r>
             <a:r>
-              <a:rPr lang="en-US" sz="2000" dirty="0" err="1" smtClean="0"/>
+              <a:rPr lang="en-US" sz="2000" dirty="0" err="1"/>
               <a:t>một</a:t>
             </a:r>
             <a:r>
-              <a:rPr lang="en-US" sz="2000" dirty="0" smtClean="0"/>
+              <a:rPr lang="en-US" sz="2000" dirty="0"/>
               <a:t> </a:t>
             </a:r>
             <a:r>
-              <a:rPr lang="en-US" sz="2000" dirty="0" err="1" smtClean="0">
+              <a:rPr lang="en-US" sz="2000" dirty="0" err="1">
                 <a:solidFill>
                   <a:schemeClr val="accent3">
                     <a:lumMod val="60000"/>
@@ -50413,7 +50045,7 @@
               <a:t>mảng</a:t>
             </a:r>
             <a:r>
-              <a:rPr lang="en-US" sz="2000" dirty="0" smtClean="0">
+              <a:rPr lang="en-US" sz="2000" dirty="0">
                 <a:solidFill>
                   <a:schemeClr val="accent3">
                     <a:lumMod val="60000"/>
@@ -50424,19 +50056,19 @@
               <a:t> A</a:t>
             </a:r>
             <a:r>
-              <a:rPr lang="en-US" sz="2000" dirty="0" smtClean="0"/>
+              <a:rPr lang="en-US" sz="2000" dirty="0"/>
               <a:t> </a:t>
             </a:r>
             <a:r>
-              <a:rPr lang="en-US" sz="2000" dirty="0" err="1" smtClean="0"/>
+              <a:rPr lang="en-US" sz="2000" dirty="0" err="1"/>
               <a:t>có</a:t>
             </a:r>
             <a:r>
-              <a:rPr lang="en-US" sz="2000" dirty="0" smtClean="0"/>
+              <a:rPr lang="en-US" sz="2000" dirty="0"/>
               <a:t> </a:t>
             </a:r>
             <a:r>
-              <a:rPr lang="en-US" sz="2000" dirty="0" smtClean="0">
+              <a:rPr lang="en-US" sz="2000" dirty="0">
                 <a:solidFill>
                   <a:schemeClr val="accent3">
                     <a:lumMod val="60000"/>
@@ -50447,51 +50079,51 @@
               <a:t>n</a:t>
             </a:r>
             <a:r>
-              <a:rPr lang="en-US" sz="2000" dirty="0" smtClean="0"/>
-              <a:t> </a:t>
-            </a:r>
-            <a:r>
-              <a:rPr lang="en-US" sz="2000" dirty="0" err="1" smtClean="0"/>
-              <a:t>phần</a:t>
-            </a:r>
-            <a:r>
-              <a:rPr lang="en-US" sz="2000" dirty="0" smtClean="0"/>
-              <a:t> </a:t>
-            </a:r>
-            <a:r>
-              <a:rPr lang="en-US" sz="2000" dirty="0" err="1" smtClean="0"/>
-              <a:t>tử</a:t>
-            </a:r>
-            <a:r>
               <a:rPr lang="en-US" sz="2000" dirty="0"/>
               <a:t> </a:t>
             </a:r>
             <a:r>
-              <a:rPr lang="en-US" sz="2000" dirty="0" err="1" smtClean="0"/>
+              <a:rPr lang="en-US" sz="2000" dirty="0" err="1"/>
+              <a:t>phần</a:t>
+            </a:r>
+            <a:r>
+              <a:rPr lang="en-US" sz="2000" dirty="0"/>
+              <a:t> </a:t>
+            </a:r>
+            <a:r>
+              <a:rPr lang="en-US" sz="2000" dirty="0" err="1"/>
+              <a:t>tử</a:t>
+            </a:r>
+            <a:r>
+              <a:rPr lang="en-US" sz="2000" dirty="0"/>
+              <a:t> </a:t>
+            </a:r>
+            <a:r>
+              <a:rPr lang="en-US" sz="2000" dirty="0" err="1"/>
               <a:t>số</a:t>
             </a:r>
             <a:r>
-              <a:rPr lang="en-US" sz="2000" dirty="0" smtClean="0"/>
+              <a:rPr lang="en-US" sz="2000" dirty="0"/>
               <a:t> </a:t>
             </a:r>
             <a:r>
-              <a:rPr lang="en-US" sz="2000" dirty="0" err="1" smtClean="0"/>
+              <a:rPr lang="en-US" sz="2000" dirty="0" err="1"/>
               <a:t>nguyên</a:t>
             </a:r>
             <a:r>
-              <a:rPr lang="en-US" sz="2000" dirty="0" smtClean="0"/>
+              <a:rPr lang="en-US" sz="2000" dirty="0"/>
               <a:t>. </a:t>
             </a:r>
             <a:r>
-              <a:rPr lang="en-US" sz="2000" dirty="0" err="1" smtClean="0"/>
+              <a:rPr lang="en-US" sz="2000" dirty="0" err="1"/>
               <a:t>Với</a:t>
             </a:r>
             <a:r>
-              <a:rPr lang="en-US" sz="2000" dirty="0" smtClean="0"/>
+              <a:rPr lang="en-US" sz="2000" dirty="0"/>
               <a:t> </a:t>
             </a:r>
             <a:r>
-              <a:rPr lang="en-US" sz="2000" dirty="0" smtClean="0">
+              <a:rPr lang="en-US" sz="2000" dirty="0">
                 <a:solidFill>
                   <a:schemeClr val="accent3">
                     <a:lumMod val="60000"/>
@@ -50504,71 +50136,71 @@
           </a:p>
           <a:p>
             <a:r>
-              <a:rPr lang="en-US" sz="2000" dirty="0" err="1" smtClean="0"/>
+              <a:rPr lang="en-US" sz="2000" dirty="0" err="1"/>
               <a:t>Tìm</a:t>
             </a:r>
             <a:r>
-              <a:rPr lang="en-US" sz="2000" dirty="0" smtClean="0"/>
+              <a:rPr lang="en-US" sz="2000" dirty="0"/>
               <a:t> </a:t>
             </a:r>
             <a:r>
-              <a:rPr lang="en-US" sz="2000" dirty="0" err="1" smtClean="0"/>
+              <a:rPr lang="en-US" sz="2000" dirty="0" err="1"/>
               <a:t>hiệu</a:t>
             </a:r>
             <a:r>
-              <a:rPr lang="en-US" sz="2000" dirty="0" smtClean="0"/>
+              <a:rPr lang="en-US" sz="2000" dirty="0"/>
               <a:t> </a:t>
             </a:r>
             <a:r>
-              <a:rPr lang="en-US" sz="2000" dirty="0" err="1" smtClean="0"/>
+              <a:rPr lang="en-US" sz="2000" dirty="0" err="1"/>
               <a:t>lớn</a:t>
             </a:r>
             <a:r>
-              <a:rPr lang="en-US" sz="2000" dirty="0" smtClean="0"/>
+              <a:rPr lang="en-US" sz="2000" dirty="0"/>
               <a:t> </a:t>
             </a:r>
             <a:r>
-              <a:rPr lang="en-US" sz="2000" dirty="0" err="1" smtClean="0"/>
+              <a:rPr lang="en-US" sz="2000" dirty="0" err="1"/>
               <a:t>nhất</a:t>
             </a:r>
             <a:r>
-              <a:rPr lang="en-US" sz="2000" dirty="0" smtClean="0"/>
+              <a:rPr lang="en-US" sz="2000" dirty="0"/>
               <a:t> </a:t>
             </a:r>
             <a:r>
-              <a:rPr lang="en-US" sz="2000" dirty="0" err="1" smtClean="0"/>
+              <a:rPr lang="en-US" sz="2000" dirty="0" err="1"/>
               <a:t>khi</a:t>
             </a:r>
             <a:r>
-              <a:rPr lang="en-US" sz="2000" dirty="0" smtClean="0"/>
+              <a:rPr lang="en-US" sz="2000" dirty="0"/>
               <a:t> </a:t>
             </a:r>
             <a:r>
-              <a:rPr lang="en-US" sz="2000" dirty="0" err="1" smtClean="0"/>
+              <a:rPr lang="en-US" sz="2000" dirty="0" err="1"/>
               <a:t>lấy</a:t>
             </a:r>
             <a:r>
-              <a:rPr lang="en-US" sz="2000" dirty="0" smtClean="0"/>
+              <a:rPr lang="en-US" sz="2000" dirty="0"/>
               <a:t> </a:t>
             </a:r>
             <a:r>
-              <a:rPr lang="en-US" sz="2000" dirty="0" err="1" smtClean="0"/>
+              <a:rPr lang="en-US" sz="2000" dirty="0" err="1"/>
               <a:t>bất</a:t>
             </a:r>
             <a:r>
-              <a:rPr lang="en-US" sz="2000" dirty="0" smtClean="0"/>
+              <a:rPr lang="en-US" sz="2000" dirty="0"/>
               <a:t> </a:t>
             </a:r>
             <a:r>
-              <a:rPr lang="en-US" sz="2000" dirty="0" err="1" smtClean="0"/>
+              <a:rPr lang="en-US" sz="2000" dirty="0" err="1"/>
               <a:t>kỳ</a:t>
             </a:r>
             <a:r>
-              <a:rPr lang="en-US" sz="2000" dirty="0" smtClean="0"/>
+              <a:rPr lang="en-US" sz="2000" dirty="0"/>
               <a:t> </a:t>
             </a:r>
             <a:r>
-              <a:rPr lang="en-US" sz="2000" dirty="0" smtClean="0">
+              <a:rPr lang="en-US" sz="2000" dirty="0">
                 <a:solidFill>
                   <a:schemeClr val="accent3">
                     <a:lumMod val="60000"/>
@@ -50579,19 +50211,19 @@
               <a:t>A[x] – A[y]</a:t>
             </a:r>
             <a:r>
-              <a:rPr lang="en-US" sz="2000" dirty="0" smtClean="0"/>
+              <a:rPr lang="en-US" sz="2000" dirty="0"/>
               <a:t> </a:t>
             </a:r>
             <a:r>
-              <a:rPr lang="en-US" sz="2000" dirty="0" err="1" smtClean="0"/>
+              <a:rPr lang="en-US" sz="2000" dirty="0" err="1"/>
               <a:t>với</a:t>
             </a:r>
             <a:r>
-              <a:rPr lang="en-US" sz="2000" dirty="0" smtClean="0"/>
+              <a:rPr lang="en-US" sz="2000" dirty="0"/>
               <a:t> </a:t>
             </a:r>
             <a:r>
-              <a:rPr lang="en-US" sz="2000" dirty="0" smtClean="0">
+              <a:rPr lang="en-US" sz="2000" dirty="0">
                 <a:solidFill>
                   <a:schemeClr val="accent3">
                     <a:lumMod val="60000"/>
@@ -50602,41 +50234,41 @@
               <a:t>x &gt; y</a:t>
             </a:r>
             <a:r>
-              <a:rPr lang="en-US" sz="2000" dirty="0" smtClean="0"/>
+              <a:rPr lang="en-US" sz="2000" dirty="0"/>
               <a:t>.</a:t>
             </a:r>
           </a:p>
           <a:p>
             <a:r>
-              <a:rPr lang="en-US" sz="2000" dirty="0" smtClean="0"/>
+              <a:rPr lang="en-US" sz="2000" dirty="0"/>
               <a:t>Cho </a:t>
             </a:r>
             <a:r>
-              <a:rPr lang="en-US" sz="2000" dirty="0" err="1" smtClean="0"/>
+              <a:rPr lang="en-US" sz="2000" dirty="0" err="1"/>
               <a:t>biết</a:t>
             </a:r>
             <a:r>
-              <a:rPr lang="en-US" sz="2000" dirty="0" smtClean="0"/>
+              <a:rPr lang="en-US" sz="2000" dirty="0"/>
               <a:t> </a:t>
             </a:r>
             <a:r>
-              <a:rPr lang="en-US" sz="2000" dirty="0" err="1" smtClean="0"/>
+              <a:rPr lang="en-US" sz="2000" dirty="0" err="1"/>
               <a:t>độ</a:t>
             </a:r>
             <a:r>
-              <a:rPr lang="en-US" sz="2000" dirty="0" smtClean="0"/>
+              <a:rPr lang="en-US" sz="2000" dirty="0"/>
               <a:t> </a:t>
             </a:r>
             <a:r>
-              <a:rPr lang="en-US" sz="2000" dirty="0" err="1" smtClean="0"/>
+              <a:rPr lang="en-US" sz="2000" dirty="0" err="1"/>
               <a:t>phức</a:t>
             </a:r>
             <a:r>
-              <a:rPr lang="en-US" sz="2000" dirty="0" smtClean="0"/>
+              <a:rPr lang="en-US" sz="2000" dirty="0"/>
               <a:t> </a:t>
             </a:r>
             <a:r>
-              <a:rPr lang="en-US" sz="2000" dirty="0" err="1" smtClean="0"/>
+              <a:rPr lang="en-US" sz="2000" dirty="0" err="1"/>
               <a:t>tạp</a:t>
             </a:r>
             <a:r>
@@ -50674,18 +50306,10 @@
                   <a:schemeClr val="bg1"/>
                 </a:solidFill>
               </a:rPr>
-              <a:t>i</a:t>
-            </a:r>
-            <a:r>
-              <a:rPr lang="en-US" sz="3200" dirty="0" err="1" smtClean="0">
-                <a:solidFill>
-                  <a:schemeClr val="bg1"/>
-                </a:solidFill>
-              </a:rPr>
-              <a:t>nt</a:t>
-            </a:r>
-            <a:r>
-              <a:rPr lang="en-US" sz="3200" dirty="0" smtClean="0">
+              <a:t>int</a:t>
+            </a:r>
+            <a:r>
+              <a:rPr lang="en-US" sz="3200" dirty="0">
                 <a:solidFill>
                   <a:schemeClr val="bg1"/>
                 </a:solidFill>
@@ -50693,7 +50317,7 @@
               <a:t> </a:t>
             </a:r>
             <a:r>
-              <a:rPr lang="en-US" sz="3200" dirty="0" err="1" smtClean="0">
+              <a:rPr lang="en-US" sz="3200" dirty="0" err="1">
                 <a:solidFill>
                   <a:schemeClr val="accent3">
                     <a:lumMod val="60000"/>
@@ -50704,7 +50328,7 @@
               <a:t>maxDiff</a:t>
             </a:r>
             <a:r>
-              <a:rPr lang="en-US" sz="3200" dirty="0" smtClean="0">
+              <a:rPr lang="en-US" sz="3200" dirty="0">
                 <a:solidFill>
                   <a:schemeClr val="bg1"/>
                 </a:solidFill>
@@ -50712,7 +50336,7 @@
               <a:t>(</a:t>
             </a:r>
             <a:r>
-              <a:rPr lang="en-US" sz="3200" dirty="0" err="1" smtClean="0">
+              <a:rPr lang="en-US" sz="3200" dirty="0" err="1">
                 <a:solidFill>
                   <a:schemeClr val="bg1"/>
                 </a:solidFill>
@@ -50720,7 +50344,7 @@
               <a:t>int</a:t>
             </a:r>
             <a:r>
-              <a:rPr lang="en-US" sz="3200" dirty="0" smtClean="0">
+              <a:rPr lang="en-US" sz="3200" dirty="0">
                 <a:solidFill>
                   <a:schemeClr val="bg1"/>
                 </a:solidFill>
@@ -50728,7 +50352,7 @@
               <a:t> </a:t>
             </a:r>
             <a:r>
-              <a:rPr lang="en-US" sz="3200" dirty="0" smtClean="0">
+              <a:rPr lang="en-US" sz="3200" dirty="0">
                 <a:solidFill>
                   <a:schemeClr val="bg2">
                     <a:lumMod val="60000"/>
@@ -50739,7 +50363,7 @@
               <a:t>A[]</a:t>
             </a:r>
             <a:r>
-              <a:rPr lang="en-US" sz="3200" dirty="0" smtClean="0">
+              <a:rPr lang="en-US" sz="3200" dirty="0">
                 <a:solidFill>
                   <a:schemeClr val="bg1"/>
                 </a:solidFill>
@@ -50747,7 +50371,7 @@
               <a:t>,</a:t>
             </a:r>
             <a:r>
-              <a:rPr lang="en-US" sz="3200" dirty="0" smtClean="0">
+              <a:rPr lang="en-US" sz="3200" dirty="0">
                 <a:solidFill>
                   <a:srgbClr val="92D050"/>
                 </a:solidFill>
@@ -50755,7 +50379,7 @@
               <a:t> </a:t>
             </a:r>
             <a:r>
-              <a:rPr lang="en-US" sz="3200" dirty="0" err="1" smtClean="0">
+              <a:rPr lang="en-US" sz="3200" dirty="0" err="1">
                 <a:solidFill>
                   <a:schemeClr val="bg1"/>
                 </a:solidFill>
@@ -50763,7 +50387,7 @@
               <a:t>int</a:t>
             </a:r>
             <a:r>
-              <a:rPr lang="en-US" sz="3200" dirty="0" smtClean="0">
+              <a:rPr lang="en-US" sz="3200" dirty="0">
                 <a:solidFill>
                   <a:schemeClr val="bg1"/>
                 </a:solidFill>
@@ -50771,7 +50395,7 @@
               <a:t> </a:t>
             </a:r>
             <a:r>
-              <a:rPr lang="en-US" sz="3200" dirty="0" smtClean="0">
+              <a:rPr lang="en-US" sz="3200" dirty="0">
                 <a:solidFill>
                   <a:schemeClr val="bg2">
                     <a:lumMod val="60000"/>
@@ -50782,7 +50406,7 @@
               <a:t>n</a:t>
             </a:r>
             <a:r>
-              <a:rPr lang="en-US" sz="3200" dirty="0" smtClean="0">
+              <a:rPr lang="en-US" sz="3200" dirty="0">
                 <a:solidFill>
                   <a:schemeClr val="bg1"/>
                 </a:solidFill>
@@ -50792,7 +50416,7 @@
           </a:p>
           <a:p>
             <a:r>
-              <a:rPr lang="en-US" sz="3200" dirty="0" smtClean="0">
+              <a:rPr lang="en-US" sz="3200" dirty="0">
                 <a:solidFill>
                   <a:schemeClr val="bg1"/>
                 </a:solidFill>
@@ -50810,7 +50434,7 @@
               <a:t>	</a:t>
             </a:r>
             <a:r>
-              <a:rPr lang="en-US" sz="3200" dirty="0" smtClean="0">
+              <a:rPr lang="en-US" sz="3200" dirty="0">
                 <a:solidFill>
                   <a:srgbClr val="92D050"/>
                 </a:solidFill>
@@ -50820,18 +50444,13 @@
           </a:p>
           <a:p>
             <a:r>
-              <a:rPr lang="en-US" sz="3200" dirty="0" smtClean="0">
+              <a:rPr lang="en-US" sz="3200" dirty="0">
                 <a:solidFill>
                   <a:schemeClr val="bg1"/>
                 </a:solidFill>
               </a:rPr>
               <a:t>}</a:t>
             </a:r>
-            <a:endParaRPr lang="en-US" sz="3200" dirty="0">
-              <a:solidFill>
-                <a:schemeClr val="bg1"/>
-              </a:solidFill>
-            </a:endParaRPr>
           </a:p>
         </p:txBody>
       </p:sp>
@@ -50863,17 +50482,17 @@
               </a:lnSpc>
             </a:pPr>
             <a:r>
-              <a:rPr lang="en-US" dirty="0" err="1" smtClean="0"/>
+              <a:rPr lang="en-US" dirty="0" err="1"/>
               <a:t>Mảng</a:t>
             </a:r>
             <a:r>
-              <a:rPr lang="en-US" dirty="0" smtClean="0"/>
+              <a:rPr lang="en-US" dirty="0"/>
               <a:t> A = [ 9, 1, 2, 8, ], n = 4</a:t>
             </a:r>
           </a:p>
           <a:p>
             <a:r>
-              <a:rPr lang="en-US" dirty="0" err="1" smtClean="0">
+              <a:rPr lang="en-US" dirty="0" err="1">
                 <a:solidFill>
                   <a:srgbClr val="FF0000"/>
                 </a:solidFill>
@@ -50881,7 +50500,7 @@
               <a:t>maxDiff</a:t>
             </a:r>
             <a:r>
-              <a:rPr lang="en-US" dirty="0" smtClean="0">
+              <a:rPr lang="en-US" dirty="0">
                 <a:solidFill>
                   <a:schemeClr val="tx1">
                     <a:lumMod val="95000"/>
@@ -50892,7 +50511,7 @@
               <a:t>(</a:t>
             </a:r>
             <a:r>
-              <a:rPr lang="en-US" dirty="0" err="1" smtClean="0">
+              <a:rPr lang="en-US" dirty="0" err="1">
                 <a:solidFill>
                   <a:schemeClr val="tx1">
                     <a:lumMod val="95000"/>
@@ -50903,7 +50522,7 @@
               <a:t>A,n</a:t>
             </a:r>
             <a:r>
-              <a:rPr lang="en-US" dirty="0" smtClean="0">
+              <a:rPr lang="en-US" dirty="0">
                 <a:solidFill>
                   <a:schemeClr val="tx1">
                     <a:lumMod val="95000"/>
@@ -50914,18 +50533,13 @@
               <a:t>) = 7 </a:t>
             </a:r>
             <a:r>
-              <a:rPr lang="en-US" dirty="0" smtClean="0">
+              <a:rPr lang="en-US" dirty="0">
                 <a:solidFill>
                   <a:srgbClr val="00B050"/>
                 </a:solidFill>
               </a:rPr>
               <a:t>// A[3] – A[1] = 8 -1 = 7</a:t>
             </a:r>
-            <a:endParaRPr lang="en-US" dirty="0">
-              <a:solidFill>
-                <a:srgbClr val="00B050"/>
-              </a:solidFill>
-            </a:endParaRPr>
           </a:p>
         </p:txBody>
       </p:sp>
@@ -50942,7 +50556,7 @@
 </p:sld>
 </file>
 
-<file path=ppt/slides/slide45.xml><?xml version="1.0" encoding="utf-8"?>
+<file path=ppt/slides/slide46.xml><?xml version="1.0" encoding="utf-8"?>
 <p:sld xmlns:a="http://schemas.openxmlformats.org/drawingml/2006/main" xmlns:r="http://schemas.openxmlformats.org/officeDocument/2006/relationships" xmlns:p="http://schemas.openxmlformats.org/presentationml/2006/main" show="0">
   <p:cSld>
     <p:spTree>
@@ -51071,14 +50685,6 @@
   <p:clrMapOvr>
     <a:masterClrMapping/>
   </p:clrMapOvr>
-  <mc:AlternateContent xmlns:mc="http://schemas.openxmlformats.org/markup-compatibility/2006" xmlns:p14="http://schemas.microsoft.com/office/powerpoint/2010/main">
-    <mc:Choice Requires="p14">
-      <p:transition spd="slow" p14:dur="2000"/>
-    </mc:Choice>
-    <mc:Fallback xmlns="">
-      <p:transition spd="slow"/>
-    </mc:Fallback>
-  </mc:AlternateContent>
   <p:timing>
     <p:tnLst>
       <p:par>
@@ -51841,14 +51447,6 @@
   <p:clrMapOvr>
     <a:masterClrMapping/>
   </p:clrMapOvr>
-  <mc:AlternateContent xmlns:mc="http://schemas.openxmlformats.org/markup-compatibility/2006" xmlns:p14="http://schemas.microsoft.com/office/powerpoint/2010/main">
-    <mc:Choice Requires="p14">
-      <p:transition spd="slow" p14:dur="2000"/>
-    </mc:Choice>
-    <mc:Fallback xmlns:p15="http://schemas.microsoft.com/office/powerpoint/2012/main" xmlns="">
-      <p:transition spd="slow"/>
-    </mc:Fallback>
-  </mc:AlternateContent>
   <p:timing>
     <p:tnLst>
       <p:par>
@@ -52269,14 +51867,6 @@
   <p:clrMapOvr>
     <a:masterClrMapping/>
   </p:clrMapOvr>
-  <mc:AlternateContent xmlns:mc="http://schemas.openxmlformats.org/markup-compatibility/2006" xmlns:p14="http://schemas.microsoft.com/office/powerpoint/2010/main">
-    <mc:Choice Requires="p14">
-      <p:transition spd="slow" p14:dur="2000"/>
-    </mc:Choice>
-    <mc:Fallback xmlns:p15="http://schemas.microsoft.com/office/powerpoint/2012/main" xmlns="">
-      <p:transition spd="slow"/>
-    </mc:Fallback>
-  </mc:AlternateContent>
   <p:timing>
     <p:tnLst>
       <p:par>
@@ -52668,14 +52258,6 @@
   <p:clrMapOvr>
     <a:masterClrMapping/>
   </p:clrMapOvr>
-  <mc:AlternateContent xmlns:mc="http://schemas.openxmlformats.org/markup-compatibility/2006" xmlns:p14="http://schemas.microsoft.com/office/powerpoint/2010/main">
-    <mc:Choice Requires="p14">
-      <p:transition spd="slow" p14:dur="2000"/>
-    </mc:Choice>
-    <mc:Fallback xmlns:p15="http://schemas.microsoft.com/office/powerpoint/2012/main" xmlns="">
-      <p:transition spd="slow"/>
-    </mc:Fallback>
-  </mc:AlternateContent>
   <p:timing>
     <p:tnLst>
       <p:par>
@@ -53200,14 +52782,6 @@
   <p:clrMapOvr>
     <a:masterClrMapping/>
   </p:clrMapOvr>
-  <mc:AlternateContent xmlns:mc="http://schemas.openxmlformats.org/markup-compatibility/2006" xmlns:p14="http://schemas.microsoft.com/office/powerpoint/2010/main">
-    <mc:Choice Requires="p14">
-      <p:transition spd="slow" p14:dur="2000"/>
-    </mc:Choice>
-    <mc:Fallback xmlns:p15="http://schemas.microsoft.com/office/powerpoint/2012/main" xmlns="">
-      <p:transition spd="slow"/>
-    </mc:Fallback>
-  </mc:AlternateContent>
   <p:timing>
     <p:tnLst>
       <p:par>
@@ -53591,14 +53165,6 @@
   <p:clrMapOvr>
     <a:masterClrMapping/>
   </p:clrMapOvr>
-  <mc:AlternateContent xmlns:mc="http://schemas.openxmlformats.org/markup-compatibility/2006" xmlns:p14="http://schemas.microsoft.com/office/powerpoint/2010/main">
-    <mc:Choice Requires="p14">
-      <p:transition spd="slow" p14:dur="2000"/>
-    </mc:Choice>
-    <mc:Fallback xmlns:p15="http://schemas.microsoft.com/office/powerpoint/2012/main" xmlns="">
-      <p:transition spd="slow"/>
-    </mc:Fallback>
-  </mc:AlternateContent>
   <p:timing>
     <p:tnLst>
       <p:par>
